--- a/SPA/Angular/AngularCont.pptx
+++ b/SPA/Angular/AngularCont.pptx
@@ -1,23 +1,122 @@
 
 <file path=ppt/presentation.xml><?xml version="1.0" encoding="utf-8"?>
-<p:presentation xmlns:a="http://schemas.openxmlformats.org/drawingml/2006/main" xmlns:p="http://schemas.openxmlformats.org/presentationml/2006/main" xmlns:r="http://schemas.openxmlformats.org/officeDocument/2006/relationships" xmlns:p14="http://schemas.microsoft.com/office/powerpoint/2010/main" xmlns:p15="http://schemas.microsoft.com/office/powerpoint/2012/main" xmlns:mc="http://schemas.openxmlformats.org/markup-compatibility/2006">
+<p:presentation xmlns:a="http://schemas.openxmlformats.org/drawingml/2006/main" xmlns:r="http://schemas.openxmlformats.org/officeDocument/2006/relationships" xmlns:p="http://schemas.openxmlformats.org/presentationml/2006/main">
   <p:sldMasterIdLst>
-    <p:sldMasterId id="2147483648" r:id="rId2"/>
-    <p:sldMasterId id="2147483661" r:id="rId3"/>
+    <p:sldMasterId id="2147483648" r:id="rId1"/>
+    <p:sldMasterId id="2147483661" r:id="rId2"/>
   </p:sldMasterIdLst>
   <p:sldIdLst>
-    <p:sldId id="256" r:id="rId4"/>
-    <p:sldId id="257" r:id="rId5"/>
-    <p:sldId id="258" r:id="rId6"/>
-    <p:sldId id="259" r:id="rId7"/>
+    <p:sldId id="256" r:id="rId3"/>
+    <p:sldId id="257" r:id="rId4"/>
+    <p:sldId id="258" r:id="rId5"/>
+    <p:sldId id="260" r:id="rId6"/>
+    <p:sldId id="261" r:id="rId7"/>
+    <p:sldId id="262" r:id="rId8"/>
+    <p:sldId id="263" r:id="rId9"/>
+    <p:sldId id="259" r:id="rId10"/>
   </p:sldIdLst>
   <p:sldSz cx="10080625" cy="7559675"/>
-  <p:notesSz cx="7559675" cy="10691812"/>
+  <p:notesSz cx="7559675" cy="10691813"/>
+  <p:defaultTextStyle>
+    <a:defPPr>
+      <a:defRPr lang="he-IL"/>
+    </a:defPPr>
+    <a:lvl1pPr marL="0" algn="r" defTabSz="914400" rtl="1" eaLnBrk="1" latinLnBrk="0" hangingPunct="1">
+      <a:defRPr sz="1800" kern="1200">
+        <a:solidFill>
+          <a:schemeClr val="tx1"/>
+        </a:solidFill>
+        <a:latin typeface="+mn-lt"/>
+        <a:ea typeface="+mn-ea"/>
+        <a:cs typeface="+mn-cs"/>
+      </a:defRPr>
+    </a:lvl1pPr>
+    <a:lvl2pPr marL="457200" algn="r" defTabSz="914400" rtl="1" eaLnBrk="1" latinLnBrk="0" hangingPunct="1">
+      <a:defRPr sz="1800" kern="1200">
+        <a:solidFill>
+          <a:schemeClr val="tx1"/>
+        </a:solidFill>
+        <a:latin typeface="+mn-lt"/>
+        <a:ea typeface="+mn-ea"/>
+        <a:cs typeface="+mn-cs"/>
+      </a:defRPr>
+    </a:lvl2pPr>
+    <a:lvl3pPr marL="914400" algn="r" defTabSz="914400" rtl="1" eaLnBrk="1" latinLnBrk="0" hangingPunct="1">
+      <a:defRPr sz="1800" kern="1200">
+        <a:solidFill>
+          <a:schemeClr val="tx1"/>
+        </a:solidFill>
+        <a:latin typeface="+mn-lt"/>
+        <a:ea typeface="+mn-ea"/>
+        <a:cs typeface="+mn-cs"/>
+      </a:defRPr>
+    </a:lvl3pPr>
+    <a:lvl4pPr marL="1371600" algn="r" defTabSz="914400" rtl="1" eaLnBrk="1" latinLnBrk="0" hangingPunct="1">
+      <a:defRPr sz="1800" kern="1200">
+        <a:solidFill>
+          <a:schemeClr val="tx1"/>
+        </a:solidFill>
+        <a:latin typeface="+mn-lt"/>
+        <a:ea typeface="+mn-ea"/>
+        <a:cs typeface="+mn-cs"/>
+      </a:defRPr>
+    </a:lvl4pPr>
+    <a:lvl5pPr marL="1828800" algn="r" defTabSz="914400" rtl="1" eaLnBrk="1" latinLnBrk="0" hangingPunct="1">
+      <a:defRPr sz="1800" kern="1200">
+        <a:solidFill>
+          <a:schemeClr val="tx1"/>
+        </a:solidFill>
+        <a:latin typeface="+mn-lt"/>
+        <a:ea typeface="+mn-ea"/>
+        <a:cs typeface="+mn-cs"/>
+      </a:defRPr>
+    </a:lvl5pPr>
+    <a:lvl6pPr marL="2286000" algn="r" defTabSz="914400" rtl="1" eaLnBrk="1" latinLnBrk="0" hangingPunct="1">
+      <a:defRPr sz="1800" kern="1200">
+        <a:solidFill>
+          <a:schemeClr val="tx1"/>
+        </a:solidFill>
+        <a:latin typeface="+mn-lt"/>
+        <a:ea typeface="+mn-ea"/>
+        <a:cs typeface="+mn-cs"/>
+      </a:defRPr>
+    </a:lvl6pPr>
+    <a:lvl7pPr marL="2743200" algn="r" defTabSz="914400" rtl="1" eaLnBrk="1" latinLnBrk="0" hangingPunct="1">
+      <a:defRPr sz="1800" kern="1200">
+        <a:solidFill>
+          <a:schemeClr val="tx1"/>
+        </a:solidFill>
+        <a:latin typeface="+mn-lt"/>
+        <a:ea typeface="+mn-ea"/>
+        <a:cs typeface="+mn-cs"/>
+      </a:defRPr>
+    </a:lvl7pPr>
+    <a:lvl8pPr marL="3200400" algn="r" defTabSz="914400" rtl="1" eaLnBrk="1" latinLnBrk="0" hangingPunct="1">
+      <a:defRPr sz="1800" kern="1200">
+        <a:solidFill>
+          <a:schemeClr val="tx1"/>
+        </a:solidFill>
+        <a:latin typeface="+mn-lt"/>
+        <a:ea typeface="+mn-ea"/>
+        <a:cs typeface="+mn-cs"/>
+      </a:defRPr>
+    </a:lvl8pPr>
+    <a:lvl9pPr marL="3657600" algn="r" defTabSz="914400" rtl="1" eaLnBrk="1" latinLnBrk="0" hangingPunct="1">
+      <a:defRPr sz="1800" kern="1200">
+        <a:solidFill>
+          <a:schemeClr val="tx1"/>
+        </a:solidFill>
+        <a:latin typeface="+mn-lt"/>
+        <a:ea typeface="+mn-ea"/>
+        <a:cs typeface="+mn-cs"/>
+      </a:defRPr>
+    </a:lvl9pPr>
+  </p:defaultTextStyle>
 </p:presentation>
 </file>
 
 <file path=ppt/slideLayouts/slideLayout1.xml><?xml version="1.0" encoding="utf-8"?>
-<p:sldLayout xmlns:a="http://schemas.openxmlformats.org/drawingml/2006/main" xmlns:p="http://schemas.openxmlformats.org/presentationml/2006/main" xmlns:r="http://schemas.openxmlformats.org/officeDocument/2006/relationships" xmlns:p14="http://schemas.microsoft.com/office/powerpoint/2010/main" xmlns:p15="http://schemas.microsoft.com/office/powerpoint/2012/main" xmlns:mc="http://schemas.openxmlformats.org/markup-compatibility/2006" type="blank" preserve="1">
+<p:sldLayout xmlns:a="http://schemas.openxmlformats.org/drawingml/2006/main" xmlns:r="http://schemas.openxmlformats.org/officeDocument/2006/relationships" xmlns:p="http://schemas.openxmlformats.org/presentationml/2006/main" type="blank" preserve="1">
   <p:cSld name="Blank Slide">
     <p:spTree>
       <p:nvGrpSpPr>
@@ -35,11 +134,14 @@
       </p:grpSpPr>
     </p:spTree>
   </p:cSld>
+  <p:clrMapOvr>
+    <a:masterClrMapping/>
+  </p:clrMapOvr>
 </p:sldLayout>
 </file>
 
 <file path=ppt/slideLayouts/slideLayout10.xml><?xml version="1.0" encoding="utf-8"?>
-<p:sldLayout xmlns:a="http://schemas.openxmlformats.org/drawingml/2006/main" xmlns:p="http://schemas.openxmlformats.org/presentationml/2006/main" xmlns:r="http://schemas.openxmlformats.org/officeDocument/2006/relationships" xmlns:p14="http://schemas.microsoft.com/office/powerpoint/2010/main" xmlns:p15="http://schemas.microsoft.com/office/powerpoint/2012/main" xmlns:mc="http://schemas.openxmlformats.org/markup-compatibility/2006" type="objOverTx" preserve="1">
+<p:sldLayout xmlns:a="http://schemas.openxmlformats.org/drawingml/2006/main" xmlns:r="http://schemas.openxmlformats.org/officeDocument/2006/relationships" xmlns:p="http://schemas.openxmlformats.org/presentationml/2006/main" type="objOverTx" preserve="1">
   <p:cSld name="Title, Content over Content">
     <p:spTree>
       <p:nvGrpSpPr>
@@ -75,14 +177,15 @@
           </a:prstGeom>
         </p:spPr>
         <p:txBody>
-          <a:bodyPr lIns="0" rIns="0" tIns="0" bIns="0" anchor="ctr">
+          <a:bodyPr lIns="0" tIns="0" rIns="0" bIns="0" anchor="ctr">
             <a:spAutoFit/>
           </a:bodyPr>
+          <a:lstStyle/>
           <a:p>
             <a:pPr algn="ctr"/>
-            <a:endParaRPr b="0" lang="en-US" sz="5860" spc="-1" strike="noStrike">
-              <a:solidFill>
-                <a:srgbClr val="ffffff"/>
+            <a:endParaRPr lang="en-US" sz="5860" b="0" strike="noStrike" spc="-1">
+              <a:solidFill>
+                <a:srgbClr val="FFFFFF"/>
               </a:solidFill>
               <a:latin typeface="Arial"/>
             </a:endParaRPr>
@@ -109,13 +212,14 @@
           </a:prstGeom>
         </p:spPr>
         <p:txBody>
-          <a:bodyPr lIns="0" rIns="0" tIns="0" bIns="0">
+          <a:bodyPr lIns="0" tIns="0" rIns="0" bIns="0">
             <a:normAutofit/>
           </a:bodyPr>
-          <a:p>
-            <a:endParaRPr b="0" lang="en-US" sz="4260" spc="-1" strike="noStrike">
-              <a:solidFill>
-                <a:srgbClr val="ffffff"/>
+          <a:lstStyle/>
+          <a:p>
+            <a:endParaRPr lang="en-US" sz="4260" b="0" strike="noStrike" spc="-1">
+              <a:solidFill>
+                <a:srgbClr val="FFFFFF"/>
               </a:solidFill>
               <a:latin typeface="Arial"/>
             </a:endParaRPr>
@@ -142,13 +246,14 @@
           </a:prstGeom>
         </p:spPr>
         <p:txBody>
-          <a:bodyPr lIns="0" rIns="0" tIns="0" bIns="0">
+          <a:bodyPr lIns="0" tIns="0" rIns="0" bIns="0">
             <a:normAutofit/>
           </a:bodyPr>
-          <a:p>
-            <a:endParaRPr b="0" lang="en-US" sz="4260" spc="-1" strike="noStrike">
-              <a:solidFill>
-                <a:srgbClr val="ffffff"/>
+          <a:lstStyle/>
+          <a:p>
+            <a:endParaRPr lang="en-US" sz="4260" b="0" strike="noStrike" spc="-1">
+              <a:solidFill>
+                <a:srgbClr val="FFFFFF"/>
               </a:solidFill>
               <a:latin typeface="Arial"/>
             </a:endParaRPr>
@@ -157,11 +262,14 @@
       </p:sp>
     </p:spTree>
   </p:cSld>
+  <p:clrMapOvr>
+    <a:masterClrMapping/>
+  </p:clrMapOvr>
 </p:sldLayout>
 </file>
 
 <file path=ppt/slideLayouts/slideLayout11.xml><?xml version="1.0" encoding="utf-8"?>
-<p:sldLayout xmlns:a="http://schemas.openxmlformats.org/drawingml/2006/main" xmlns:p="http://schemas.openxmlformats.org/presentationml/2006/main" xmlns:r="http://schemas.openxmlformats.org/officeDocument/2006/relationships" xmlns:p14="http://schemas.microsoft.com/office/powerpoint/2010/main" xmlns:p15="http://schemas.microsoft.com/office/powerpoint/2012/main" xmlns:mc="http://schemas.openxmlformats.org/markup-compatibility/2006" type="fourObj" preserve="1">
+<p:sldLayout xmlns:a="http://schemas.openxmlformats.org/drawingml/2006/main" xmlns:r="http://schemas.openxmlformats.org/officeDocument/2006/relationships" xmlns:p="http://schemas.openxmlformats.org/presentationml/2006/main" type="fourObj" preserve="1">
   <p:cSld name="Title, 4 Content">
     <p:spTree>
       <p:nvGrpSpPr>
@@ -197,14 +305,15 @@
           </a:prstGeom>
         </p:spPr>
         <p:txBody>
-          <a:bodyPr lIns="0" rIns="0" tIns="0" bIns="0" anchor="ctr">
+          <a:bodyPr lIns="0" tIns="0" rIns="0" bIns="0" anchor="ctr">
             <a:spAutoFit/>
           </a:bodyPr>
+          <a:lstStyle/>
           <a:p>
             <a:pPr algn="ctr"/>
-            <a:endParaRPr b="0" lang="en-US" sz="5860" spc="-1" strike="noStrike">
-              <a:solidFill>
-                <a:srgbClr val="ffffff"/>
+            <a:endParaRPr lang="en-US" sz="5860" b="0" strike="noStrike" spc="-1">
+              <a:solidFill>
+                <a:srgbClr val="FFFFFF"/>
               </a:solidFill>
               <a:latin typeface="Arial"/>
             </a:endParaRPr>
@@ -231,13 +340,14 @@
           </a:prstGeom>
         </p:spPr>
         <p:txBody>
-          <a:bodyPr lIns="0" rIns="0" tIns="0" bIns="0">
+          <a:bodyPr lIns="0" tIns="0" rIns="0" bIns="0">
             <a:normAutofit/>
           </a:bodyPr>
-          <a:p>
-            <a:endParaRPr b="0" lang="en-US" sz="4260" spc="-1" strike="noStrike">
-              <a:solidFill>
-                <a:srgbClr val="ffffff"/>
+          <a:lstStyle/>
+          <a:p>
+            <a:endParaRPr lang="en-US" sz="4260" b="0" strike="noStrike" spc="-1">
+              <a:solidFill>
+                <a:srgbClr val="FFFFFF"/>
               </a:solidFill>
               <a:latin typeface="Arial"/>
             </a:endParaRPr>
@@ -264,13 +374,14 @@
           </a:prstGeom>
         </p:spPr>
         <p:txBody>
-          <a:bodyPr lIns="0" rIns="0" tIns="0" bIns="0">
+          <a:bodyPr lIns="0" tIns="0" rIns="0" bIns="0">
             <a:normAutofit/>
           </a:bodyPr>
-          <a:p>
-            <a:endParaRPr b="0" lang="en-US" sz="4260" spc="-1" strike="noStrike">
-              <a:solidFill>
-                <a:srgbClr val="ffffff"/>
+          <a:lstStyle/>
+          <a:p>
+            <a:endParaRPr lang="en-US" sz="4260" b="0" strike="noStrike" spc="-1">
+              <a:solidFill>
+                <a:srgbClr val="FFFFFF"/>
               </a:solidFill>
               <a:latin typeface="Arial"/>
             </a:endParaRPr>
@@ -297,13 +408,14 @@
           </a:prstGeom>
         </p:spPr>
         <p:txBody>
-          <a:bodyPr lIns="0" rIns="0" tIns="0" bIns="0">
+          <a:bodyPr lIns="0" tIns="0" rIns="0" bIns="0">
             <a:normAutofit/>
           </a:bodyPr>
-          <a:p>
-            <a:endParaRPr b="0" lang="en-US" sz="4260" spc="-1" strike="noStrike">
-              <a:solidFill>
-                <a:srgbClr val="ffffff"/>
+          <a:lstStyle/>
+          <a:p>
+            <a:endParaRPr lang="en-US" sz="4260" b="0" strike="noStrike" spc="-1">
+              <a:solidFill>
+                <a:srgbClr val="FFFFFF"/>
               </a:solidFill>
               <a:latin typeface="Arial"/>
             </a:endParaRPr>
@@ -330,13 +442,14 @@
           </a:prstGeom>
         </p:spPr>
         <p:txBody>
-          <a:bodyPr lIns="0" rIns="0" tIns="0" bIns="0">
+          <a:bodyPr lIns="0" tIns="0" rIns="0" bIns="0">
             <a:normAutofit/>
           </a:bodyPr>
-          <a:p>
-            <a:endParaRPr b="0" lang="en-US" sz="4260" spc="-1" strike="noStrike">
-              <a:solidFill>
-                <a:srgbClr val="ffffff"/>
+          <a:lstStyle/>
+          <a:p>
+            <a:endParaRPr lang="en-US" sz="4260" b="0" strike="noStrike" spc="-1">
+              <a:solidFill>
+                <a:srgbClr val="FFFFFF"/>
               </a:solidFill>
               <a:latin typeface="Arial"/>
             </a:endParaRPr>
@@ -345,11 +458,14 @@
       </p:sp>
     </p:spTree>
   </p:cSld>
+  <p:clrMapOvr>
+    <a:masterClrMapping/>
+  </p:clrMapOvr>
 </p:sldLayout>
 </file>
 
 <file path=ppt/slideLayouts/slideLayout12.xml><?xml version="1.0" encoding="utf-8"?>
-<p:sldLayout xmlns:a="http://schemas.openxmlformats.org/drawingml/2006/main" xmlns:p="http://schemas.openxmlformats.org/presentationml/2006/main" xmlns:r="http://schemas.openxmlformats.org/officeDocument/2006/relationships" xmlns:p14="http://schemas.microsoft.com/office/powerpoint/2010/main" xmlns:p15="http://schemas.microsoft.com/office/powerpoint/2012/main" xmlns:mc="http://schemas.openxmlformats.org/markup-compatibility/2006" type="blank" preserve="1">
+<p:sldLayout xmlns:a="http://schemas.openxmlformats.org/drawingml/2006/main" xmlns:r="http://schemas.openxmlformats.org/officeDocument/2006/relationships" xmlns:p="http://schemas.openxmlformats.org/presentationml/2006/main" type="blank" preserve="1">
   <p:cSld name="Title, 6 Content">
     <p:spTree>
       <p:nvGrpSpPr>
@@ -385,14 +501,15 @@
           </a:prstGeom>
         </p:spPr>
         <p:txBody>
-          <a:bodyPr lIns="0" rIns="0" tIns="0" bIns="0" anchor="ctr">
+          <a:bodyPr lIns="0" tIns="0" rIns="0" bIns="0" anchor="ctr">
             <a:spAutoFit/>
           </a:bodyPr>
+          <a:lstStyle/>
           <a:p>
             <a:pPr algn="ctr"/>
-            <a:endParaRPr b="0" lang="en-US" sz="5860" spc="-1" strike="noStrike">
-              <a:solidFill>
-                <a:srgbClr val="ffffff"/>
+            <a:endParaRPr lang="en-US" sz="5860" b="0" strike="noStrike" spc="-1">
+              <a:solidFill>
+                <a:srgbClr val="FFFFFF"/>
               </a:solidFill>
               <a:latin typeface="Arial"/>
             </a:endParaRPr>
@@ -419,13 +536,14 @@
           </a:prstGeom>
         </p:spPr>
         <p:txBody>
-          <a:bodyPr lIns="0" rIns="0" tIns="0" bIns="0">
+          <a:bodyPr lIns="0" tIns="0" rIns="0" bIns="0">
             <a:normAutofit/>
           </a:bodyPr>
-          <a:p>
-            <a:endParaRPr b="0" lang="en-US" sz="4260" spc="-1" strike="noStrike">
-              <a:solidFill>
-                <a:srgbClr val="ffffff"/>
+          <a:lstStyle/>
+          <a:p>
+            <a:endParaRPr lang="en-US" sz="4260" b="0" strike="noStrike" spc="-1">
+              <a:solidFill>
+                <a:srgbClr val="FFFFFF"/>
               </a:solidFill>
               <a:latin typeface="Arial"/>
             </a:endParaRPr>
@@ -452,13 +570,14 @@
           </a:prstGeom>
         </p:spPr>
         <p:txBody>
-          <a:bodyPr lIns="0" rIns="0" tIns="0" bIns="0">
+          <a:bodyPr lIns="0" tIns="0" rIns="0" bIns="0">
             <a:normAutofit/>
           </a:bodyPr>
-          <a:p>
-            <a:endParaRPr b="0" lang="en-US" sz="4260" spc="-1" strike="noStrike">
-              <a:solidFill>
-                <a:srgbClr val="ffffff"/>
+          <a:lstStyle/>
+          <a:p>
+            <a:endParaRPr lang="en-US" sz="4260" b="0" strike="noStrike" spc="-1">
+              <a:solidFill>
+                <a:srgbClr val="FFFFFF"/>
               </a:solidFill>
               <a:latin typeface="Arial"/>
             </a:endParaRPr>
@@ -485,13 +604,14 @@
           </a:prstGeom>
         </p:spPr>
         <p:txBody>
-          <a:bodyPr lIns="0" rIns="0" tIns="0" bIns="0">
+          <a:bodyPr lIns="0" tIns="0" rIns="0" bIns="0">
             <a:normAutofit/>
           </a:bodyPr>
-          <a:p>
-            <a:endParaRPr b="0" lang="en-US" sz="4260" spc="-1" strike="noStrike">
-              <a:solidFill>
-                <a:srgbClr val="ffffff"/>
+          <a:lstStyle/>
+          <a:p>
+            <a:endParaRPr lang="en-US" sz="4260" b="0" strike="noStrike" spc="-1">
+              <a:solidFill>
+                <a:srgbClr val="FFFFFF"/>
               </a:solidFill>
               <a:latin typeface="Arial"/>
             </a:endParaRPr>
@@ -518,13 +638,14 @@
           </a:prstGeom>
         </p:spPr>
         <p:txBody>
-          <a:bodyPr lIns="0" rIns="0" tIns="0" bIns="0">
+          <a:bodyPr lIns="0" tIns="0" rIns="0" bIns="0">
             <a:normAutofit/>
           </a:bodyPr>
-          <a:p>
-            <a:endParaRPr b="0" lang="en-US" sz="4260" spc="-1" strike="noStrike">
-              <a:solidFill>
-                <a:srgbClr val="ffffff"/>
+          <a:lstStyle/>
+          <a:p>
+            <a:endParaRPr lang="en-US" sz="4260" b="0" strike="noStrike" spc="-1">
+              <a:solidFill>
+                <a:srgbClr val="FFFFFF"/>
               </a:solidFill>
               <a:latin typeface="Arial"/>
             </a:endParaRPr>
@@ -551,13 +672,14 @@
           </a:prstGeom>
         </p:spPr>
         <p:txBody>
-          <a:bodyPr lIns="0" rIns="0" tIns="0" bIns="0">
+          <a:bodyPr lIns="0" tIns="0" rIns="0" bIns="0">
             <a:normAutofit/>
           </a:bodyPr>
-          <a:p>
-            <a:endParaRPr b="0" lang="en-US" sz="4260" spc="-1" strike="noStrike">
-              <a:solidFill>
-                <a:srgbClr val="ffffff"/>
+          <a:lstStyle/>
+          <a:p>
+            <a:endParaRPr lang="en-US" sz="4260" b="0" strike="noStrike" spc="-1">
+              <a:solidFill>
+                <a:srgbClr val="FFFFFF"/>
               </a:solidFill>
               <a:latin typeface="Arial"/>
             </a:endParaRPr>
@@ -584,13 +706,14 @@
           </a:prstGeom>
         </p:spPr>
         <p:txBody>
-          <a:bodyPr lIns="0" rIns="0" tIns="0" bIns="0">
+          <a:bodyPr lIns="0" tIns="0" rIns="0" bIns="0">
             <a:normAutofit/>
           </a:bodyPr>
-          <a:p>
-            <a:endParaRPr b="0" lang="en-US" sz="4260" spc="-1" strike="noStrike">
-              <a:solidFill>
-                <a:srgbClr val="ffffff"/>
+          <a:lstStyle/>
+          <a:p>
+            <a:endParaRPr lang="en-US" sz="4260" b="0" strike="noStrike" spc="-1">
+              <a:solidFill>
+                <a:srgbClr val="FFFFFF"/>
               </a:solidFill>
               <a:latin typeface="Arial"/>
             </a:endParaRPr>
@@ -599,11 +722,14 @@
       </p:sp>
     </p:spTree>
   </p:cSld>
+  <p:clrMapOvr>
+    <a:masterClrMapping/>
+  </p:clrMapOvr>
 </p:sldLayout>
 </file>
 
 <file path=ppt/slideLayouts/slideLayout13.xml><?xml version="1.0" encoding="utf-8"?>
-<p:sldLayout xmlns:a="http://schemas.openxmlformats.org/drawingml/2006/main" xmlns:p="http://schemas.openxmlformats.org/presentationml/2006/main" xmlns:r="http://schemas.openxmlformats.org/officeDocument/2006/relationships" xmlns:p14="http://schemas.microsoft.com/office/powerpoint/2010/main" xmlns:p15="http://schemas.microsoft.com/office/powerpoint/2012/main" xmlns:mc="http://schemas.openxmlformats.org/markup-compatibility/2006" type="blank" preserve="1">
+<p:sldLayout xmlns:a="http://schemas.openxmlformats.org/drawingml/2006/main" xmlns:r="http://schemas.openxmlformats.org/officeDocument/2006/relationships" xmlns:p="http://schemas.openxmlformats.org/presentationml/2006/main" type="blank" preserve="1">
   <p:cSld name="Blank Slide">
     <p:spTree>
       <p:nvGrpSpPr>
@@ -621,11 +747,14 @@
       </p:grpSpPr>
     </p:spTree>
   </p:cSld>
+  <p:clrMapOvr>
+    <a:masterClrMapping/>
+  </p:clrMapOvr>
 </p:sldLayout>
 </file>
 
 <file path=ppt/slideLayouts/slideLayout14.xml><?xml version="1.0" encoding="utf-8"?>
-<p:sldLayout xmlns:a="http://schemas.openxmlformats.org/drawingml/2006/main" xmlns:p="http://schemas.openxmlformats.org/presentationml/2006/main" xmlns:r="http://schemas.openxmlformats.org/officeDocument/2006/relationships" xmlns:p14="http://schemas.microsoft.com/office/powerpoint/2010/main" xmlns:p15="http://schemas.microsoft.com/office/powerpoint/2012/main" xmlns:mc="http://schemas.openxmlformats.org/markup-compatibility/2006" type="tx" preserve="1">
+<p:sldLayout xmlns:a="http://schemas.openxmlformats.org/drawingml/2006/main" xmlns:r="http://schemas.openxmlformats.org/officeDocument/2006/relationships" xmlns:p="http://schemas.openxmlformats.org/presentationml/2006/main" type="tx" preserve="1">
   <p:cSld name="Title Slide">
     <p:spTree>
       <p:nvGrpSpPr>
@@ -661,14 +790,15 @@
           </a:prstGeom>
         </p:spPr>
         <p:txBody>
-          <a:bodyPr lIns="0" rIns="0" tIns="0" bIns="0" anchor="ctr">
+          <a:bodyPr lIns="0" tIns="0" rIns="0" bIns="0" anchor="ctr">
             <a:spAutoFit/>
           </a:bodyPr>
+          <a:lstStyle/>
           <a:p>
             <a:pPr algn="ctr"/>
-            <a:endParaRPr b="0" lang="en-US" sz="5860" spc="-1" strike="noStrike">
-              <a:solidFill>
-                <a:srgbClr val="ffffff"/>
+            <a:endParaRPr lang="en-US" sz="5860" b="0" strike="noStrike" spc="-1">
+              <a:solidFill>
+                <a:srgbClr val="FFFFFF"/>
               </a:solidFill>
               <a:latin typeface="Arial"/>
             </a:endParaRPr>
@@ -695,14 +825,15 @@
           </a:prstGeom>
         </p:spPr>
         <p:txBody>
-          <a:bodyPr lIns="0" rIns="0" tIns="0" bIns="0" anchor="ctr">
+          <a:bodyPr lIns="0" tIns="0" rIns="0" bIns="0" anchor="ctr">
             <a:spAutoFit/>
           </a:bodyPr>
+          <a:lstStyle/>
           <a:p>
             <a:pPr algn="ctr"/>
-            <a:endParaRPr b="0" lang="en-US" sz="3200" spc="-1" strike="noStrike">
-              <a:solidFill>
-                <a:srgbClr val="ffffff"/>
+            <a:endParaRPr lang="en-US" sz="3200" b="0" strike="noStrike" spc="-1">
+              <a:solidFill>
+                <a:srgbClr val="FFFFFF"/>
               </a:solidFill>
               <a:latin typeface="Arial"/>
             </a:endParaRPr>
@@ -711,11 +842,14 @@
       </p:sp>
     </p:spTree>
   </p:cSld>
+  <p:clrMapOvr>
+    <a:masterClrMapping/>
+  </p:clrMapOvr>
 </p:sldLayout>
 </file>
 
 <file path=ppt/slideLayouts/slideLayout15.xml><?xml version="1.0" encoding="utf-8"?>
-<p:sldLayout xmlns:a="http://schemas.openxmlformats.org/drawingml/2006/main" xmlns:p="http://schemas.openxmlformats.org/presentationml/2006/main" xmlns:r="http://schemas.openxmlformats.org/officeDocument/2006/relationships" xmlns:p14="http://schemas.microsoft.com/office/powerpoint/2010/main" xmlns:p15="http://schemas.microsoft.com/office/powerpoint/2012/main" xmlns:mc="http://schemas.openxmlformats.org/markup-compatibility/2006" type="obj" preserve="1">
+<p:sldLayout xmlns:a="http://schemas.openxmlformats.org/drawingml/2006/main" xmlns:r="http://schemas.openxmlformats.org/officeDocument/2006/relationships" xmlns:p="http://schemas.openxmlformats.org/presentationml/2006/main" type="obj" preserve="1">
   <p:cSld name="Title, Content">
     <p:spTree>
       <p:nvGrpSpPr>
@@ -751,14 +885,15 @@
           </a:prstGeom>
         </p:spPr>
         <p:txBody>
-          <a:bodyPr lIns="0" rIns="0" tIns="0" bIns="0" anchor="ctr">
+          <a:bodyPr lIns="0" tIns="0" rIns="0" bIns="0" anchor="ctr">
             <a:spAutoFit/>
           </a:bodyPr>
+          <a:lstStyle/>
           <a:p>
             <a:pPr algn="ctr"/>
-            <a:endParaRPr b="0" lang="en-US" sz="5860" spc="-1" strike="noStrike">
-              <a:solidFill>
-                <a:srgbClr val="ffffff"/>
+            <a:endParaRPr lang="en-US" sz="5860" b="0" strike="noStrike" spc="-1">
+              <a:solidFill>
+                <a:srgbClr val="FFFFFF"/>
               </a:solidFill>
               <a:latin typeface="Arial"/>
             </a:endParaRPr>
@@ -785,13 +920,14 @@
           </a:prstGeom>
         </p:spPr>
         <p:txBody>
-          <a:bodyPr lIns="0" rIns="0" tIns="0" bIns="0">
+          <a:bodyPr lIns="0" tIns="0" rIns="0" bIns="0">
             <a:normAutofit/>
           </a:bodyPr>
-          <a:p>
-            <a:endParaRPr b="0" lang="en-US" sz="4260" spc="-1" strike="noStrike">
-              <a:solidFill>
-                <a:srgbClr val="ffffff"/>
+          <a:lstStyle/>
+          <a:p>
+            <a:endParaRPr lang="en-US" sz="4260" b="0" strike="noStrike" spc="-1">
+              <a:solidFill>
+                <a:srgbClr val="FFFFFF"/>
               </a:solidFill>
               <a:latin typeface="Arial"/>
             </a:endParaRPr>
@@ -800,11 +936,14 @@
       </p:sp>
     </p:spTree>
   </p:cSld>
+  <p:clrMapOvr>
+    <a:masterClrMapping/>
+  </p:clrMapOvr>
 </p:sldLayout>
 </file>
 
 <file path=ppt/slideLayouts/slideLayout16.xml><?xml version="1.0" encoding="utf-8"?>
-<p:sldLayout xmlns:a="http://schemas.openxmlformats.org/drawingml/2006/main" xmlns:p="http://schemas.openxmlformats.org/presentationml/2006/main" xmlns:r="http://schemas.openxmlformats.org/officeDocument/2006/relationships" xmlns:p14="http://schemas.microsoft.com/office/powerpoint/2010/main" xmlns:p15="http://schemas.microsoft.com/office/powerpoint/2012/main" xmlns:mc="http://schemas.openxmlformats.org/markup-compatibility/2006" type="twoObj" preserve="1">
+<p:sldLayout xmlns:a="http://schemas.openxmlformats.org/drawingml/2006/main" xmlns:r="http://schemas.openxmlformats.org/officeDocument/2006/relationships" xmlns:p="http://schemas.openxmlformats.org/presentationml/2006/main" type="twoObj" preserve="1">
   <p:cSld name="Title, 2 Content">
     <p:spTree>
       <p:nvGrpSpPr>
@@ -840,14 +979,15 @@
           </a:prstGeom>
         </p:spPr>
         <p:txBody>
-          <a:bodyPr lIns="0" rIns="0" tIns="0" bIns="0" anchor="ctr">
+          <a:bodyPr lIns="0" tIns="0" rIns="0" bIns="0" anchor="ctr">
             <a:spAutoFit/>
           </a:bodyPr>
+          <a:lstStyle/>
           <a:p>
             <a:pPr algn="ctr"/>
-            <a:endParaRPr b="0" lang="en-US" sz="5860" spc="-1" strike="noStrike">
-              <a:solidFill>
-                <a:srgbClr val="ffffff"/>
+            <a:endParaRPr lang="en-US" sz="5860" b="0" strike="noStrike" spc="-1">
+              <a:solidFill>
+                <a:srgbClr val="FFFFFF"/>
               </a:solidFill>
               <a:latin typeface="Arial"/>
             </a:endParaRPr>
@@ -874,13 +1014,14 @@
           </a:prstGeom>
         </p:spPr>
         <p:txBody>
-          <a:bodyPr lIns="0" rIns="0" tIns="0" bIns="0">
+          <a:bodyPr lIns="0" tIns="0" rIns="0" bIns="0">
             <a:normAutofit/>
           </a:bodyPr>
-          <a:p>
-            <a:endParaRPr b="0" lang="en-US" sz="4260" spc="-1" strike="noStrike">
-              <a:solidFill>
-                <a:srgbClr val="ffffff"/>
+          <a:lstStyle/>
+          <a:p>
+            <a:endParaRPr lang="en-US" sz="4260" b="0" strike="noStrike" spc="-1">
+              <a:solidFill>
+                <a:srgbClr val="FFFFFF"/>
               </a:solidFill>
               <a:latin typeface="Arial"/>
             </a:endParaRPr>
@@ -907,13 +1048,14 @@
           </a:prstGeom>
         </p:spPr>
         <p:txBody>
-          <a:bodyPr lIns="0" rIns="0" tIns="0" bIns="0">
+          <a:bodyPr lIns="0" tIns="0" rIns="0" bIns="0">
             <a:normAutofit/>
           </a:bodyPr>
-          <a:p>
-            <a:endParaRPr b="0" lang="en-US" sz="4260" spc="-1" strike="noStrike">
-              <a:solidFill>
-                <a:srgbClr val="ffffff"/>
+          <a:lstStyle/>
+          <a:p>
+            <a:endParaRPr lang="en-US" sz="4260" b="0" strike="noStrike" spc="-1">
+              <a:solidFill>
+                <a:srgbClr val="FFFFFF"/>
               </a:solidFill>
               <a:latin typeface="Arial"/>
             </a:endParaRPr>
@@ -922,11 +1064,14 @@
       </p:sp>
     </p:spTree>
   </p:cSld>
+  <p:clrMapOvr>
+    <a:masterClrMapping/>
+  </p:clrMapOvr>
 </p:sldLayout>
 </file>
 
 <file path=ppt/slideLayouts/slideLayout17.xml><?xml version="1.0" encoding="utf-8"?>
-<p:sldLayout xmlns:a="http://schemas.openxmlformats.org/drawingml/2006/main" xmlns:p="http://schemas.openxmlformats.org/presentationml/2006/main" xmlns:r="http://schemas.openxmlformats.org/officeDocument/2006/relationships" xmlns:p14="http://schemas.microsoft.com/office/powerpoint/2010/main" xmlns:p15="http://schemas.microsoft.com/office/powerpoint/2012/main" xmlns:mc="http://schemas.openxmlformats.org/markup-compatibility/2006" type="titleOnly" preserve="1">
+<p:sldLayout xmlns:a="http://schemas.openxmlformats.org/drawingml/2006/main" xmlns:r="http://schemas.openxmlformats.org/officeDocument/2006/relationships" xmlns:p="http://schemas.openxmlformats.org/presentationml/2006/main" type="titleOnly" preserve="1">
   <p:cSld name="Title Only">
     <p:spTree>
       <p:nvGrpSpPr>
@@ -962,14 +1107,15 @@
           </a:prstGeom>
         </p:spPr>
         <p:txBody>
-          <a:bodyPr lIns="0" rIns="0" tIns="0" bIns="0" anchor="ctr">
+          <a:bodyPr lIns="0" tIns="0" rIns="0" bIns="0" anchor="ctr">
             <a:spAutoFit/>
           </a:bodyPr>
+          <a:lstStyle/>
           <a:p>
             <a:pPr algn="ctr"/>
-            <a:endParaRPr b="0" lang="en-US" sz="5860" spc="-1" strike="noStrike">
-              <a:solidFill>
-                <a:srgbClr val="ffffff"/>
+            <a:endParaRPr lang="en-US" sz="5860" b="0" strike="noStrike" spc="-1">
+              <a:solidFill>
+                <a:srgbClr val="FFFFFF"/>
               </a:solidFill>
               <a:latin typeface="Arial"/>
             </a:endParaRPr>
@@ -978,11 +1124,14 @@
       </p:sp>
     </p:spTree>
   </p:cSld>
+  <p:clrMapOvr>
+    <a:masterClrMapping/>
+  </p:clrMapOvr>
 </p:sldLayout>
 </file>
 
 <file path=ppt/slideLayouts/slideLayout18.xml><?xml version="1.0" encoding="utf-8"?>
-<p:sldLayout xmlns:a="http://schemas.openxmlformats.org/drawingml/2006/main" xmlns:p="http://schemas.openxmlformats.org/presentationml/2006/main" xmlns:r="http://schemas.openxmlformats.org/officeDocument/2006/relationships" xmlns:p14="http://schemas.microsoft.com/office/powerpoint/2010/main" xmlns:p15="http://schemas.microsoft.com/office/powerpoint/2012/main" xmlns:mc="http://schemas.openxmlformats.org/markup-compatibility/2006" type="objOnly" preserve="1">
+<p:sldLayout xmlns:a="http://schemas.openxmlformats.org/drawingml/2006/main" xmlns:r="http://schemas.openxmlformats.org/officeDocument/2006/relationships" xmlns:p="http://schemas.openxmlformats.org/presentationml/2006/main" type="objOnly" preserve="1">
   <p:cSld name="Centered Text">
     <p:spTree>
       <p:nvGrpSpPr>
@@ -1018,14 +1167,15 @@
           </a:prstGeom>
         </p:spPr>
         <p:txBody>
-          <a:bodyPr lIns="0" rIns="0" tIns="0" bIns="0" anchor="ctr">
+          <a:bodyPr lIns="0" tIns="0" rIns="0" bIns="0" anchor="ctr">
             <a:spAutoFit/>
           </a:bodyPr>
+          <a:lstStyle/>
           <a:p>
             <a:pPr algn="ctr"/>
-            <a:endParaRPr b="0" lang="en-US" sz="3200" spc="-1" strike="noStrike">
-              <a:solidFill>
-                <a:srgbClr val="ffffff"/>
+            <a:endParaRPr lang="en-US" sz="3200" b="0" strike="noStrike" spc="-1">
+              <a:solidFill>
+                <a:srgbClr val="FFFFFF"/>
               </a:solidFill>
               <a:latin typeface="Arial"/>
             </a:endParaRPr>
@@ -1034,11 +1184,14 @@
       </p:sp>
     </p:spTree>
   </p:cSld>
+  <p:clrMapOvr>
+    <a:masterClrMapping/>
+  </p:clrMapOvr>
 </p:sldLayout>
 </file>
 
 <file path=ppt/slideLayouts/slideLayout19.xml><?xml version="1.0" encoding="utf-8"?>
-<p:sldLayout xmlns:a="http://schemas.openxmlformats.org/drawingml/2006/main" xmlns:p="http://schemas.openxmlformats.org/presentationml/2006/main" xmlns:r="http://schemas.openxmlformats.org/officeDocument/2006/relationships" xmlns:p14="http://schemas.microsoft.com/office/powerpoint/2010/main" xmlns:p15="http://schemas.microsoft.com/office/powerpoint/2012/main" xmlns:mc="http://schemas.openxmlformats.org/markup-compatibility/2006" type="twoObjAndObj" preserve="1">
+<p:sldLayout xmlns:a="http://schemas.openxmlformats.org/drawingml/2006/main" xmlns:r="http://schemas.openxmlformats.org/officeDocument/2006/relationships" xmlns:p="http://schemas.openxmlformats.org/presentationml/2006/main" type="twoObjAndObj" preserve="1">
   <p:cSld name="Title, 2 Content and Content">
     <p:spTree>
       <p:nvGrpSpPr>
@@ -1074,14 +1227,15 @@
           </a:prstGeom>
         </p:spPr>
         <p:txBody>
-          <a:bodyPr lIns="0" rIns="0" tIns="0" bIns="0" anchor="ctr">
+          <a:bodyPr lIns="0" tIns="0" rIns="0" bIns="0" anchor="ctr">
             <a:spAutoFit/>
           </a:bodyPr>
+          <a:lstStyle/>
           <a:p>
             <a:pPr algn="ctr"/>
-            <a:endParaRPr b="0" lang="en-US" sz="5860" spc="-1" strike="noStrike">
-              <a:solidFill>
-                <a:srgbClr val="ffffff"/>
+            <a:endParaRPr lang="en-US" sz="5860" b="0" strike="noStrike" spc="-1">
+              <a:solidFill>
+                <a:srgbClr val="FFFFFF"/>
               </a:solidFill>
               <a:latin typeface="Arial"/>
             </a:endParaRPr>
@@ -1108,13 +1262,14 @@
           </a:prstGeom>
         </p:spPr>
         <p:txBody>
-          <a:bodyPr lIns="0" rIns="0" tIns="0" bIns="0">
+          <a:bodyPr lIns="0" tIns="0" rIns="0" bIns="0">
             <a:normAutofit/>
           </a:bodyPr>
-          <a:p>
-            <a:endParaRPr b="0" lang="en-US" sz="4260" spc="-1" strike="noStrike">
-              <a:solidFill>
-                <a:srgbClr val="ffffff"/>
+          <a:lstStyle/>
+          <a:p>
+            <a:endParaRPr lang="en-US" sz="4260" b="0" strike="noStrike" spc="-1">
+              <a:solidFill>
+                <a:srgbClr val="FFFFFF"/>
               </a:solidFill>
               <a:latin typeface="Arial"/>
             </a:endParaRPr>
@@ -1141,13 +1296,14 @@
           </a:prstGeom>
         </p:spPr>
         <p:txBody>
-          <a:bodyPr lIns="0" rIns="0" tIns="0" bIns="0">
+          <a:bodyPr lIns="0" tIns="0" rIns="0" bIns="0">
             <a:normAutofit/>
           </a:bodyPr>
-          <a:p>
-            <a:endParaRPr b="0" lang="en-US" sz="4260" spc="-1" strike="noStrike">
-              <a:solidFill>
-                <a:srgbClr val="ffffff"/>
+          <a:lstStyle/>
+          <a:p>
+            <a:endParaRPr lang="en-US" sz="4260" b="0" strike="noStrike" spc="-1">
+              <a:solidFill>
+                <a:srgbClr val="FFFFFF"/>
               </a:solidFill>
               <a:latin typeface="Arial"/>
             </a:endParaRPr>
@@ -1174,13 +1330,14 @@
           </a:prstGeom>
         </p:spPr>
         <p:txBody>
-          <a:bodyPr lIns="0" rIns="0" tIns="0" bIns="0">
+          <a:bodyPr lIns="0" tIns="0" rIns="0" bIns="0">
             <a:normAutofit/>
           </a:bodyPr>
-          <a:p>
-            <a:endParaRPr b="0" lang="en-US" sz="4260" spc="-1" strike="noStrike">
-              <a:solidFill>
-                <a:srgbClr val="ffffff"/>
+          <a:lstStyle/>
+          <a:p>
+            <a:endParaRPr lang="en-US" sz="4260" b="0" strike="noStrike" spc="-1">
+              <a:solidFill>
+                <a:srgbClr val="FFFFFF"/>
               </a:solidFill>
               <a:latin typeface="Arial"/>
             </a:endParaRPr>
@@ -1189,11 +1346,14 @@
       </p:sp>
     </p:spTree>
   </p:cSld>
+  <p:clrMapOvr>
+    <a:masterClrMapping/>
+  </p:clrMapOvr>
 </p:sldLayout>
 </file>
 
 <file path=ppt/slideLayouts/slideLayout2.xml><?xml version="1.0" encoding="utf-8"?>
-<p:sldLayout xmlns:a="http://schemas.openxmlformats.org/drawingml/2006/main" xmlns:p="http://schemas.openxmlformats.org/presentationml/2006/main" xmlns:r="http://schemas.openxmlformats.org/officeDocument/2006/relationships" xmlns:p14="http://schemas.microsoft.com/office/powerpoint/2010/main" xmlns:p15="http://schemas.microsoft.com/office/powerpoint/2012/main" xmlns:mc="http://schemas.openxmlformats.org/markup-compatibility/2006" type="tx" preserve="1">
+<p:sldLayout xmlns:a="http://schemas.openxmlformats.org/drawingml/2006/main" xmlns:r="http://schemas.openxmlformats.org/officeDocument/2006/relationships" xmlns:p="http://schemas.openxmlformats.org/presentationml/2006/main" type="tx" preserve="1">
   <p:cSld name="Title Slide">
     <p:spTree>
       <p:nvGrpSpPr>
@@ -1229,14 +1389,15 @@
           </a:prstGeom>
         </p:spPr>
         <p:txBody>
-          <a:bodyPr lIns="0" rIns="0" tIns="0" bIns="0" anchor="ctr">
+          <a:bodyPr lIns="0" tIns="0" rIns="0" bIns="0" anchor="ctr">
             <a:spAutoFit/>
           </a:bodyPr>
+          <a:lstStyle/>
           <a:p>
             <a:pPr algn="ctr"/>
-            <a:endParaRPr b="0" lang="en-US" sz="5860" spc="-1" strike="noStrike">
-              <a:solidFill>
-                <a:srgbClr val="ffffff"/>
+            <a:endParaRPr lang="en-US" sz="5860" b="0" strike="noStrike" spc="-1">
+              <a:solidFill>
+                <a:srgbClr val="FFFFFF"/>
               </a:solidFill>
               <a:latin typeface="Arial"/>
             </a:endParaRPr>
@@ -1263,14 +1424,15 @@
           </a:prstGeom>
         </p:spPr>
         <p:txBody>
-          <a:bodyPr lIns="0" rIns="0" tIns="0" bIns="0" anchor="ctr">
+          <a:bodyPr lIns="0" tIns="0" rIns="0" bIns="0" anchor="ctr">
             <a:spAutoFit/>
           </a:bodyPr>
+          <a:lstStyle/>
           <a:p>
             <a:pPr algn="ctr"/>
-            <a:endParaRPr b="0" lang="en-US" sz="3200" spc="-1" strike="noStrike">
-              <a:solidFill>
-                <a:srgbClr val="ffffff"/>
+            <a:endParaRPr lang="en-US" sz="3200" b="0" strike="noStrike" spc="-1">
+              <a:solidFill>
+                <a:srgbClr val="FFFFFF"/>
               </a:solidFill>
               <a:latin typeface="Arial"/>
             </a:endParaRPr>
@@ -1279,11 +1441,14 @@
       </p:sp>
     </p:spTree>
   </p:cSld>
+  <p:clrMapOvr>
+    <a:masterClrMapping/>
+  </p:clrMapOvr>
 </p:sldLayout>
 </file>
 
 <file path=ppt/slideLayouts/slideLayout20.xml><?xml version="1.0" encoding="utf-8"?>
-<p:sldLayout xmlns:a="http://schemas.openxmlformats.org/drawingml/2006/main" xmlns:p="http://schemas.openxmlformats.org/presentationml/2006/main" xmlns:r="http://schemas.openxmlformats.org/officeDocument/2006/relationships" xmlns:p14="http://schemas.microsoft.com/office/powerpoint/2010/main" xmlns:p15="http://schemas.microsoft.com/office/powerpoint/2012/main" xmlns:mc="http://schemas.openxmlformats.org/markup-compatibility/2006" type="objAndTwoObj" preserve="1">
+<p:sldLayout xmlns:a="http://schemas.openxmlformats.org/drawingml/2006/main" xmlns:r="http://schemas.openxmlformats.org/officeDocument/2006/relationships" xmlns:p="http://schemas.openxmlformats.org/presentationml/2006/main" type="objAndTwoObj" preserve="1">
   <p:cSld name="Title Content and 2 Content">
     <p:spTree>
       <p:nvGrpSpPr>
@@ -1319,14 +1484,15 @@
           </a:prstGeom>
         </p:spPr>
         <p:txBody>
-          <a:bodyPr lIns="0" rIns="0" tIns="0" bIns="0" anchor="ctr">
+          <a:bodyPr lIns="0" tIns="0" rIns="0" bIns="0" anchor="ctr">
             <a:spAutoFit/>
           </a:bodyPr>
+          <a:lstStyle/>
           <a:p>
             <a:pPr algn="ctr"/>
-            <a:endParaRPr b="0" lang="en-US" sz="5860" spc="-1" strike="noStrike">
-              <a:solidFill>
-                <a:srgbClr val="ffffff"/>
+            <a:endParaRPr lang="en-US" sz="5860" b="0" strike="noStrike" spc="-1">
+              <a:solidFill>
+                <a:srgbClr val="FFFFFF"/>
               </a:solidFill>
               <a:latin typeface="Arial"/>
             </a:endParaRPr>
@@ -1353,13 +1519,14 @@
           </a:prstGeom>
         </p:spPr>
         <p:txBody>
-          <a:bodyPr lIns="0" rIns="0" tIns="0" bIns="0">
+          <a:bodyPr lIns="0" tIns="0" rIns="0" bIns="0">
             <a:normAutofit/>
           </a:bodyPr>
-          <a:p>
-            <a:endParaRPr b="0" lang="en-US" sz="4260" spc="-1" strike="noStrike">
-              <a:solidFill>
-                <a:srgbClr val="ffffff"/>
+          <a:lstStyle/>
+          <a:p>
+            <a:endParaRPr lang="en-US" sz="4260" b="0" strike="noStrike" spc="-1">
+              <a:solidFill>
+                <a:srgbClr val="FFFFFF"/>
               </a:solidFill>
               <a:latin typeface="Arial"/>
             </a:endParaRPr>
@@ -1386,13 +1553,14 @@
           </a:prstGeom>
         </p:spPr>
         <p:txBody>
-          <a:bodyPr lIns="0" rIns="0" tIns="0" bIns="0">
+          <a:bodyPr lIns="0" tIns="0" rIns="0" bIns="0">
             <a:normAutofit/>
           </a:bodyPr>
-          <a:p>
-            <a:endParaRPr b="0" lang="en-US" sz="4260" spc="-1" strike="noStrike">
-              <a:solidFill>
-                <a:srgbClr val="ffffff"/>
+          <a:lstStyle/>
+          <a:p>
+            <a:endParaRPr lang="en-US" sz="4260" b="0" strike="noStrike" spc="-1">
+              <a:solidFill>
+                <a:srgbClr val="FFFFFF"/>
               </a:solidFill>
               <a:latin typeface="Arial"/>
             </a:endParaRPr>
@@ -1419,13 +1587,14 @@
           </a:prstGeom>
         </p:spPr>
         <p:txBody>
-          <a:bodyPr lIns="0" rIns="0" tIns="0" bIns="0">
+          <a:bodyPr lIns="0" tIns="0" rIns="0" bIns="0">
             <a:normAutofit/>
           </a:bodyPr>
-          <a:p>
-            <a:endParaRPr b="0" lang="en-US" sz="4260" spc="-1" strike="noStrike">
-              <a:solidFill>
-                <a:srgbClr val="ffffff"/>
+          <a:lstStyle/>
+          <a:p>
+            <a:endParaRPr lang="en-US" sz="4260" b="0" strike="noStrike" spc="-1">
+              <a:solidFill>
+                <a:srgbClr val="FFFFFF"/>
               </a:solidFill>
               <a:latin typeface="Arial"/>
             </a:endParaRPr>
@@ -1434,11 +1603,14 @@
       </p:sp>
     </p:spTree>
   </p:cSld>
+  <p:clrMapOvr>
+    <a:masterClrMapping/>
+  </p:clrMapOvr>
 </p:sldLayout>
 </file>
 
 <file path=ppt/slideLayouts/slideLayout21.xml><?xml version="1.0" encoding="utf-8"?>
-<p:sldLayout xmlns:a="http://schemas.openxmlformats.org/drawingml/2006/main" xmlns:p="http://schemas.openxmlformats.org/presentationml/2006/main" xmlns:r="http://schemas.openxmlformats.org/officeDocument/2006/relationships" xmlns:p14="http://schemas.microsoft.com/office/powerpoint/2010/main" xmlns:p15="http://schemas.microsoft.com/office/powerpoint/2012/main" xmlns:mc="http://schemas.openxmlformats.org/markup-compatibility/2006" type="twoObjOverTx" preserve="1">
+<p:sldLayout xmlns:a="http://schemas.openxmlformats.org/drawingml/2006/main" xmlns:r="http://schemas.openxmlformats.org/officeDocument/2006/relationships" xmlns:p="http://schemas.openxmlformats.org/presentationml/2006/main" type="twoObjOverTx" preserve="1">
   <p:cSld name="Title, 2 Content over Content">
     <p:spTree>
       <p:nvGrpSpPr>
@@ -1474,14 +1646,15 @@
           </a:prstGeom>
         </p:spPr>
         <p:txBody>
-          <a:bodyPr lIns="0" rIns="0" tIns="0" bIns="0" anchor="ctr">
+          <a:bodyPr lIns="0" tIns="0" rIns="0" bIns="0" anchor="ctr">
             <a:spAutoFit/>
           </a:bodyPr>
+          <a:lstStyle/>
           <a:p>
             <a:pPr algn="ctr"/>
-            <a:endParaRPr b="0" lang="en-US" sz="5860" spc="-1" strike="noStrike">
-              <a:solidFill>
-                <a:srgbClr val="ffffff"/>
+            <a:endParaRPr lang="en-US" sz="5860" b="0" strike="noStrike" spc="-1">
+              <a:solidFill>
+                <a:srgbClr val="FFFFFF"/>
               </a:solidFill>
               <a:latin typeface="Arial"/>
             </a:endParaRPr>
@@ -1508,13 +1681,14 @@
           </a:prstGeom>
         </p:spPr>
         <p:txBody>
-          <a:bodyPr lIns="0" rIns="0" tIns="0" bIns="0">
+          <a:bodyPr lIns="0" tIns="0" rIns="0" bIns="0">
             <a:normAutofit/>
           </a:bodyPr>
-          <a:p>
-            <a:endParaRPr b="0" lang="en-US" sz="4260" spc="-1" strike="noStrike">
-              <a:solidFill>
-                <a:srgbClr val="ffffff"/>
+          <a:lstStyle/>
+          <a:p>
+            <a:endParaRPr lang="en-US" sz="4260" b="0" strike="noStrike" spc="-1">
+              <a:solidFill>
+                <a:srgbClr val="FFFFFF"/>
               </a:solidFill>
               <a:latin typeface="Arial"/>
             </a:endParaRPr>
@@ -1541,13 +1715,14 @@
           </a:prstGeom>
         </p:spPr>
         <p:txBody>
-          <a:bodyPr lIns="0" rIns="0" tIns="0" bIns="0">
+          <a:bodyPr lIns="0" tIns="0" rIns="0" bIns="0">
             <a:normAutofit/>
           </a:bodyPr>
-          <a:p>
-            <a:endParaRPr b="0" lang="en-US" sz="4260" spc="-1" strike="noStrike">
-              <a:solidFill>
-                <a:srgbClr val="ffffff"/>
+          <a:lstStyle/>
+          <a:p>
+            <a:endParaRPr lang="en-US" sz="4260" b="0" strike="noStrike" spc="-1">
+              <a:solidFill>
+                <a:srgbClr val="FFFFFF"/>
               </a:solidFill>
               <a:latin typeface="Arial"/>
             </a:endParaRPr>
@@ -1574,13 +1749,14 @@
           </a:prstGeom>
         </p:spPr>
         <p:txBody>
-          <a:bodyPr lIns="0" rIns="0" tIns="0" bIns="0">
+          <a:bodyPr lIns="0" tIns="0" rIns="0" bIns="0">
             <a:normAutofit/>
           </a:bodyPr>
-          <a:p>
-            <a:endParaRPr b="0" lang="en-US" sz="4260" spc="-1" strike="noStrike">
-              <a:solidFill>
-                <a:srgbClr val="ffffff"/>
+          <a:lstStyle/>
+          <a:p>
+            <a:endParaRPr lang="en-US" sz="4260" b="0" strike="noStrike" spc="-1">
+              <a:solidFill>
+                <a:srgbClr val="FFFFFF"/>
               </a:solidFill>
               <a:latin typeface="Arial"/>
             </a:endParaRPr>
@@ -1589,11 +1765,14 @@
       </p:sp>
     </p:spTree>
   </p:cSld>
+  <p:clrMapOvr>
+    <a:masterClrMapping/>
+  </p:clrMapOvr>
 </p:sldLayout>
 </file>
 
 <file path=ppt/slideLayouts/slideLayout22.xml><?xml version="1.0" encoding="utf-8"?>
-<p:sldLayout xmlns:a="http://schemas.openxmlformats.org/drawingml/2006/main" xmlns:p="http://schemas.openxmlformats.org/presentationml/2006/main" xmlns:r="http://schemas.openxmlformats.org/officeDocument/2006/relationships" xmlns:p14="http://schemas.microsoft.com/office/powerpoint/2010/main" xmlns:p15="http://schemas.microsoft.com/office/powerpoint/2012/main" xmlns:mc="http://schemas.openxmlformats.org/markup-compatibility/2006" type="objOverTx" preserve="1">
+<p:sldLayout xmlns:a="http://schemas.openxmlformats.org/drawingml/2006/main" xmlns:r="http://schemas.openxmlformats.org/officeDocument/2006/relationships" xmlns:p="http://schemas.openxmlformats.org/presentationml/2006/main" type="objOverTx" preserve="1">
   <p:cSld name="Title, Content over Content">
     <p:spTree>
       <p:nvGrpSpPr>
@@ -1629,14 +1808,15 @@
           </a:prstGeom>
         </p:spPr>
         <p:txBody>
-          <a:bodyPr lIns="0" rIns="0" tIns="0" bIns="0" anchor="ctr">
+          <a:bodyPr lIns="0" tIns="0" rIns="0" bIns="0" anchor="ctr">
             <a:spAutoFit/>
           </a:bodyPr>
+          <a:lstStyle/>
           <a:p>
             <a:pPr algn="ctr"/>
-            <a:endParaRPr b="0" lang="en-US" sz="5860" spc="-1" strike="noStrike">
-              <a:solidFill>
-                <a:srgbClr val="ffffff"/>
+            <a:endParaRPr lang="en-US" sz="5860" b="0" strike="noStrike" spc="-1">
+              <a:solidFill>
+                <a:srgbClr val="FFFFFF"/>
               </a:solidFill>
               <a:latin typeface="Arial"/>
             </a:endParaRPr>
@@ -1663,13 +1843,14 @@
           </a:prstGeom>
         </p:spPr>
         <p:txBody>
-          <a:bodyPr lIns="0" rIns="0" tIns="0" bIns="0">
+          <a:bodyPr lIns="0" tIns="0" rIns="0" bIns="0">
             <a:normAutofit/>
           </a:bodyPr>
-          <a:p>
-            <a:endParaRPr b="0" lang="en-US" sz="4260" spc="-1" strike="noStrike">
-              <a:solidFill>
-                <a:srgbClr val="ffffff"/>
+          <a:lstStyle/>
+          <a:p>
+            <a:endParaRPr lang="en-US" sz="4260" b="0" strike="noStrike" spc="-1">
+              <a:solidFill>
+                <a:srgbClr val="FFFFFF"/>
               </a:solidFill>
               <a:latin typeface="Arial"/>
             </a:endParaRPr>
@@ -1696,13 +1877,14 @@
           </a:prstGeom>
         </p:spPr>
         <p:txBody>
-          <a:bodyPr lIns="0" rIns="0" tIns="0" bIns="0">
+          <a:bodyPr lIns="0" tIns="0" rIns="0" bIns="0">
             <a:normAutofit/>
           </a:bodyPr>
-          <a:p>
-            <a:endParaRPr b="0" lang="en-US" sz="4260" spc="-1" strike="noStrike">
-              <a:solidFill>
-                <a:srgbClr val="ffffff"/>
+          <a:lstStyle/>
+          <a:p>
+            <a:endParaRPr lang="en-US" sz="4260" b="0" strike="noStrike" spc="-1">
+              <a:solidFill>
+                <a:srgbClr val="FFFFFF"/>
               </a:solidFill>
               <a:latin typeface="Arial"/>
             </a:endParaRPr>
@@ -1711,11 +1893,14 @@
       </p:sp>
     </p:spTree>
   </p:cSld>
+  <p:clrMapOvr>
+    <a:masterClrMapping/>
+  </p:clrMapOvr>
 </p:sldLayout>
 </file>
 
 <file path=ppt/slideLayouts/slideLayout23.xml><?xml version="1.0" encoding="utf-8"?>
-<p:sldLayout xmlns:a="http://schemas.openxmlformats.org/drawingml/2006/main" xmlns:p="http://schemas.openxmlformats.org/presentationml/2006/main" xmlns:r="http://schemas.openxmlformats.org/officeDocument/2006/relationships" xmlns:p14="http://schemas.microsoft.com/office/powerpoint/2010/main" xmlns:p15="http://schemas.microsoft.com/office/powerpoint/2012/main" xmlns:mc="http://schemas.openxmlformats.org/markup-compatibility/2006" type="fourObj" preserve="1">
+<p:sldLayout xmlns:a="http://schemas.openxmlformats.org/drawingml/2006/main" xmlns:r="http://schemas.openxmlformats.org/officeDocument/2006/relationships" xmlns:p="http://schemas.openxmlformats.org/presentationml/2006/main" type="fourObj" preserve="1">
   <p:cSld name="Title, 4 Content">
     <p:spTree>
       <p:nvGrpSpPr>
@@ -1751,14 +1936,15 @@
           </a:prstGeom>
         </p:spPr>
         <p:txBody>
-          <a:bodyPr lIns="0" rIns="0" tIns="0" bIns="0" anchor="ctr">
+          <a:bodyPr lIns="0" tIns="0" rIns="0" bIns="0" anchor="ctr">
             <a:spAutoFit/>
           </a:bodyPr>
+          <a:lstStyle/>
           <a:p>
             <a:pPr algn="ctr"/>
-            <a:endParaRPr b="0" lang="en-US" sz="5860" spc="-1" strike="noStrike">
-              <a:solidFill>
-                <a:srgbClr val="ffffff"/>
+            <a:endParaRPr lang="en-US" sz="5860" b="0" strike="noStrike" spc="-1">
+              <a:solidFill>
+                <a:srgbClr val="FFFFFF"/>
               </a:solidFill>
               <a:latin typeface="Arial"/>
             </a:endParaRPr>
@@ -1785,13 +1971,14 @@
           </a:prstGeom>
         </p:spPr>
         <p:txBody>
-          <a:bodyPr lIns="0" rIns="0" tIns="0" bIns="0">
+          <a:bodyPr lIns="0" tIns="0" rIns="0" bIns="0">
             <a:normAutofit/>
           </a:bodyPr>
-          <a:p>
-            <a:endParaRPr b="0" lang="en-US" sz="4260" spc="-1" strike="noStrike">
-              <a:solidFill>
-                <a:srgbClr val="ffffff"/>
+          <a:lstStyle/>
+          <a:p>
+            <a:endParaRPr lang="en-US" sz="4260" b="0" strike="noStrike" spc="-1">
+              <a:solidFill>
+                <a:srgbClr val="FFFFFF"/>
               </a:solidFill>
               <a:latin typeface="Arial"/>
             </a:endParaRPr>
@@ -1818,13 +2005,14 @@
           </a:prstGeom>
         </p:spPr>
         <p:txBody>
-          <a:bodyPr lIns="0" rIns="0" tIns="0" bIns="0">
+          <a:bodyPr lIns="0" tIns="0" rIns="0" bIns="0">
             <a:normAutofit/>
           </a:bodyPr>
-          <a:p>
-            <a:endParaRPr b="0" lang="en-US" sz="4260" spc="-1" strike="noStrike">
-              <a:solidFill>
-                <a:srgbClr val="ffffff"/>
+          <a:lstStyle/>
+          <a:p>
+            <a:endParaRPr lang="en-US" sz="4260" b="0" strike="noStrike" spc="-1">
+              <a:solidFill>
+                <a:srgbClr val="FFFFFF"/>
               </a:solidFill>
               <a:latin typeface="Arial"/>
             </a:endParaRPr>
@@ -1851,13 +2039,14 @@
           </a:prstGeom>
         </p:spPr>
         <p:txBody>
-          <a:bodyPr lIns="0" rIns="0" tIns="0" bIns="0">
+          <a:bodyPr lIns="0" tIns="0" rIns="0" bIns="0">
             <a:normAutofit/>
           </a:bodyPr>
-          <a:p>
-            <a:endParaRPr b="0" lang="en-US" sz="4260" spc="-1" strike="noStrike">
-              <a:solidFill>
-                <a:srgbClr val="ffffff"/>
+          <a:lstStyle/>
+          <a:p>
+            <a:endParaRPr lang="en-US" sz="4260" b="0" strike="noStrike" spc="-1">
+              <a:solidFill>
+                <a:srgbClr val="FFFFFF"/>
               </a:solidFill>
               <a:latin typeface="Arial"/>
             </a:endParaRPr>
@@ -1884,13 +2073,14 @@
           </a:prstGeom>
         </p:spPr>
         <p:txBody>
-          <a:bodyPr lIns="0" rIns="0" tIns="0" bIns="0">
+          <a:bodyPr lIns="0" tIns="0" rIns="0" bIns="0">
             <a:normAutofit/>
           </a:bodyPr>
-          <a:p>
-            <a:endParaRPr b="0" lang="en-US" sz="4260" spc="-1" strike="noStrike">
-              <a:solidFill>
-                <a:srgbClr val="ffffff"/>
+          <a:lstStyle/>
+          <a:p>
+            <a:endParaRPr lang="en-US" sz="4260" b="0" strike="noStrike" spc="-1">
+              <a:solidFill>
+                <a:srgbClr val="FFFFFF"/>
               </a:solidFill>
               <a:latin typeface="Arial"/>
             </a:endParaRPr>
@@ -1899,11 +2089,14 @@
       </p:sp>
     </p:spTree>
   </p:cSld>
+  <p:clrMapOvr>
+    <a:masterClrMapping/>
+  </p:clrMapOvr>
 </p:sldLayout>
 </file>
 
 <file path=ppt/slideLayouts/slideLayout24.xml><?xml version="1.0" encoding="utf-8"?>
-<p:sldLayout xmlns:a="http://schemas.openxmlformats.org/drawingml/2006/main" xmlns:p="http://schemas.openxmlformats.org/presentationml/2006/main" xmlns:r="http://schemas.openxmlformats.org/officeDocument/2006/relationships" xmlns:p14="http://schemas.microsoft.com/office/powerpoint/2010/main" xmlns:p15="http://schemas.microsoft.com/office/powerpoint/2012/main" xmlns:mc="http://schemas.openxmlformats.org/markup-compatibility/2006" type="blank" preserve="1">
+<p:sldLayout xmlns:a="http://schemas.openxmlformats.org/drawingml/2006/main" xmlns:r="http://schemas.openxmlformats.org/officeDocument/2006/relationships" xmlns:p="http://schemas.openxmlformats.org/presentationml/2006/main" type="blank" preserve="1">
   <p:cSld name="Title, 6 Content">
     <p:spTree>
       <p:nvGrpSpPr>
@@ -1939,14 +2132,15 @@
           </a:prstGeom>
         </p:spPr>
         <p:txBody>
-          <a:bodyPr lIns="0" rIns="0" tIns="0" bIns="0" anchor="ctr">
+          <a:bodyPr lIns="0" tIns="0" rIns="0" bIns="0" anchor="ctr">
             <a:spAutoFit/>
           </a:bodyPr>
+          <a:lstStyle/>
           <a:p>
             <a:pPr algn="ctr"/>
-            <a:endParaRPr b="0" lang="en-US" sz="5860" spc="-1" strike="noStrike">
-              <a:solidFill>
-                <a:srgbClr val="ffffff"/>
+            <a:endParaRPr lang="en-US" sz="5860" b="0" strike="noStrike" spc="-1">
+              <a:solidFill>
+                <a:srgbClr val="FFFFFF"/>
               </a:solidFill>
               <a:latin typeface="Arial"/>
             </a:endParaRPr>
@@ -1973,13 +2167,14 @@
           </a:prstGeom>
         </p:spPr>
         <p:txBody>
-          <a:bodyPr lIns="0" rIns="0" tIns="0" bIns="0">
+          <a:bodyPr lIns="0" tIns="0" rIns="0" bIns="0">
             <a:normAutofit/>
           </a:bodyPr>
-          <a:p>
-            <a:endParaRPr b="0" lang="en-US" sz="4260" spc="-1" strike="noStrike">
-              <a:solidFill>
-                <a:srgbClr val="ffffff"/>
+          <a:lstStyle/>
+          <a:p>
+            <a:endParaRPr lang="en-US" sz="4260" b="0" strike="noStrike" spc="-1">
+              <a:solidFill>
+                <a:srgbClr val="FFFFFF"/>
               </a:solidFill>
               <a:latin typeface="Arial"/>
             </a:endParaRPr>
@@ -2006,13 +2201,14 @@
           </a:prstGeom>
         </p:spPr>
         <p:txBody>
-          <a:bodyPr lIns="0" rIns="0" tIns="0" bIns="0">
+          <a:bodyPr lIns="0" tIns="0" rIns="0" bIns="0">
             <a:normAutofit/>
           </a:bodyPr>
-          <a:p>
-            <a:endParaRPr b="0" lang="en-US" sz="4260" spc="-1" strike="noStrike">
-              <a:solidFill>
-                <a:srgbClr val="ffffff"/>
+          <a:lstStyle/>
+          <a:p>
+            <a:endParaRPr lang="en-US" sz="4260" b="0" strike="noStrike" spc="-1">
+              <a:solidFill>
+                <a:srgbClr val="FFFFFF"/>
               </a:solidFill>
               <a:latin typeface="Arial"/>
             </a:endParaRPr>
@@ -2039,13 +2235,14 @@
           </a:prstGeom>
         </p:spPr>
         <p:txBody>
-          <a:bodyPr lIns="0" rIns="0" tIns="0" bIns="0">
+          <a:bodyPr lIns="0" tIns="0" rIns="0" bIns="0">
             <a:normAutofit/>
           </a:bodyPr>
-          <a:p>
-            <a:endParaRPr b="0" lang="en-US" sz="4260" spc="-1" strike="noStrike">
-              <a:solidFill>
-                <a:srgbClr val="ffffff"/>
+          <a:lstStyle/>
+          <a:p>
+            <a:endParaRPr lang="en-US" sz="4260" b="0" strike="noStrike" spc="-1">
+              <a:solidFill>
+                <a:srgbClr val="FFFFFF"/>
               </a:solidFill>
               <a:latin typeface="Arial"/>
             </a:endParaRPr>
@@ -2072,13 +2269,14 @@
           </a:prstGeom>
         </p:spPr>
         <p:txBody>
-          <a:bodyPr lIns="0" rIns="0" tIns="0" bIns="0">
+          <a:bodyPr lIns="0" tIns="0" rIns="0" bIns="0">
             <a:normAutofit/>
           </a:bodyPr>
-          <a:p>
-            <a:endParaRPr b="0" lang="en-US" sz="4260" spc="-1" strike="noStrike">
-              <a:solidFill>
-                <a:srgbClr val="ffffff"/>
+          <a:lstStyle/>
+          <a:p>
+            <a:endParaRPr lang="en-US" sz="4260" b="0" strike="noStrike" spc="-1">
+              <a:solidFill>
+                <a:srgbClr val="FFFFFF"/>
               </a:solidFill>
               <a:latin typeface="Arial"/>
             </a:endParaRPr>
@@ -2105,13 +2303,14 @@
           </a:prstGeom>
         </p:spPr>
         <p:txBody>
-          <a:bodyPr lIns="0" rIns="0" tIns="0" bIns="0">
+          <a:bodyPr lIns="0" tIns="0" rIns="0" bIns="0">
             <a:normAutofit/>
           </a:bodyPr>
-          <a:p>
-            <a:endParaRPr b="0" lang="en-US" sz="4260" spc="-1" strike="noStrike">
-              <a:solidFill>
-                <a:srgbClr val="ffffff"/>
+          <a:lstStyle/>
+          <a:p>
+            <a:endParaRPr lang="en-US" sz="4260" b="0" strike="noStrike" spc="-1">
+              <a:solidFill>
+                <a:srgbClr val="FFFFFF"/>
               </a:solidFill>
               <a:latin typeface="Arial"/>
             </a:endParaRPr>
@@ -2138,13 +2337,14 @@
           </a:prstGeom>
         </p:spPr>
         <p:txBody>
-          <a:bodyPr lIns="0" rIns="0" tIns="0" bIns="0">
+          <a:bodyPr lIns="0" tIns="0" rIns="0" bIns="0">
             <a:normAutofit/>
           </a:bodyPr>
-          <a:p>
-            <a:endParaRPr b="0" lang="en-US" sz="4260" spc="-1" strike="noStrike">
-              <a:solidFill>
-                <a:srgbClr val="ffffff"/>
+          <a:lstStyle/>
+          <a:p>
+            <a:endParaRPr lang="en-US" sz="4260" b="0" strike="noStrike" spc="-1">
+              <a:solidFill>
+                <a:srgbClr val="FFFFFF"/>
               </a:solidFill>
               <a:latin typeface="Arial"/>
             </a:endParaRPr>
@@ -2153,11 +2353,14 @@
       </p:sp>
     </p:spTree>
   </p:cSld>
+  <p:clrMapOvr>
+    <a:masterClrMapping/>
+  </p:clrMapOvr>
 </p:sldLayout>
 </file>
 
 <file path=ppt/slideLayouts/slideLayout3.xml><?xml version="1.0" encoding="utf-8"?>
-<p:sldLayout xmlns:a="http://schemas.openxmlformats.org/drawingml/2006/main" xmlns:p="http://schemas.openxmlformats.org/presentationml/2006/main" xmlns:r="http://schemas.openxmlformats.org/officeDocument/2006/relationships" xmlns:p14="http://schemas.microsoft.com/office/powerpoint/2010/main" xmlns:p15="http://schemas.microsoft.com/office/powerpoint/2012/main" xmlns:mc="http://schemas.openxmlformats.org/markup-compatibility/2006" type="obj" preserve="1">
+<p:sldLayout xmlns:a="http://schemas.openxmlformats.org/drawingml/2006/main" xmlns:r="http://schemas.openxmlformats.org/officeDocument/2006/relationships" xmlns:p="http://schemas.openxmlformats.org/presentationml/2006/main" type="obj" preserve="1">
   <p:cSld name="Title, Content">
     <p:spTree>
       <p:nvGrpSpPr>
@@ -2193,14 +2396,15 @@
           </a:prstGeom>
         </p:spPr>
         <p:txBody>
-          <a:bodyPr lIns="0" rIns="0" tIns="0" bIns="0" anchor="ctr">
+          <a:bodyPr lIns="0" tIns="0" rIns="0" bIns="0" anchor="ctr">
             <a:spAutoFit/>
           </a:bodyPr>
+          <a:lstStyle/>
           <a:p>
             <a:pPr algn="ctr"/>
-            <a:endParaRPr b="0" lang="en-US" sz="5860" spc="-1" strike="noStrike">
-              <a:solidFill>
-                <a:srgbClr val="ffffff"/>
+            <a:endParaRPr lang="en-US" sz="5860" b="0" strike="noStrike" spc="-1">
+              <a:solidFill>
+                <a:srgbClr val="FFFFFF"/>
               </a:solidFill>
               <a:latin typeface="Arial"/>
             </a:endParaRPr>
@@ -2227,13 +2431,14 @@
           </a:prstGeom>
         </p:spPr>
         <p:txBody>
-          <a:bodyPr lIns="0" rIns="0" tIns="0" bIns="0">
+          <a:bodyPr lIns="0" tIns="0" rIns="0" bIns="0">
             <a:normAutofit/>
           </a:bodyPr>
-          <a:p>
-            <a:endParaRPr b="0" lang="en-US" sz="4260" spc="-1" strike="noStrike">
-              <a:solidFill>
-                <a:srgbClr val="ffffff"/>
+          <a:lstStyle/>
+          <a:p>
+            <a:endParaRPr lang="en-US" sz="4260" b="0" strike="noStrike" spc="-1">
+              <a:solidFill>
+                <a:srgbClr val="FFFFFF"/>
               </a:solidFill>
               <a:latin typeface="Arial"/>
             </a:endParaRPr>
@@ -2242,11 +2447,14 @@
       </p:sp>
     </p:spTree>
   </p:cSld>
+  <p:clrMapOvr>
+    <a:masterClrMapping/>
+  </p:clrMapOvr>
 </p:sldLayout>
 </file>
 
 <file path=ppt/slideLayouts/slideLayout4.xml><?xml version="1.0" encoding="utf-8"?>
-<p:sldLayout xmlns:a="http://schemas.openxmlformats.org/drawingml/2006/main" xmlns:p="http://schemas.openxmlformats.org/presentationml/2006/main" xmlns:r="http://schemas.openxmlformats.org/officeDocument/2006/relationships" xmlns:p14="http://schemas.microsoft.com/office/powerpoint/2010/main" xmlns:p15="http://schemas.microsoft.com/office/powerpoint/2012/main" xmlns:mc="http://schemas.openxmlformats.org/markup-compatibility/2006" type="twoObj" preserve="1">
+<p:sldLayout xmlns:a="http://schemas.openxmlformats.org/drawingml/2006/main" xmlns:r="http://schemas.openxmlformats.org/officeDocument/2006/relationships" xmlns:p="http://schemas.openxmlformats.org/presentationml/2006/main" type="twoObj" preserve="1">
   <p:cSld name="Title, 2 Content">
     <p:spTree>
       <p:nvGrpSpPr>
@@ -2282,14 +2490,15 @@
           </a:prstGeom>
         </p:spPr>
         <p:txBody>
-          <a:bodyPr lIns="0" rIns="0" tIns="0" bIns="0" anchor="ctr">
+          <a:bodyPr lIns="0" tIns="0" rIns="0" bIns="0" anchor="ctr">
             <a:spAutoFit/>
           </a:bodyPr>
+          <a:lstStyle/>
           <a:p>
             <a:pPr algn="ctr"/>
-            <a:endParaRPr b="0" lang="en-US" sz="5860" spc="-1" strike="noStrike">
-              <a:solidFill>
-                <a:srgbClr val="ffffff"/>
+            <a:endParaRPr lang="en-US" sz="5860" b="0" strike="noStrike" spc="-1">
+              <a:solidFill>
+                <a:srgbClr val="FFFFFF"/>
               </a:solidFill>
               <a:latin typeface="Arial"/>
             </a:endParaRPr>
@@ -2316,13 +2525,14 @@
           </a:prstGeom>
         </p:spPr>
         <p:txBody>
-          <a:bodyPr lIns="0" rIns="0" tIns="0" bIns="0">
+          <a:bodyPr lIns="0" tIns="0" rIns="0" bIns="0">
             <a:normAutofit/>
           </a:bodyPr>
-          <a:p>
-            <a:endParaRPr b="0" lang="en-US" sz="4260" spc="-1" strike="noStrike">
-              <a:solidFill>
-                <a:srgbClr val="ffffff"/>
+          <a:lstStyle/>
+          <a:p>
+            <a:endParaRPr lang="en-US" sz="4260" b="0" strike="noStrike" spc="-1">
+              <a:solidFill>
+                <a:srgbClr val="FFFFFF"/>
               </a:solidFill>
               <a:latin typeface="Arial"/>
             </a:endParaRPr>
@@ -2349,13 +2559,14 @@
           </a:prstGeom>
         </p:spPr>
         <p:txBody>
-          <a:bodyPr lIns="0" rIns="0" tIns="0" bIns="0">
+          <a:bodyPr lIns="0" tIns="0" rIns="0" bIns="0">
             <a:normAutofit/>
           </a:bodyPr>
-          <a:p>
-            <a:endParaRPr b="0" lang="en-US" sz="4260" spc="-1" strike="noStrike">
-              <a:solidFill>
-                <a:srgbClr val="ffffff"/>
+          <a:lstStyle/>
+          <a:p>
+            <a:endParaRPr lang="en-US" sz="4260" b="0" strike="noStrike" spc="-1">
+              <a:solidFill>
+                <a:srgbClr val="FFFFFF"/>
               </a:solidFill>
               <a:latin typeface="Arial"/>
             </a:endParaRPr>
@@ -2364,11 +2575,14 @@
       </p:sp>
     </p:spTree>
   </p:cSld>
+  <p:clrMapOvr>
+    <a:masterClrMapping/>
+  </p:clrMapOvr>
 </p:sldLayout>
 </file>
 
 <file path=ppt/slideLayouts/slideLayout5.xml><?xml version="1.0" encoding="utf-8"?>
-<p:sldLayout xmlns:a="http://schemas.openxmlformats.org/drawingml/2006/main" xmlns:p="http://schemas.openxmlformats.org/presentationml/2006/main" xmlns:r="http://schemas.openxmlformats.org/officeDocument/2006/relationships" xmlns:p14="http://schemas.microsoft.com/office/powerpoint/2010/main" xmlns:p15="http://schemas.microsoft.com/office/powerpoint/2012/main" xmlns:mc="http://schemas.openxmlformats.org/markup-compatibility/2006" type="titleOnly" preserve="1">
+<p:sldLayout xmlns:a="http://schemas.openxmlformats.org/drawingml/2006/main" xmlns:r="http://schemas.openxmlformats.org/officeDocument/2006/relationships" xmlns:p="http://schemas.openxmlformats.org/presentationml/2006/main" type="titleOnly" preserve="1">
   <p:cSld name="Title Only">
     <p:spTree>
       <p:nvGrpSpPr>
@@ -2404,14 +2618,15 @@
           </a:prstGeom>
         </p:spPr>
         <p:txBody>
-          <a:bodyPr lIns="0" rIns="0" tIns="0" bIns="0" anchor="ctr">
+          <a:bodyPr lIns="0" tIns="0" rIns="0" bIns="0" anchor="ctr">
             <a:spAutoFit/>
           </a:bodyPr>
+          <a:lstStyle/>
           <a:p>
             <a:pPr algn="ctr"/>
-            <a:endParaRPr b="0" lang="en-US" sz="5860" spc="-1" strike="noStrike">
-              <a:solidFill>
-                <a:srgbClr val="ffffff"/>
+            <a:endParaRPr lang="en-US" sz="5860" b="0" strike="noStrike" spc="-1">
+              <a:solidFill>
+                <a:srgbClr val="FFFFFF"/>
               </a:solidFill>
               <a:latin typeface="Arial"/>
             </a:endParaRPr>
@@ -2420,11 +2635,14 @@
       </p:sp>
     </p:spTree>
   </p:cSld>
+  <p:clrMapOvr>
+    <a:masterClrMapping/>
+  </p:clrMapOvr>
 </p:sldLayout>
 </file>
 
 <file path=ppt/slideLayouts/slideLayout6.xml><?xml version="1.0" encoding="utf-8"?>
-<p:sldLayout xmlns:a="http://schemas.openxmlformats.org/drawingml/2006/main" xmlns:p="http://schemas.openxmlformats.org/presentationml/2006/main" xmlns:r="http://schemas.openxmlformats.org/officeDocument/2006/relationships" xmlns:p14="http://schemas.microsoft.com/office/powerpoint/2010/main" xmlns:p15="http://schemas.microsoft.com/office/powerpoint/2012/main" xmlns:mc="http://schemas.openxmlformats.org/markup-compatibility/2006" type="objOnly" preserve="1">
+<p:sldLayout xmlns:a="http://schemas.openxmlformats.org/drawingml/2006/main" xmlns:r="http://schemas.openxmlformats.org/officeDocument/2006/relationships" xmlns:p="http://schemas.openxmlformats.org/presentationml/2006/main" type="objOnly" preserve="1">
   <p:cSld name="Centered Text">
     <p:spTree>
       <p:nvGrpSpPr>
@@ -2460,14 +2678,15 @@
           </a:prstGeom>
         </p:spPr>
         <p:txBody>
-          <a:bodyPr lIns="0" rIns="0" tIns="0" bIns="0" anchor="ctr">
+          <a:bodyPr lIns="0" tIns="0" rIns="0" bIns="0" anchor="ctr">
             <a:spAutoFit/>
           </a:bodyPr>
+          <a:lstStyle/>
           <a:p>
             <a:pPr algn="ctr"/>
-            <a:endParaRPr b="0" lang="en-US" sz="3200" spc="-1" strike="noStrike">
-              <a:solidFill>
-                <a:srgbClr val="ffffff"/>
+            <a:endParaRPr lang="en-US" sz="3200" b="0" strike="noStrike" spc="-1">
+              <a:solidFill>
+                <a:srgbClr val="FFFFFF"/>
               </a:solidFill>
               <a:latin typeface="Arial"/>
             </a:endParaRPr>
@@ -2476,11 +2695,14 @@
       </p:sp>
     </p:spTree>
   </p:cSld>
+  <p:clrMapOvr>
+    <a:masterClrMapping/>
+  </p:clrMapOvr>
 </p:sldLayout>
 </file>
 
 <file path=ppt/slideLayouts/slideLayout7.xml><?xml version="1.0" encoding="utf-8"?>
-<p:sldLayout xmlns:a="http://schemas.openxmlformats.org/drawingml/2006/main" xmlns:p="http://schemas.openxmlformats.org/presentationml/2006/main" xmlns:r="http://schemas.openxmlformats.org/officeDocument/2006/relationships" xmlns:p14="http://schemas.microsoft.com/office/powerpoint/2010/main" xmlns:p15="http://schemas.microsoft.com/office/powerpoint/2012/main" xmlns:mc="http://schemas.openxmlformats.org/markup-compatibility/2006" type="twoObjAndObj" preserve="1">
+<p:sldLayout xmlns:a="http://schemas.openxmlformats.org/drawingml/2006/main" xmlns:r="http://schemas.openxmlformats.org/officeDocument/2006/relationships" xmlns:p="http://schemas.openxmlformats.org/presentationml/2006/main" type="twoObjAndObj" preserve="1">
   <p:cSld name="Title, 2 Content and Content">
     <p:spTree>
       <p:nvGrpSpPr>
@@ -2516,14 +2738,15 @@
           </a:prstGeom>
         </p:spPr>
         <p:txBody>
-          <a:bodyPr lIns="0" rIns="0" tIns="0" bIns="0" anchor="ctr">
+          <a:bodyPr lIns="0" tIns="0" rIns="0" bIns="0" anchor="ctr">
             <a:spAutoFit/>
           </a:bodyPr>
+          <a:lstStyle/>
           <a:p>
             <a:pPr algn="ctr"/>
-            <a:endParaRPr b="0" lang="en-US" sz="5860" spc="-1" strike="noStrike">
-              <a:solidFill>
-                <a:srgbClr val="ffffff"/>
+            <a:endParaRPr lang="en-US" sz="5860" b="0" strike="noStrike" spc="-1">
+              <a:solidFill>
+                <a:srgbClr val="FFFFFF"/>
               </a:solidFill>
               <a:latin typeface="Arial"/>
             </a:endParaRPr>
@@ -2550,13 +2773,14 @@
           </a:prstGeom>
         </p:spPr>
         <p:txBody>
-          <a:bodyPr lIns="0" rIns="0" tIns="0" bIns="0">
+          <a:bodyPr lIns="0" tIns="0" rIns="0" bIns="0">
             <a:normAutofit/>
           </a:bodyPr>
-          <a:p>
-            <a:endParaRPr b="0" lang="en-US" sz="4260" spc="-1" strike="noStrike">
-              <a:solidFill>
-                <a:srgbClr val="ffffff"/>
+          <a:lstStyle/>
+          <a:p>
+            <a:endParaRPr lang="en-US" sz="4260" b="0" strike="noStrike" spc="-1">
+              <a:solidFill>
+                <a:srgbClr val="FFFFFF"/>
               </a:solidFill>
               <a:latin typeface="Arial"/>
             </a:endParaRPr>
@@ -2583,13 +2807,14 @@
           </a:prstGeom>
         </p:spPr>
         <p:txBody>
-          <a:bodyPr lIns="0" rIns="0" tIns="0" bIns="0">
+          <a:bodyPr lIns="0" tIns="0" rIns="0" bIns="0">
             <a:normAutofit/>
           </a:bodyPr>
-          <a:p>
-            <a:endParaRPr b="0" lang="en-US" sz="4260" spc="-1" strike="noStrike">
-              <a:solidFill>
-                <a:srgbClr val="ffffff"/>
+          <a:lstStyle/>
+          <a:p>
+            <a:endParaRPr lang="en-US" sz="4260" b="0" strike="noStrike" spc="-1">
+              <a:solidFill>
+                <a:srgbClr val="FFFFFF"/>
               </a:solidFill>
               <a:latin typeface="Arial"/>
             </a:endParaRPr>
@@ -2616,13 +2841,14 @@
           </a:prstGeom>
         </p:spPr>
         <p:txBody>
-          <a:bodyPr lIns="0" rIns="0" tIns="0" bIns="0">
+          <a:bodyPr lIns="0" tIns="0" rIns="0" bIns="0">
             <a:normAutofit/>
           </a:bodyPr>
-          <a:p>
-            <a:endParaRPr b="0" lang="en-US" sz="4260" spc="-1" strike="noStrike">
-              <a:solidFill>
-                <a:srgbClr val="ffffff"/>
+          <a:lstStyle/>
+          <a:p>
+            <a:endParaRPr lang="en-US" sz="4260" b="0" strike="noStrike" spc="-1">
+              <a:solidFill>
+                <a:srgbClr val="FFFFFF"/>
               </a:solidFill>
               <a:latin typeface="Arial"/>
             </a:endParaRPr>
@@ -2631,11 +2857,14 @@
       </p:sp>
     </p:spTree>
   </p:cSld>
+  <p:clrMapOvr>
+    <a:masterClrMapping/>
+  </p:clrMapOvr>
 </p:sldLayout>
 </file>
 
 <file path=ppt/slideLayouts/slideLayout8.xml><?xml version="1.0" encoding="utf-8"?>
-<p:sldLayout xmlns:a="http://schemas.openxmlformats.org/drawingml/2006/main" xmlns:p="http://schemas.openxmlformats.org/presentationml/2006/main" xmlns:r="http://schemas.openxmlformats.org/officeDocument/2006/relationships" xmlns:p14="http://schemas.microsoft.com/office/powerpoint/2010/main" xmlns:p15="http://schemas.microsoft.com/office/powerpoint/2012/main" xmlns:mc="http://schemas.openxmlformats.org/markup-compatibility/2006" type="objAndTwoObj" preserve="1">
+<p:sldLayout xmlns:a="http://schemas.openxmlformats.org/drawingml/2006/main" xmlns:r="http://schemas.openxmlformats.org/officeDocument/2006/relationships" xmlns:p="http://schemas.openxmlformats.org/presentationml/2006/main" type="objAndTwoObj" preserve="1">
   <p:cSld name="Title Content and 2 Content">
     <p:spTree>
       <p:nvGrpSpPr>
@@ -2671,14 +2900,15 @@
           </a:prstGeom>
         </p:spPr>
         <p:txBody>
-          <a:bodyPr lIns="0" rIns="0" tIns="0" bIns="0" anchor="ctr">
+          <a:bodyPr lIns="0" tIns="0" rIns="0" bIns="0" anchor="ctr">
             <a:spAutoFit/>
           </a:bodyPr>
+          <a:lstStyle/>
           <a:p>
             <a:pPr algn="ctr"/>
-            <a:endParaRPr b="0" lang="en-US" sz="5860" spc="-1" strike="noStrike">
-              <a:solidFill>
-                <a:srgbClr val="ffffff"/>
+            <a:endParaRPr lang="en-US" sz="5860" b="0" strike="noStrike" spc="-1">
+              <a:solidFill>
+                <a:srgbClr val="FFFFFF"/>
               </a:solidFill>
               <a:latin typeface="Arial"/>
             </a:endParaRPr>
@@ -2705,13 +2935,14 @@
           </a:prstGeom>
         </p:spPr>
         <p:txBody>
-          <a:bodyPr lIns="0" rIns="0" tIns="0" bIns="0">
+          <a:bodyPr lIns="0" tIns="0" rIns="0" bIns="0">
             <a:normAutofit/>
           </a:bodyPr>
-          <a:p>
-            <a:endParaRPr b="0" lang="en-US" sz="4260" spc="-1" strike="noStrike">
-              <a:solidFill>
-                <a:srgbClr val="ffffff"/>
+          <a:lstStyle/>
+          <a:p>
+            <a:endParaRPr lang="en-US" sz="4260" b="0" strike="noStrike" spc="-1">
+              <a:solidFill>
+                <a:srgbClr val="FFFFFF"/>
               </a:solidFill>
               <a:latin typeface="Arial"/>
             </a:endParaRPr>
@@ -2738,13 +2969,14 @@
           </a:prstGeom>
         </p:spPr>
         <p:txBody>
-          <a:bodyPr lIns="0" rIns="0" tIns="0" bIns="0">
+          <a:bodyPr lIns="0" tIns="0" rIns="0" bIns="0">
             <a:normAutofit/>
           </a:bodyPr>
-          <a:p>
-            <a:endParaRPr b="0" lang="en-US" sz="4260" spc="-1" strike="noStrike">
-              <a:solidFill>
-                <a:srgbClr val="ffffff"/>
+          <a:lstStyle/>
+          <a:p>
+            <a:endParaRPr lang="en-US" sz="4260" b="0" strike="noStrike" spc="-1">
+              <a:solidFill>
+                <a:srgbClr val="FFFFFF"/>
               </a:solidFill>
               <a:latin typeface="Arial"/>
             </a:endParaRPr>
@@ -2771,13 +3003,14 @@
           </a:prstGeom>
         </p:spPr>
         <p:txBody>
-          <a:bodyPr lIns="0" rIns="0" tIns="0" bIns="0">
+          <a:bodyPr lIns="0" tIns="0" rIns="0" bIns="0">
             <a:normAutofit/>
           </a:bodyPr>
-          <a:p>
-            <a:endParaRPr b="0" lang="en-US" sz="4260" spc="-1" strike="noStrike">
-              <a:solidFill>
-                <a:srgbClr val="ffffff"/>
+          <a:lstStyle/>
+          <a:p>
+            <a:endParaRPr lang="en-US" sz="4260" b="0" strike="noStrike" spc="-1">
+              <a:solidFill>
+                <a:srgbClr val="FFFFFF"/>
               </a:solidFill>
               <a:latin typeface="Arial"/>
             </a:endParaRPr>
@@ -2786,11 +3019,14 @@
       </p:sp>
     </p:spTree>
   </p:cSld>
+  <p:clrMapOvr>
+    <a:masterClrMapping/>
+  </p:clrMapOvr>
 </p:sldLayout>
 </file>
 
 <file path=ppt/slideLayouts/slideLayout9.xml><?xml version="1.0" encoding="utf-8"?>
-<p:sldLayout xmlns:a="http://schemas.openxmlformats.org/drawingml/2006/main" xmlns:p="http://schemas.openxmlformats.org/presentationml/2006/main" xmlns:r="http://schemas.openxmlformats.org/officeDocument/2006/relationships" xmlns:p14="http://schemas.microsoft.com/office/powerpoint/2010/main" xmlns:p15="http://schemas.microsoft.com/office/powerpoint/2012/main" xmlns:mc="http://schemas.openxmlformats.org/markup-compatibility/2006" type="twoObjOverTx" preserve="1">
+<p:sldLayout xmlns:a="http://schemas.openxmlformats.org/drawingml/2006/main" xmlns:r="http://schemas.openxmlformats.org/officeDocument/2006/relationships" xmlns:p="http://schemas.openxmlformats.org/presentationml/2006/main" type="twoObjOverTx" preserve="1">
   <p:cSld name="Title, 2 Content over Content">
     <p:spTree>
       <p:nvGrpSpPr>
@@ -2826,14 +3062,15 @@
           </a:prstGeom>
         </p:spPr>
         <p:txBody>
-          <a:bodyPr lIns="0" rIns="0" tIns="0" bIns="0" anchor="ctr">
+          <a:bodyPr lIns="0" tIns="0" rIns="0" bIns="0" anchor="ctr">
             <a:spAutoFit/>
           </a:bodyPr>
+          <a:lstStyle/>
           <a:p>
             <a:pPr algn="ctr"/>
-            <a:endParaRPr b="0" lang="en-US" sz="5860" spc="-1" strike="noStrike">
-              <a:solidFill>
-                <a:srgbClr val="ffffff"/>
+            <a:endParaRPr lang="en-US" sz="5860" b="0" strike="noStrike" spc="-1">
+              <a:solidFill>
+                <a:srgbClr val="FFFFFF"/>
               </a:solidFill>
               <a:latin typeface="Arial"/>
             </a:endParaRPr>
@@ -2860,13 +3097,14 @@
           </a:prstGeom>
         </p:spPr>
         <p:txBody>
-          <a:bodyPr lIns="0" rIns="0" tIns="0" bIns="0">
+          <a:bodyPr lIns="0" tIns="0" rIns="0" bIns="0">
             <a:normAutofit/>
           </a:bodyPr>
-          <a:p>
-            <a:endParaRPr b="0" lang="en-US" sz="4260" spc="-1" strike="noStrike">
-              <a:solidFill>
-                <a:srgbClr val="ffffff"/>
+          <a:lstStyle/>
+          <a:p>
+            <a:endParaRPr lang="en-US" sz="4260" b="0" strike="noStrike" spc="-1">
+              <a:solidFill>
+                <a:srgbClr val="FFFFFF"/>
               </a:solidFill>
               <a:latin typeface="Arial"/>
             </a:endParaRPr>
@@ -2893,13 +3131,14 @@
           </a:prstGeom>
         </p:spPr>
         <p:txBody>
-          <a:bodyPr lIns="0" rIns="0" tIns="0" bIns="0">
+          <a:bodyPr lIns="0" tIns="0" rIns="0" bIns="0">
             <a:normAutofit/>
           </a:bodyPr>
-          <a:p>
-            <a:endParaRPr b="0" lang="en-US" sz="4260" spc="-1" strike="noStrike">
-              <a:solidFill>
-                <a:srgbClr val="ffffff"/>
+          <a:lstStyle/>
+          <a:p>
+            <a:endParaRPr lang="en-US" sz="4260" b="0" strike="noStrike" spc="-1">
+              <a:solidFill>
+                <a:srgbClr val="FFFFFF"/>
               </a:solidFill>
               <a:latin typeface="Arial"/>
             </a:endParaRPr>
@@ -2926,13 +3165,14 @@
           </a:prstGeom>
         </p:spPr>
         <p:txBody>
-          <a:bodyPr lIns="0" rIns="0" tIns="0" bIns="0">
+          <a:bodyPr lIns="0" tIns="0" rIns="0" bIns="0">
             <a:normAutofit/>
           </a:bodyPr>
-          <a:p>
-            <a:endParaRPr b="0" lang="en-US" sz="4260" spc="-1" strike="noStrike">
-              <a:solidFill>
-                <a:srgbClr val="ffffff"/>
+          <a:lstStyle/>
+          <a:p>
+            <a:endParaRPr lang="en-US" sz="4260" b="0" strike="noStrike" spc="-1">
+              <a:solidFill>
+                <a:srgbClr val="FFFFFF"/>
               </a:solidFill>
               <a:latin typeface="Arial"/>
             </a:endParaRPr>
@@ -2941,20 +3181,24 @@
       </p:sp>
     </p:spTree>
   </p:cSld>
+  <p:clrMapOvr>
+    <a:masterClrMapping/>
+  </p:clrMapOvr>
 </p:sldLayout>
 </file>
 
 <file path=ppt/slideMasters/slideMaster1.xml><?xml version="1.0" encoding="utf-8"?>
-<p:sldMaster xmlns:a="http://schemas.openxmlformats.org/drawingml/2006/main" xmlns:p="http://schemas.openxmlformats.org/presentationml/2006/main" xmlns:r="http://schemas.openxmlformats.org/officeDocument/2006/relationships" xmlns:p14="http://schemas.microsoft.com/office/powerpoint/2010/main" xmlns:p15="http://schemas.microsoft.com/office/powerpoint/2012/main" xmlns:mc="http://schemas.openxmlformats.org/markup-compatibility/2006">
+<p:sldMaster xmlns:a="http://schemas.openxmlformats.org/drawingml/2006/main" xmlns:r="http://schemas.openxmlformats.org/officeDocument/2006/relationships" xmlns:p="http://schemas.openxmlformats.org/presentationml/2006/main">
   <p:cSld>
     <p:bg>
       <p:bgPr>
         <a:blipFill rotWithShape="0">
-          <a:blip r:embed="rId2"/>
+          <a:blip r:embed="rId14"/>
           <a:stretch>
             <a:fillRect/>
           </a:stretch>
         </a:blipFill>
+        <a:effectLst/>
       </p:bgPr>
     </p:bg>
     <p:spTree>
@@ -2973,7 +3217,7 @@
       </p:grpSpPr>
       <p:sp>
         <p:nvSpPr>
-          <p:cNvPr id="0" name="PlaceHolder 1"/>
+          <p:cNvPr id="5" name="PlaceHolder 1"/>
           <p:cNvSpPr>
             <a:spLocks noGrp="1"/>
           </p:cNvSpPr>
@@ -2991,32 +3235,27 @@
           </a:prstGeom>
         </p:spPr>
         <p:txBody>
-          <a:bodyPr lIns="0" rIns="0" tIns="0" bIns="0" anchor="ctr">
+          <a:bodyPr lIns="0" tIns="0" rIns="0" bIns="0" anchor="ctr">
             <a:noAutofit/>
           </a:bodyPr>
+          <a:lstStyle/>
           <a:p>
             <a:pPr algn="ctr"/>
             <a:r>
-              <a:rPr b="0" lang="en-US" sz="5860" spc="-1" strike="noStrike">
+              <a:rPr lang="en-US" sz="5860" b="0" strike="noStrike" spc="-1">
                 <a:solidFill>
-                  <a:srgbClr val="ffffff"/>
+                  <a:srgbClr val="FFFFFF"/>
                 </a:solidFill>
                 <a:latin typeface="Arial"/>
               </a:rPr>
               <a:t>Click to edit the title text format</a:t>
             </a:r>
-            <a:endParaRPr b="0" lang="en-US" sz="5860" spc="-1" strike="noStrike">
-              <a:solidFill>
-                <a:srgbClr val="ffffff"/>
-              </a:solidFill>
-              <a:latin typeface="Arial"/>
-            </a:endParaRPr>
-          </a:p>
-        </p:txBody>
-      </p:sp>
-      <p:sp>
-        <p:nvSpPr>
-          <p:cNvPr id="1" name="PlaceHolder 2"/>
+          </a:p>
+        </p:txBody>
+      </p:sp>
+      <p:sp>
+        <p:nvSpPr>
+          <p:cNvPr id="6" name="PlaceHolder 2"/>
           <p:cNvSpPr>
             <a:spLocks noGrp="1"/>
           </p:cNvSpPr>
@@ -3034,204 +3273,163 @@
           </a:prstGeom>
         </p:spPr>
         <p:txBody>
-          <a:bodyPr lIns="0" rIns="0" tIns="0" bIns="0">
+          <a:bodyPr lIns="0" tIns="0" rIns="0" bIns="0">
             <a:normAutofit fontScale="66000"/>
           </a:bodyPr>
+          <a:lstStyle/>
           <a:p>
             <a:pPr marL="432000" indent="-324000">
               <a:spcBef>
                 <a:spcPts val="1888"/>
               </a:spcBef>
               <a:buClr>
-                <a:srgbClr val="ffffff"/>
+                <a:srgbClr val="FFFFFF"/>
               </a:buClr>
               <a:buSzPct val="45000"/>
               <a:buFont typeface="Wingdings" charset="2"/>
               <a:buChar char=""/>
             </a:pPr>
             <a:r>
-              <a:rPr b="0" lang="en-US" sz="4260" spc="-1" strike="noStrike">
+              <a:rPr lang="en-US" sz="4260" b="0" strike="noStrike" spc="-1">
                 <a:solidFill>
-                  <a:srgbClr val="ffffff"/>
+                  <a:srgbClr val="FFFFFF"/>
                 </a:solidFill>
                 <a:latin typeface="Arial"/>
               </a:rPr>
               <a:t>Click to edit the outline text format</a:t>
             </a:r>
-            <a:endParaRPr b="0" lang="en-US" sz="4260" spc="-1" strike="noStrike">
-              <a:solidFill>
-                <a:srgbClr val="ffffff"/>
-              </a:solidFill>
-              <a:latin typeface="Arial"/>
-            </a:endParaRPr>
-          </a:p>
-          <a:p>
-            <a:pPr lvl="1" marL="864000" indent="-324000">
+          </a:p>
+          <a:p>
+            <a:pPr marL="864000" lvl="1" indent="-324000">
               <a:spcBef>
                 <a:spcPts val="1511"/>
               </a:spcBef>
               <a:buClr>
-                <a:srgbClr val="ffffff"/>
+                <a:srgbClr val="FFFFFF"/>
               </a:buClr>
               <a:buSzPct val="75000"/>
               <a:buFont typeface="Symbol" charset="2"/>
               <a:buChar char=""/>
             </a:pPr>
             <a:r>
-              <a:rPr b="0" lang="en-US" sz="4260" spc="-1" strike="noStrike">
+              <a:rPr lang="en-US" sz="4260" b="0" strike="noStrike" spc="-1">
                 <a:solidFill>
-                  <a:srgbClr val="ffffff"/>
+                  <a:srgbClr val="FFFFFF"/>
                 </a:solidFill>
                 <a:latin typeface="Arial"/>
               </a:rPr>
               <a:t>Second Outline Level</a:t>
             </a:r>
-            <a:endParaRPr b="0" lang="en-US" sz="4260" spc="-1" strike="noStrike">
-              <a:solidFill>
-                <a:srgbClr val="ffffff"/>
-              </a:solidFill>
-              <a:latin typeface="Arial"/>
-            </a:endParaRPr>
-          </a:p>
-          <a:p>
-            <a:pPr lvl="2" marL="1296000" indent="-288000">
+          </a:p>
+          <a:p>
+            <a:pPr marL="1296000" lvl="2" indent="-288000">
               <a:spcBef>
                 <a:spcPts val="1134"/>
               </a:spcBef>
               <a:buClr>
-                <a:srgbClr val="ffffff"/>
+                <a:srgbClr val="FFFFFF"/>
               </a:buClr>
               <a:buSzPct val="45000"/>
               <a:buFont typeface="Wingdings" charset="2"/>
               <a:buChar char=""/>
             </a:pPr>
             <a:r>
-              <a:rPr b="0" lang="en-US" sz="4260" spc="-1" strike="noStrike">
+              <a:rPr lang="en-US" sz="4260" b="0" strike="noStrike" spc="-1">
                 <a:solidFill>
-                  <a:srgbClr val="ffffff"/>
+                  <a:srgbClr val="FFFFFF"/>
                 </a:solidFill>
                 <a:latin typeface="Arial"/>
               </a:rPr>
               <a:t>Third Outline Level</a:t>
             </a:r>
-            <a:endParaRPr b="0" lang="en-US" sz="4260" spc="-1" strike="noStrike">
-              <a:solidFill>
-                <a:srgbClr val="ffffff"/>
-              </a:solidFill>
-              <a:latin typeface="Arial"/>
-            </a:endParaRPr>
-          </a:p>
-          <a:p>
-            <a:pPr lvl="3" marL="1728000" indent="-216000">
+          </a:p>
+          <a:p>
+            <a:pPr marL="1728000" lvl="3" indent="-216000">
               <a:spcBef>
                 <a:spcPts val="754"/>
               </a:spcBef>
               <a:buClr>
-                <a:srgbClr val="ffffff"/>
+                <a:srgbClr val="FFFFFF"/>
               </a:buClr>
               <a:buSzPct val="75000"/>
               <a:buFont typeface="Symbol" charset="2"/>
               <a:buChar char=""/>
             </a:pPr>
             <a:r>
-              <a:rPr b="0" lang="en-US" sz="4260" spc="-1" strike="noStrike">
+              <a:rPr lang="en-US" sz="4260" b="0" strike="noStrike" spc="-1">
                 <a:solidFill>
-                  <a:srgbClr val="ffffff"/>
+                  <a:srgbClr val="FFFFFF"/>
                 </a:solidFill>
                 <a:latin typeface="Arial"/>
               </a:rPr>
               <a:t>Fourth Outline Level</a:t>
             </a:r>
-            <a:endParaRPr b="0" lang="en-US" sz="4260" spc="-1" strike="noStrike">
-              <a:solidFill>
-                <a:srgbClr val="ffffff"/>
-              </a:solidFill>
-              <a:latin typeface="Arial"/>
-            </a:endParaRPr>
-          </a:p>
-          <a:p>
-            <a:pPr lvl="4" marL="2160000" indent="-216000">
+          </a:p>
+          <a:p>
+            <a:pPr marL="2160000" lvl="4" indent="-216000">
               <a:spcBef>
                 <a:spcPts val="377"/>
               </a:spcBef>
               <a:buClr>
-                <a:srgbClr val="ffffff"/>
+                <a:srgbClr val="FFFFFF"/>
               </a:buClr>
               <a:buSzPct val="45000"/>
               <a:buFont typeface="Wingdings" charset="2"/>
               <a:buChar char=""/>
             </a:pPr>
             <a:r>
-              <a:rPr b="0" lang="en-US" sz="4260" spc="-1" strike="noStrike">
+              <a:rPr lang="en-US" sz="4260" b="0" strike="noStrike" spc="-1">
                 <a:solidFill>
-                  <a:srgbClr val="ffffff"/>
+                  <a:srgbClr val="FFFFFF"/>
                 </a:solidFill>
                 <a:latin typeface="Arial"/>
               </a:rPr>
               <a:t>Fifth Outline Level</a:t>
             </a:r>
-            <a:endParaRPr b="0" lang="en-US" sz="4260" spc="-1" strike="noStrike">
-              <a:solidFill>
-                <a:srgbClr val="ffffff"/>
-              </a:solidFill>
-              <a:latin typeface="Arial"/>
-            </a:endParaRPr>
-          </a:p>
-          <a:p>
-            <a:pPr lvl="5" marL="2592000" indent="-216000">
+          </a:p>
+          <a:p>
+            <a:pPr marL="2592000" lvl="5" indent="-216000">
               <a:spcBef>
                 <a:spcPts val="377"/>
               </a:spcBef>
               <a:buClr>
-                <a:srgbClr val="ffffff"/>
+                <a:srgbClr val="FFFFFF"/>
               </a:buClr>
               <a:buSzPct val="45000"/>
               <a:buFont typeface="Wingdings" charset="2"/>
               <a:buChar char=""/>
             </a:pPr>
             <a:r>
-              <a:rPr b="0" lang="en-US" sz="4260" spc="-1" strike="noStrike">
+              <a:rPr lang="en-US" sz="4260" b="0" strike="noStrike" spc="-1">
                 <a:solidFill>
-                  <a:srgbClr val="ffffff"/>
+                  <a:srgbClr val="FFFFFF"/>
                 </a:solidFill>
                 <a:latin typeface="Arial"/>
               </a:rPr>
               <a:t>Sixth Outline Level</a:t>
             </a:r>
-            <a:endParaRPr b="0" lang="en-US" sz="4260" spc="-1" strike="noStrike">
-              <a:solidFill>
-                <a:srgbClr val="ffffff"/>
-              </a:solidFill>
-              <a:latin typeface="Arial"/>
-            </a:endParaRPr>
-          </a:p>
-          <a:p>
-            <a:pPr lvl="6" marL="3024000" indent="-216000">
+          </a:p>
+          <a:p>
+            <a:pPr marL="3024000" lvl="6" indent="-216000">
               <a:spcBef>
                 <a:spcPts val="377"/>
               </a:spcBef>
               <a:buClr>
-                <a:srgbClr val="ffffff"/>
+                <a:srgbClr val="FFFFFF"/>
               </a:buClr>
               <a:buSzPct val="45000"/>
               <a:buFont typeface="Wingdings" charset="2"/>
               <a:buChar char=""/>
             </a:pPr>
             <a:r>
-              <a:rPr b="0" lang="en-US" sz="4260" spc="-1" strike="noStrike">
+              <a:rPr lang="en-US" sz="4260" b="0" strike="noStrike" spc="-1">
                 <a:solidFill>
-                  <a:srgbClr val="ffffff"/>
+                  <a:srgbClr val="FFFFFF"/>
                 </a:solidFill>
                 <a:latin typeface="Arial"/>
               </a:rPr>
               <a:t>Seventh Outline Level</a:t>
             </a:r>
-            <a:endParaRPr b="0" lang="en-US" sz="4260" spc="-1" strike="noStrike">
-              <a:solidFill>
-                <a:srgbClr val="ffffff"/>
-              </a:solidFill>
-              <a:latin typeface="Arial"/>
-            </a:endParaRPr>
           </a:p>
         </p:txBody>
       </p:sp>
@@ -3255,25 +3453,20 @@
           </a:prstGeom>
         </p:spPr>
         <p:txBody>
-          <a:bodyPr lIns="0" rIns="0" tIns="0" bIns="0">
+          <a:bodyPr lIns="0" tIns="0" rIns="0" bIns="0">
             <a:noAutofit/>
           </a:bodyPr>
+          <a:lstStyle/>
           <a:p>
             <a:r>
-              <a:rPr b="0" lang="en-US" sz="1400" spc="-1" strike="noStrike">
+              <a:rPr lang="en-US" sz="1400" b="0" strike="noStrike" spc="-1">
                 <a:solidFill>
-                  <a:srgbClr val="ffffff"/>
+                  <a:srgbClr val="FFFFFF"/>
                 </a:solidFill>
                 <a:latin typeface="Times New Roman"/>
               </a:rPr>
               <a:t>&lt;date/time&gt;</a:t>
             </a:r>
-            <a:endParaRPr b="0" lang="en-US" sz="1400" spc="-1" strike="noStrike">
-              <a:solidFill>
-                <a:srgbClr val="ffffff"/>
-              </a:solidFill>
-              <a:latin typeface="Times New Roman"/>
-            </a:endParaRPr>
           </a:p>
         </p:txBody>
       </p:sp>
@@ -3297,26 +3490,21 @@
           </a:prstGeom>
         </p:spPr>
         <p:txBody>
-          <a:bodyPr lIns="0" rIns="0" tIns="0" bIns="0">
+          <a:bodyPr lIns="0" tIns="0" rIns="0" bIns="0">
             <a:noAutofit/>
           </a:bodyPr>
+          <a:lstStyle/>
           <a:p>
             <a:pPr algn="ctr"/>
             <a:r>
-              <a:rPr b="0" lang="en-US" sz="1400" spc="-1" strike="noStrike">
+              <a:rPr lang="en-US" sz="1400" b="0" strike="noStrike" spc="-1">
                 <a:solidFill>
-                  <a:srgbClr val="ffffff"/>
+                  <a:srgbClr val="FFFFFF"/>
                 </a:solidFill>
                 <a:latin typeface="Times New Roman"/>
               </a:rPr>
               <a:t>&lt;footer&gt;</a:t>
             </a:r>
-            <a:endParaRPr b="0" lang="en-US" sz="1400" spc="-1" strike="noStrike">
-              <a:solidFill>
-                <a:srgbClr val="ffffff"/>
-              </a:solidFill>
-              <a:latin typeface="Times New Roman"/>
-            </a:endParaRPr>
           </a:p>
         </p:txBody>
       </p:sp>
@@ -3340,23 +3528,24 @@
           </a:prstGeom>
         </p:spPr>
         <p:txBody>
-          <a:bodyPr lIns="0" rIns="0" tIns="0" bIns="0">
+          <a:bodyPr lIns="0" tIns="0" rIns="0" bIns="0">
             <a:noAutofit/>
           </a:bodyPr>
+          <a:lstStyle/>
           <a:p>
             <a:pPr algn="r"/>
             <a:fld id="{B0F14E21-368B-49E8-ACAD-2955EE7C6CF3}" type="slidenum">
-              <a:rPr b="0" lang="en-US" sz="1400" spc="-1" strike="noStrike">
+              <a:rPr lang="en-US" sz="1400" b="0" strike="noStrike" spc="-1">
                 <a:solidFill>
-                  <a:srgbClr val="ffffff"/>
+                  <a:srgbClr val="FFFFFF"/>
                 </a:solidFill>
                 <a:latin typeface="Times New Roman"/>
               </a:rPr>
-              <a:t>&lt;number&gt;</a:t>
+              <a:t>‹#›</a:t>
             </a:fld>
-            <a:endParaRPr b="0" lang="en-US" sz="1400" spc="-1" strike="noStrike">
-              <a:solidFill>
-                <a:srgbClr val="ffffff"/>
+            <a:endParaRPr lang="en-US" sz="1400" b="0" strike="noStrike" spc="-1">
+              <a:solidFill>
+                <a:srgbClr val="FFFFFF"/>
               </a:solidFill>
               <a:latin typeface="Times New Roman"/>
             </a:endParaRPr>
@@ -3365,35 +3554,316 @@
       </p:sp>
     </p:spTree>
   </p:cSld>
-  <p:clrMap bg1="lt1" bg2="lt2" tx1="dk1" tx2="dk2" accent1="accent1" accent2="accent2" accent3="accent3" accent4="accent4" accent5="accent5" accent6="accent6" hlink="hlink" folHlink="folHlink"/>
+  <p:clrMap bg1="lt1" tx1="dk1" bg2="lt2" tx2="dk2" accent1="accent1" accent2="accent2" accent3="accent3" accent4="accent4" accent5="accent5" accent6="accent6" hlink="hlink" folHlink="folHlink"/>
   <p:sldLayoutIdLst>
-    <p:sldLayoutId id="2147483649" r:id="rId3"/>
-    <p:sldLayoutId id="2147483650" r:id="rId4"/>
-    <p:sldLayoutId id="2147483651" r:id="rId5"/>
-    <p:sldLayoutId id="2147483652" r:id="rId6"/>
-    <p:sldLayoutId id="2147483653" r:id="rId7"/>
-    <p:sldLayoutId id="2147483654" r:id="rId8"/>
-    <p:sldLayoutId id="2147483655" r:id="rId9"/>
-    <p:sldLayoutId id="2147483656" r:id="rId10"/>
-    <p:sldLayoutId id="2147483657" r:id="rId11"/>
-    <p:sldLayoutId id="2147483658" r:id="rId12"/>
-    <p:sldLayoutId id="2147483659" r:id="rId13"/>
-    <p:sldLayoutId id="2147483660" r:id="rId14"/>
+    <p:sldLayoutId id="2147483649" r:id="rId1"/>
+    <p:sldLayoutId id="2147483650" r:id="rId2"/>
+    <p:sldLayoutId id="2147483651" r:id="rId3"/>
+    <p:sldLayoutId id="2147483652" r:id="rId4"/>
+    <p:sldLayoutId id="2147483653" r:id="rId5"/>
+    <p:sldLayoutId id="2147483654" r:id="rId6"/>
+    <p:sldLayoutId id="2147483655" r:id="rId7"/>
+    <p:sldLayoutId id="2147483656" r:id="rId8"/>
+    <p:sldLayoutId id="2147483657" r:id="rId9"/>
+    <p:sldLayoutId id="2147483658" r:id="rId10"/>
+    <p:sldLayoutId id="2147483659" r:id="rId11"/>
+    <p:sldLayoutId id="2147483660" r:id="rId12"/>
   </p:sldLayoutIdLst>
+  <p:txStyles>
+    <p:titleStyle>
+      <a:lvl1pPr algn="r" defTabSz="914400" rtl="1" eaLnBrk="1" latinLnBrk="0" hangingPunct="1">
+        <a:lnSpc>
+          <a:spcPct val="90000"/>
+        </a:lnSpc>
+        <a:spcBef>
+          <a:spcPct val="0"/>
+        </a:spcBef>
+        <a:buNone/>
+        <a:defRPr sz="4400" kern="1200">
+          <a:solidFill>
+            <a:schemeClr val="tx1"/>
+          </a:solidFill>
+          <a:latin typeface="+mj-lt"/>
+          <a:ea typeface="+mj-ea"/>
+          <a:cs typeface="+mj-cs"/>
+        </a:defRPr>
+      </a:lvl1pPr>
+    </p:titleStyle>
+    <p:bodyStyle>
+      <a:lvl1pPr marL="228600" indent="-228600" algn="r" defTabSz="914400" rtl="1" eaLnBrk="1" latinLnBrk="0" hangingPunct="1">
+        <a:lnSpc>
+          <a:spcPct val="90000"/>
+        </a:lnSpc>
+        <a:spcBef>
+          <a:spcPts val="1000"/>
+        </a:spcBef>
+        <a:buFont typeface="Arial" panose="020B0604020202020204" pitchFamily="34" charset="0"/>
+        <a:buChar char="•"/>
+        <a:defRPr sz="2800" kern="1200">
+          <a:solidFill>
+            <a:schemeClr val="tx1"/>
+          </a:solidFill>
+          <a:latin typeface="+mn-lt"/>
+          <a:ea typeface="+mn-ea"/>
+          <a:cs typeface="+mn-cs"/>
+        </a:defRPr>
+      </a:lvl1pPr>
+      <a:lvl2pPr marL="685800" indent="-228600" algn="r" defTabSz="914400" rtl="1" eaLnBrk="1" latinLnBrk="0" hangingPunct="1">
+        <a:lnSpc>
+          <a:spcPct val="90000"/>
+        </a:lnSpc>
+        <a:spcBef>
+          <a:spcPts val="500"/>
+        </a:spcBef>
+        <a:buFont typeface="Arial" panose="020B0604020202020204" pitchFamily="34" charset="0"/>
+        <a:buChar char="•"/>
+        <a:defRPr sz="2400" kern="1200">
+          <a:solidFill>
+            <a:schemeClr val="tx1"/>
+          </a:solidFill>
+          <a:latin typeface="+mn-lt"/>
+          <a:ea typeface="+mn-ea"/>
+          <a:cs typeface="+mn-cs"/>
+        </a:defRPr>
+      </a:lvl2pPr>
+      <a:lvl3pPr marL="1143000" indent="-228600" algn="r" defTabSz="914400" rtl="1" eaLnBrk="1" latinLnBrk="0" hangingPunct="1">
+        <a:lnSpc>
+          <a:spcPct val="90000"/>
+        </a:lnSpc>
+        <a:spcBef>
+          <a:spcPts val="500"/>
+        </a:spcBef>
+        <a:buFont typeface="Arial" panose="020B0604020202020204" pitchFamily="34" charset="0"/>
+        <a:buChar char="•"/>
+        <a:defRPr sz="2000" kern="1200">
+          <a:solidFill>
+            <a:schemeClr val="tx1"/>
+          </a:solidFill>
+          <a:latin typeface="+mn-lt"/>
+          <a:ea typeface="+mn-ea"/>
+          <a:cs typeface="+mn-cs"/>
+        </a:defRPr>
+      </a:lvl3pPr>
+      <a:lvl4pPr marL="1600200" indent="-228600" algn="r" defTabSz="914400" rtl="1" eaLnBrk="1" latinLnBrk="0" hangingPunct="1">
+        <a:lnSpc>
+          <a:spcPct val="90000"/>
+        </a:lnSpc>
+        <a:spcBef>
+          <a:spcPts val="500"/>
+        </a:spcBef>
+        <a:buFont typeface="Arial" panose="020B0604020202020204" pitchFamily="34" charset="0"/>
+        <a:buChar char="•"/>
+        <a:defRPr sz="1800" kern="1200">
+          <a:solidFill>
+            <a:schemeClr val="tx1"/>
+          </a:solidFill>
+          <a:latin typeface="+mn-lt"/>
+          <a:ea typeface="+mn-ea"/>
+          <a:cs typeface="+mn-cs"/>
+        </a:defRPr>
+      </a:lvl4pPr>
+      <a:lvl5pPr marL="2057400" indent="-228600" algn="r" defTabSz="914400" rtl="1" eaLnBrk="1" latinLnBrk="0" hangingPunct="1">
+        <a:lnSpc>
+          <a:spcPct val="90000"/>
+        </a:lnSpc>
+        <a:spcBef>
+          <a:spcPts val="500"/>
+        </a:spcBef>
+        <a:buFont typeface="Arial" panose="020B0604020202020204" pitchFamily="34" charset="0"/>
+        <a:buChar char="•"/>
+        <a:defRPr sz="1800" kern="1200">
+          <a:solidFill>
+            <a:schemeClr val="tx1"/>
+          </a:solidFill>
+          <a:latin typeface="+mn-lt"/>
+          <a:ea typeface="+mn-ea"/>
+          <a:cs typeface="+mn-cs"/>
+        </a:defRPr>
+      </a:lvl5pPr>
+      <a:lvl6pPr marL="2514600" indent="-228600" algn="r" defTabSz="914400" rtl="1" eaLnBrk="1" latinLnBrk="0" hangingPunct="1">
+        <a:lnSpc>
+          <a:spcPct val="90000"/>
+        </a:lnSpc>
+        <a:spcBef>
+          <a:spcPts val="500"/>
+        </a:spcBef>
+        <a:buFont typeface="Arial" panose="020B0604020202020204" pitchFamily="34" charset="0"/>
+        <a:buChar char="•"/>
+        <a:defRPr sz="1800" kern="1200">
+          <a:solidFill>
+            <a:schemeClr val="tx1"/>
+          </a:solidFill>
+          <a:latin typeface="+mn-lt"/>
+          <a:ea typeface="+mn-ea"/>
+          <a:cs typeface="+mn-cs"/>
+        </a:defRPr>
+      </a:lvl6pPr>
+      <a:lvl7pPr marL="2971800" indent="-228600" algn="r" defTabSz="914400" rtl="1" eaLnBrk="1" latinLnBrk="0" hangingPunct="1">
+        <a:lnSpc>
+          <a:spcPct val="90000"/>
+        </a:lnSpc>
+        <a:spcBef>
+          <a:spcPts val="500"/>
+        </a:spcBef>
+        <a:buFont typeface="Arial" panose="020B0604020202020204" pitchFamily="34" charset="0"/>
+        <a:buChar char="•"/>
+        <a:defRPr sz="1800" kern="1200">
+          <a:solidFill>
+            <a:schemeClr val="tx1"/>
+          </a:solidFill>
+          <a:latin typeface="+mn-lt"/>
+          <a:ea typeface="+mn-ea"/>
+          <a:cs typeface="+mn-cs"/>
+        </a:defRPr>
+      </a:lvl7pPr>
+      <a:lvl8pPr marL="3429000" indent="-228600" algn="r" defTabSz="914400" rtl="1" eaLnBrk="1" latinLnBrk="0" hangingPunct="1">
+        <a:lnSpc>
+          <a:spcPct val="90000"/>
+        </a:lnSpc>
+        <a:spcBef>
+          <a:spcPts val="500"/>
+        </a:spcBef>
+        <a:buFont typeface="Arial" panose="020B0604020202020204" pitchFamily="34" charset="0"/>
+        <a:buChar char="•"/>
+        <a:defRPr sz="1800" kern="1200">
+          <a:solidFill>
+            <a:schemeClr val="tx1"/>
+          </a:solidFill>
+          <a:latin typeface="+mn-lt"/>
+          <a:ea typeface="+mn-ea"/>
+          <a:cs typeface="+mn-cs"/>
+        </a:defRPr>
+      </a:lvl8pPr>
+      <a:lvl9pPr marL="3886200" indent="-228600" algn="r" defTabSz="914400" rtl="1" eaLnBrk="1" latinLnBrk="0" hangingPunct="1">
+        <a:lnSpc>
+          <a:spcPct val="90000"/>
+        </a:lnSpc>
+        <a:spcBef>
+          <a:spcPts val="500"/>
+        </a:spcBef>
+        <a:buFont typeface="Arial" panose="020B0604020202020204" pitchFamily="34" charset="0"/>
+        <a:buChar char="•"/>
+        <a:defRPr sz="1800" kern="1200">
+          <a:solidFill>
+            <a:schemeClr val="tx1"/>
+          </a:solidFill>
+          <a:latin typeface="+mn-lt"/>
+          <a:ea typeface="+mn-ea"/>
+          <a:cs typeface="+mn-cs"/>
+        </a:defRPr>
+      </a:lvl9pPr>
+    </p:bodyStyle>
+    <p:otherStyle>
+      <a:defPPr>
+        <a:defRPr lang="he-IL"/>
+      </a:defPPr>
+      <a:lvl1pPr marL="0" algn="r" defTabSz="914400" rtl="1" eaLnBrk="1" latinLnBrk="0" hangingPunct="1">
+        <a:defRPr sz="1800" kern="1200">
+          <a:solidFill>
+            <a:schemeClr val="tx1"/>
+          </a:solidFill>
+          <a:latin typeface="+mn-lt"/>
+          <a:ea typeface="+mn-ea"/>
+          <a:cs typeface="+mn-cs"/>
+        </a:defRPr>
+      </a:lvl1pPr>
+      <a:lvl2pPr marL="457200" algn="r" defTabSz="914400" rtl="1" eaLnBrk="1" latinLnBrk="0" hangingPunct="1">
+        <a:defRPr sz="1800" kern="1200">
+          <a:solidFill>
+            <a:schemeClr val="tx1"/>
+          </a:solidFill>
+          <a:latin typeface="+mn-lt"/>
+          <a:ea typeface="+mn-ea"/>
+          <a:cs typeface="+mn-cs"/>
+        </a:defRPr>
+      </a:lvl2pPr>
+      <a:lvl3pPr marL="914400" algn="r" defTabSz="914400" rtl="1" eaLnBrk="1" latinLnBrk="0" hangingPunct="1">
+        <a:defRPr sz="1800" kern="1200">
+          <a:solidFill>
+            <a:schemeClr val="tx1"/>
+          </a:solidFill>
+          <a:latin typeface="+mn-lt"/>
+          <a:ea typeface="+mn-ea"/>
+          <a:cs typeface="+mn-cs"/>
+        </a:defRPr>
+      </a:lvl3pPr>
+      <a:lvl4pPr marL="1371600" algn="r" defTabSz="914400" rtl="1" eaLnBrk="1" latinLnBrk="0" hangingPunct="1">
+        <a:defRPr sz="1800" kern="1200">
+          <a:solidFill>
+            <a:schemeClr val="tx1"/>
+          </a:solidFill>
+          <a:latin typeface="+mn-lt"/>
+          <a:ea typeface="+mn-ea"/>
+          <a:cs typeface="+mn-cs"/>
+        </a:defRPr>
+      </a:lvl4pPr>
+      <a:lvl5pPr marL="1828800" algn="r" defTabSz="914400" rtl="1" eaLnBrk="1" latinLnBrk="0" hangingPunct="1">
+        <a:defRPr sz="1800" kern="1200">
+          <a:solidFill>
+            <a:schemeClr val="tx1"/>
+          </a:solidFill>
+          <a:latin typeface="+mn-lt"/>
+          <a:ea typeface="+mn-ea"/>
+          <a:cs typeface="+mn-cs"/>
+        </a:defRPr>
+      </a:lvl5pPr>
+      <a:lvl6pPr marL="2286000" algn="r" defTabSz="914400" rtl="1" eaLnBrk="1" latinLnBrk="0" hangingPunct="1">
+        <a:defRPr sz="1800" kern="1200">
+          <a:solidFill>
+            <a:schemeClr val="tx1"/>
+          </a:solidFill>
+          <a:latin typeface="+mn-lt"/>
+          <a:ea typeface="+mn-ea"/>
+          <a:cs typeface="+mn-cs"/>
+        </a:defRPr>
+      </a:lvl6pPr>
+      <a:lvl7pPr marL="2743200" algn="r" defTabSz="914400" rtl="1" eaLnBrk="1" latinLnBrk="0" hangingPunct="1">
+        <a:defRPr sz="1800" kern="1200">
+          <a:solidFill>
+            <a:schemeClr val="tx1"/>
+          </a:solidFill>
+          <a:latin typeface="+mn-lt"/>
+          <a:ea typeface="+mn-ea"/>
+          <a:cs typeface="+mn-cs"/>
+        </a:defRPr>
+      </a:lvl7pPr>
+      <a:lvl8pPr marL="3200400" algn="r" defTabSz="914400" rtl="1" eaLnBrk="1" latinLnBrk="0" hangingPunct="1">
+        <a:defRPr sz="1800" kern="1200">
+          <a:solidFill>
+            <a:schemeClr val="tx1"/>
+          </a:solidFill>
+          <a:latin typeface="+mn-lt"/>
+          <a:ea typeface="+mn-ea"/>
+          <a:cs typeface="+mn-cs"/>
+        </a:defRPr>
+      </a:lvl8pPr>
+      <a:lvl9pPr marL="3657600" algn="r" defTabSz="914400" rtl="1" eaLnBrk="1" latinLnBrk="0" hangingPunct="1">
+        <a:defRPr sz="1800" kern="1200">
+          <a:solidFill>
+            <a:schemeClr val="tx1"/>
+          </a:solidFill>
+          <a:latin typeface="+mn-lt"/>
+          <a:ea typeface="+mn-ea"/>
+          <a:cs typeface="+mn-cs"/>
+        </a:defRPr>
+      </a:lvl9pPr>
+    </p:otherStyle>
+  </p:txStyles>
 </p:sldMaster>
 </file>
 
 <file path=ppt/slideMasters/slideMaster2.xml><?xml version="1.0" encoding="utf-8"?>
-<p:sldMaster xmlns:a="http://schemas.openxmlformats.org/drawingml/2006/main" xmlns:p="http://schemas.openxmlformats.org/presentationml/2006/main" xmlns:r="http://schemas.openxmlformats.org/officeDocument/2006/relationships" xmlns:p14="http://schemas.microsoft.com/office/powerpoint/2010/main" xmlns:p15="http://schemas.microsoft.com/office/powerpoint/2012/main" xmlns:mc="http://schemas.openxmlformats.org/markup-compatibility/2006">
+<p:sldMaster xmlns:a="http://schemas.openxmlformats.org/drawingml/2006/main" xmlns:r="http://schemas.openxmlformats.org/officeDocument/2006/relationships" xmlns:p="http://schemas.openxmlformats.org/presentationml/2006/main">
   <p:cSld>
     <p:bg>
       <p:bgPr>
         <a:blipFill rotWithShape="0">
-          <a:blip r:embed="rId2"/>
+          <a:blip r:embed="rId14"/>
           <a:stretch>
             <a:fillRect/>
           </a:stretch>
         </a:blipFill>
+        <a:effectLst/>
       </p:bgPr>
     </p:bg>
     <p:spTree>
@@ -3430,20 +3900,18 @@
           </a:prstGeom>
         </p:spPr>
         <p:txBody>
-          <a:bodyPr lIns="0" rIns="0" tIns="0" bIns="0" anchor="ctr">
+          <a:bodyPr lIns="0" tIns="0" rIns="0" bIns="0" anchor="ctr">
             <a:noAutofit/>
           </a:bodyPr>
+          <a:lstStyle/>
           <a:p>
             <a:pPr algn="ctr"/>
             <a:r>
-              <a:rPr b="0" lang="en-US" sz="4400" spc="-1" strike="noStrike">
+              <a:rPr lang="en-US" sz="4400" b="0" strike="noStrike" spc="-1">
                 <a:latin typeface="Arial"/>
               </a:rPr>
               <a:t>Click to edit the title text format</a:t>
             </a:r>
-            <a:endParaRPr b="0" lang="en-US" sz="4400" spc="-1" strike="noStrike">
-              <a:latin typeface="Arial"/>
-            </a:endParaRPr>
           </a:p>
         </p:txBody>
       </p:sp>
@@ -3467,9 +3935,10 @@
           </a:prstGeom>
         </p:spPr>
         <p:txBody>
-          <a:bodyPr lIns="0" rIns="0" tIns="0" bIns="0">
+          <a:bodyPr lIns="0" tIns="0" rIns="0" bIns="0">
             <a:normAutofit/>
           </a:bodyPr>
+          <a:lstStyle/>
           <a:p>
             <a:pPr marL="432000" indent="-324000">
               <a:spcBef>
@@ -3483,17 +3952,14 @@
               <a:buChar char=""/>
             </a:pPr>
             <a:r>
-              <a:rPr b="0" lang="en-US" sz="3200" spc="-1" strike="noStrike">
+              <a:rPr lang="en-US" sz="3200" b="0" strike="noStrike" spc="-1">
                 <a:latin typeface="Arial"/>
               </a:rPr>
               <a:t>Click to edit the outline text format</a:t>
             </a:r>
-            <a:endParaRPr b="0" lang="en-US" sz="3200" spc="-1" strike="noStrike">
-              <a:latin typeface="Arial"/>
-            </a:endParaRPr>
-          </a:p>
-          <a:p>
-            <a:pPr lvl="1" marL="864000" indent="-324000">
+          </a:p>
+          <a:p>
+            <a:pPr marL="864000" lvl="1" indent="-324000">
               <a:spcBef>
                 <a:spcPts val="1134"/>
               </a:spcBef>
@@ -3505,17 +3971,14 @@
               <a:buChar char=""/>
             </a:pPr>
             <a:r>
-              <a:rPr b="0" lang="en-US" sz="2800" spc="-1" strike="noStrike">
+              <a:rPr lang="en-US" sz="2800" b="0" strike="noStrike" spc="-1">
                 <a:latin typeface="Arial"/>
               </a:rPr>
               <a:t>Second Outline Level</a:t>
             </a:r>
-            <a:endParaRPr b="0" lang="en-US" sz="2800" spc="-1" strike="noStrike">
-              <a:latin typeface="Arial"/>
-            </a:endParaRPr>
-          </a:p>
-          <a:p>
-            <a:pPr lvl="2" marL="1296000" indent="-288000">
+          </a:p>
+          <a:p>
+            <a:pPr marL="1296000" lvl="2" indent="-288000">
               <a:spcBef>
                 <a:spcPts val="850"/>
               </a:spcBef>
@@ -3527,17 +3990,14 @@
               <a:buChar char=""/>
             </a:pPr>
             <a:r>
-              <a:rPr b="0" lang="en-US" sz="2400" spc="-1" strike="noStrike">
+              <a:rPr lang="en-US" sz="2400" b="0" strike="noStrike" spc="-1">
                 <a:latin typeface="Arial"/>
               </a:rPr>
               <a:t>Third Outline Level</a:t>
             </a:r>
-            <a:endParaRPr b="0" lang="en-US" sz="2400" spc="-1" strike="noStrike">
-              <a:latin typeface="Arial"/>
-            </a:endParaRPr>
-          </a:p>
-          <a:p>
-            <a:pPr lvl="3" marL="1728000" indent="-216000">
+          </a:p>
+          <a:p>
+            <a:pPr marL="1728000" lvl="3" indent="-216000">
               <a:spcBef>
                 <a:spcPts val="567"/>
               </a:spcBef>
@@ -3549,17 +4009,14 @@
               <a:buChar char=""/>
             </a:pPr>
             <a:r>
-              <a:rPr b="0" lang="en-US" sz="2000" spc="-1" strike="noStrike">
+              <a:rPr lang="en-US" sz="2000" b="0" strike="noStrike" spc="-1">
                 <a:latin typeface="Arial"/>
               </a:rPr>
               <a:t>Fourth Outline Level</a:t>
             </a:r>
-            <a:endParaRPr b="0" lang="en-US" sz="2000" spc="-1" strike="noStrike">
-              <a:latin typeface="Arial"/>
-            </a:endParaRPr>
-          </a:p>
-          <a:p>
-            <a:pPr lvl="4" marL="2160000" indent="-216000">
+          </a:p>
+          <a:p>
+            <a:pPr marL="2160000" lvl="4" indent="-216000">
               <a:spcBef>
                 <a:spcPts val="283"/>
               </a:spcBef>
@@ -3571,17 +4028,14 @@
               <a:buChar char=""/>
             </a:pPr>
             <a:r>
-              <a:rPr b="0" lang="en-US" sz="2000" spc="-1" strike="noStrike">
+              <a:rPr lang="en-US" sz="2000" b="0" strike="noStrike" spc="-1">
                 <a:latin typeface="Arial"/>
               </a:rPr>
               <a:t>Fifth Outline Level</a:t>
             </a:r>
-            <a:endParaRPr b="0" lang="en-US" sz="2000" spc="-1" strike="noStrike">
-              <a:latin typeface="Arial"/>
-            </a:endParaRPr>
-          </a:p>
-          <a:p>
-            <a:pPr lvl="5" marL="2592000" indent="-216000">
+          </a:p>
+          <a:p>
+            <a:pPr marL="2592000" lvl="5" indent="-216000">
               <a:spcBef>
                 <a:spcPts val="283"/>
               </a:spcBef>
@@ -3593,17 +4047,14 @@
               <a:buChar char=""/>
             </a:pPr>
             <a:r>
-              <a:rPr b="0" lang="en-US" sz="2000" spc="-1" strike="noStrike">
+              <a:rPr lang="en-US" sz="2000" b="0" strike="noStrike" spc="-1">
                 <a:latin typeface="Arial"/>
               </a:rPr>
               <a:t>Sixth Outline Level</a:t>
             </a:r>
-            <a:endParaRPr b="0" lang="en-US" sz="2000" spc="-1" strike="noStrike">
-              <a:latin typeface="Arial"/>
-            </a:endParaRPr>
-          </a:p>
-          <a:p>
-            <a:pPr lvl="6" marL="3024000" indent="-216000">
+          </a:p>
+          <a:p>
+            <a:pPr marL="3024000" lvl="6" indent="-216000">
               <a:spcBef>
                 <a:spcPts val="283"/>
               </a:spcBef>
@@ -3615,14 +4066,11 @@
               <a:buChar char=""/>
             </a:pPr>
             <a:r>
-              <a:rPr b="0" lang="en-US" sz="2000" spc="-1" strike="noStrike">
+              <a:rPr lang="en-US" sz="2000" b="0" strike="noStrike" spc="-1">
                 <a:latin typeface="Arial"/>
               </a:rPr>
               <a:t>Seventh Outline Level</a:t>
             </a:r>
-            <a:endParaRPr b="0" lang="en-US" sz="2000" spc="-1" strike="noStrike">
-              <a:latin typeface="Arial"/>
-            </a:endParaRPr>
           </a:p>
         </p:txBody>
       </p:sp>
@@ -3646,19 +4094,17 @@
           </a:prstGeom>
         </p:spPr>
         <p:txBody>
-          <a:bodyPr lIns="0" rIns="0" tIns="0" bIns="0">
+          <a:bodyPr lIns="0" tIns="0" rIns="0" bIns="0">
             <a:noAutofit/>
           </a:bodyPr>
+          <a:lstStyle/>
           <a:p>
             <a:r>
-              <a:rPr b="0" lang="en-US" sz="1400" spc="-1" strike="noStrike">
+              <a:rPr lang="en-US" sz="1400" b="0" strike="noStrike" spc="-1">
                 <a:latin typeface="Times New Roman"/>
               </a:rPr>
               <a:t>&lt;date/time&gt;</a:t>
             </a:r>
-            <a:endParaRPr b="0" lang="en-US" sz="1400" spc="-1" strike="noStrike">
-              <a:latin typeface="Times New Roman"/>
-            </a:endParaRPr>
           </a:p>
         </p:txBody>
       </p:sp>
@@ -3682,20 +4128,18 @@
           </a:prstGeom>
         </p:spPr>
         <p:txBody>
-          <a:bodyPr lIns="0" rIns="0" tIns="0" bIns="0">
+          <a:bodyPr lIns="0" tIns="0" rIns="0" bIns="0">
             <a:noAutofit/>
           </a:bodyPr>
+          <a:lstStyle/>
           <a:p>
             <a:pPr algn="ctr"/>
             <a:r>
-              <a:rPr b="0" lang="en-US" sz="1400" spc="-1" strike="noStrike">
+              <a:rPr lang="en-US" sz="1400" b="0" strike="noStrike" spc="-1">
                 <a:latin typeface="Times New Roman"/>
               </a:rPr>
               <a:t>&lt;footer&gt;</a:t>
             </a:r>
-            <a:endParaRPr b="0" lang="en-US" sz="1400" spc="-1" strike="noStrike">
-              <a:latin typeface="Times New Roman"/>
-            </a:endParaRPr>
           </a:p>
         </p:txBody>
       </p:sp>
@@ -3719,18 +4163,19 @@
           </a:prstGeom>
         </p:spPr>
         <p:txBody>
-          <a:bodyPr lIns="0" rIns="0" tIns="0" bIns="0">
+          <a:bodyPr lIns="0" tIns="0" rIns="0" bIns="0">
             <a:noAutofit/>
           </a:bodyPr>
+          <a:lstStyle/>
           <a:p>
             <a:pPr algn="r"/>
             <a:fld id="{B8EAA5CA-5DD6-47D2-97C9-340F62F7A430}" type="slidenum">
-              <a:rPr b="0" lang="en-US" sz="1400" spc="-1" strike="noStrike">
+              <a:rPr lang="en-US" sz="1400" b="0" strike="noStrike" spc="-1">
                 <a:latin typeface="Times New Roman"/>
               </a:rPr>
-              <a:t>&lt;number&gt;</a:t>
+              <a:t>‹#›</a:t>
             </a:fld>
-            <a:endParaRPr b="0" lang="en-US" sz="1400" spc="-1" strike="noStrike">
+            <a:endParaRPr lang="en-US" sz="1400" b="0" strike="noStrike" spc="-1">
               <a:latin typeface="Times New Roman"/>
             </a:endParaRPr>
           </a:p>
@@ -3738,26 +4183,306 @@
       </p:sp>
     </p:spTree>
   </p:cSld>
-  <p:clrMap bg1="lt1" bg2="lt2" tx1="dk1" tx2="dk2" accent1="accent1" accent2="accent2" accent3="accent3" accent4="accent4" accent5="accent5" accent6="accent6" hlink="hlink" folHlink="folHlink"/>
+  <p:clrMap bg1="lt1" tx1="dk1" bg2="lt2" tx2="dk2" accent1="accent1" accent2="accent2" accent3="accent3" accent4="accent4" accent5="accent5" accent6="accent6" hlink="hlink" folHlink="folHlink"/>
   <p:sldLayoutIdLst>
-    <p:sldLayoutId id="2147483662" r:id="rId3"/>
-    <p:sldLayoutId id="2147483663" r:id="rId4"/>
-    <p:sldLayoutId id="2147483664" r:id="rId5"/>
-    <p:sldLayoutId id="2147483665" r:id="rId6"/>
-    <p:sldLayoutId id="2147483666" r:id="rId7"/>
-    <p:sldLayoutId id="2147483667" r:id="rId8"/>
-    <p:sldLayoutId id="2147483668" r:id="rId9"/>
-    <p:sldLayoutId id="2147483669" r:id="rId10"/>
-    <p:sldLayoutId id="2147483670" r:id="rId11"/>
-    <p:sldLayoutId id="2147483671" r:id="rId12"/>
-    <p:sldLayoutId id="2147483672" r:id="rId13"/>
-    <p:sldLayoutId id="2147483673" r:id="rId14"/>
+    <p:sldLayoutId id="2147483662" r:id="rId1"/>
+    <p:sldLayoutId id="2147483663" r:id="rId2"/>
+    <p:sldLayoutId id="2147483664" r:id="rId3"/>
+    <p:sldLayoutId id="2147483665" r:id="rId4"/>
+    <p:sldLayoutId id="2147483666" r:id="rId5"/>
+    <p:sldLayoutId id="2147483667" r:id="rId6"/>
+    <p:sldLayoutId id="2147483668" r:id="rId7"/>
+    <p:sldLayoutId id="2147483669" r:id="rId8"/>
+    <p:sldLayoutId id="2147483670" r:id="rId9"/>
+    <p:sldLayoutId id="2147483671" r:id="rId10"/>
+    <p:sldLayoutId id="2147483672" r:id="rId11"/>
+    <p:sldLayoutId id="2147483673" r:id="rId12"/>
   </p:sldLayoutIdLst>
+  <p:txStyles>
+    <p:titleStyle>
+      <a:lvl1pPr algn="r" defTabSz="914400" rtl="1" eaLnBrk="1" latinLnBrk="0" hangingPunct="1">
+        <a:lnSpc>
+          <a:spcPct val="90000"/>
+        </a:lnSpc>
+        <a:spcBef>
+          <a:spcPct val="0"/>
+        </a:spcBef>
+        <a:buNone/>
+        <a:defRPr sz="4400" kern="1200">
+          <a:solidFill>
+            <a:schemeClr val="tx1"/>
+          </a:solidFill>
+          <a:latin typeface="+mj-lt"/>
+          <a:ea typeface="+mj-ea"/>
+          <a:cs typeface="+mj-cs"/>
+        </a:defRPr>
+      </a:lvl1pPr>
+    </p:titleStyle>
+    <p:bodyStyle>
+      <a:lvl1pPr marL="228600" indent="-228600" algn="r" defTabSz="914400" rtl="1" eaLnBrk="1" latinLnBrk="0" hangingPunct="1">
+        <a:lnSpc>
+          <a:spcPct val="90000"/>
+        </a:lnSpc>
+        <a:spcBef>
+          <a:spcPts val="1000"/>
+        </a:spcBef>
+        <a:buFont typeface="Arial" panose="020B0604020202020204" pitchFamily="34" charset="0"/>
+        <a:buChar char="•"/>
+        <a:defRPr sz="2800" kern="1200">
+          <a:solidFill>
+            <a:schemeClr val="tx1"/>
+          </a:solidFill>
+          <a:latin typeface="+mn-lt"/>
+          <a:ea typeface="+mn-ea"/>
+          <a:cs typeface="+mn-cs"/>
+        </a:defRPr>
+      </a:lvl1pPr>
+      <a:lvl2pPr marL="685800" indent="-228600" algn="r" defTabSz="914400" rtl="1" eaLnBrk="1" latinLnBrk="0" hangingPunct="1">
+        <a:lnSpc>
+          <a:spcPct val="90000"/>
+        </a:lnSpc>
+        <a:spcBef>
+          <a:spcPts val="500"/>
+        </a:spcBef>
+        <a:buFont typeface="Arial" panose="020B0604020202020204" pitchFamily="34" charset="0"/>
+        <a:buChar char="•"/>
+        <a:defRPr sz="2400" kern="1200">
+          <a:solidFill>
+            <a:schemeClr val="tx1"/>
+          </a:solidFill>
+          <a:latin typeface="+mn-lt"/>
+          <a:ea typeface="+mn-ea"/>
+          <a:cs typeface="+mn-cs"/>
+        </a:defRPr>
+      </a:lvl2pPr>
+      <a:lvl3pPr marL="1143000" indent="-228600" algn="r" defTabSz="914400" rtl="1" eaLnBrk="1" latinLnBrk="0" hangingPunct="1">
+        <a:lnSpc>
+          <a:spcPct val="90000"/>
+        </a:lnSpc>
+        <a:spcBef>
+          <a:spcPts val="500"/>
+        </a:spcBef>
+        <a:buFont typeface="Arial" panose="020B0604020202020204" pitchFamily="34" charset="0"/>
+        <a:buChar char="•"/>
+        <a:defRPr sz="2000" kern="1200">
+          <a:solidFill>
+            <a:schemeClr val="tx1"/>
+          </a:solidFill>
+          <a:latin typeface="+mn-lt"/>
+          <a:ea typeface="+mn-ea"/>
+          <a:cs typeface="+mn-cs"/>
+        </a:defRPr>
+      </a:lvl3pPr>
+      <a:lvl4pPr marL="1600200" indent="-228600" algn="r" defTabSz="914400" rtl="1" eaLnBrk="1" latinLnBrk="0" hangingPunct="1">
+        <a:lnSpc>
+          <a:spcPct val="90000"/>
+        </a:lnSpc>
+        <a:spcBef>
+          <a:spcPts val="500"/>
+        </a:spcBef>
+        <a:buFont typeface="Arial" panose="020B0604020202020204" pitchFamily="34" charset="0"/>
+        <a:buChar char="•"/>
+        <a:defRPr sz="1800" kern="1200">
+          <a:solidFill>
+            <a:schemeClr val="tx1"/>
+          </a:solidFill>
+          <a:latin typeface="+mn-lt"/>
+          <a:ea typeface="+mn-ea"/>
+          <a:cs typeface="+mn-cs"/>
+        </a:defRPr>
+      </a:lvl4pPr>
+      <a:lvl5pPr marL="2057400" indent="-228600" algn="r" defTabSz="914400" rtl="1" eaLnBrk="1" latinLnBrk="0" hangingPunct="1">
+        <a:lnSpc>
+          <a:spcPct val="90000"/>
+        </a:lnSpc>
+        <a:spcBef>
+          <a:spcPts val="500"/>
+        </a:spcBef>
+        <a:buFont typeface="Arial" panose="020B0604020202020204" pitchFamily="34" charset="0"/>
+        <a:buChar char="•"/>
+        <a:defRPr sz="1800" kern="1200">
+          <a:solidFill>
+            <a:schemeClr val="tx1"/>
+          </a:solidFill>
+          <a:latin typeface="+mn-lt"/>
+          <a:ea typeface="+mn-ea"/>
+          <a:cs typeface="+mn-cs"/>
+        </a:defRPr>
+      </a:lvl5pPr>
+      <a:lvl6pPr marL="2514600" indent="-228600" algn="r" defTabSz="914400" rtl="1" eaLnBrk="1" latinLnBrk="0" hangingPunct="1">
+        <a:lnSpc>
+          <a:spcPct val="90000"/>
+        </a:lnSpc>
+        <a:spcBef>
+          <a:spcPts val="500"/>
+        </a:spcBef>
+        <a:buFont typeface="Arial" panose="020B0604020202020204" pitchFamily="34" charset="0"/>
+        <a:buChar char="•"/>
+        <a:defRPr sz="1800" kern="1200">
+          <a:solidFill>
+            <a:schemeClr val="tx1"/>
+          </a:solidFill>
+          <a:latin typeface="+mn-lt"/>
+          <a:ea typeface="+mn-ea"/>
+          <a:cs typeface="+mn-cs"/>
+        </a:defRPr>
+      </a:lvl6pPr>
+      <a:lvl7pPr marL="2971800" indent="-228600" algn="r" defTabSz="914400" rtl="1" eaLnBrk="1" latinLnBrk="0" hangingPunct="1">
+        <a:lnSpc>
+          <a:spcPct val="90000"/>
+        </a:lnSpc>
+        <a:spcBef>
+          <a:spcPts val="500"/>
+        </a:spcBef>
+        <a:buFont typeface="Arial" panose="020B0604020202020204" pitchFamily="34" charset="0"/>
+        <a:buChar char="•"/>
+        <a:defRPr sz="1800" kern="1200">
+          <a:solidFill>
+            <a:schemeClr val="tx1"/>
+          </a:solidFill>
+          <a:latin typeface="+mn-lt"/>
+          <a:ea typeface="+mn-ea"/>
+          <a:cs typeface="+mn-cs"/>
+        </a:defRPr>
+      </a:lvl7pPr>
+      <a:lvl8pPr marL="3429000" indent="-228600" algn="r" defTabSz="914400" rtl="1" eaLnBrk="1" latinLnBrk="0" hangingPunct="1">
+        <a:lnSpc>
+          <a:spcPct val="90000"/>
+        </a:lnSpc>
+        <a:spcBef>
+          <a:spcPts val="500"/>
+        </a:spcBef>
+        <a:buFont typeface="Arial" panose="020B0604020202020204" pitchFamily="34" charset="0"/>
+        <a:buChar char="•"/>
+        <a:defRPr sz="1800" kern="1200">
+          <a:solidFill>
+            <a:schemeClr val="tx1"/>
+          </a:solidFill>
+          <a:latin typeface="+mn-lt"/>
+          <a:ea typeface="+mn-ea"/>
+          <a:cs typeface="+mn-cs"/>
+        </a:defRPr>
+      </a:lvl8pPr>
+      <a:lvl9pPr marL="3886200" indent="-228600" algn="r" defTabSz="914400" rtl="1" eaLnBrk="1" latinLnBrk="0" hangingPunct="1">
+        <a:lnSpc>
+          <a:spcPct val="90000"/>
+        </a:lnSpc>
+        <a:spcBef>
+          <a:spcPts val="500"/>
+        </a:spcBef>
+        <a:buFont typeface="Arial" panose="020B0604020202020204" pitchFamily="34" charset="0"/>
+        <a:buChar char="•"/>
+        <a:defRPr sz="1800" kern="1200">
+          <a:solidFill>
+            <a:schemeClr val="tx1"/>
+          </a:solidFill>
+          <a:latin typeface="+mn-lt"/>
+          <a:ea typeface="+mn-ea"/>
+          <a:cs typeface="+mn-cs"/>
+        </a:defRPr>
+      </a:lvl9pPr>
+    </p:bodyStyle>
+    <p:otherStyle>
+      <a:defPPr>
+        <a:defRPr lang="he-IL"/>
+      </a:defPPr>
+      <a:lvl1pPr marL="0" algn="r" defTabSz="914400" rtl="1" eaLnBrk="1" latinLnBrk="0" hangingPunct="1">
+        <a:defRPr sz="1800" kern="1200">
+          <a:solidFill>
+            <a:schemeClr val="tx1"/>
+          </a:solidFill>
+          <a:latin typeface="+mn-lt"/>
+          <a:ea typeface="+mn-ea"/>
+          <a:cs typeface="+mn-cs"/>
+        </a:defRPr>
+      </a:lvl1pPr>
+      <a:lvl2pPr marL="457200" algn="r" defTabSz="914400" rtl="1" eaLnBrk="1" latinLnBrk="0" hangingPunct="1">
+        <a:defRPr sz="1800" kern="1200">
+          <a:solidFill>
+            <a:schemeClr val="tx1"/>
+          </a:solidFill>
+          <a:latin typeface="+mn-lt"/>
+          <a:ea typeface="+mn-ea"/>
+          <a:cs typeface="+mn-cs"/>
+        </a:defRPr>
+      </a:lvl2pPr>
+      <a:lvl3pPr marL="914400" algn="r" defTabSz="914400" rtl="1" eaLnBrk="1" latinLnBrk="0" hangingPunct="1">
+        <a:defRPr sz="1800" kern="1200">
+          <a:solidFill>
+            <a:schemeClr val="tx1"/>
+          </a:solidFill>
+          <a:latin typeface="+mn-lt"/>
+          <a:ea typeface="+mn-ea"/>
+          <a:cs typeface="+mn-cs"/>
+        </a:defRPr>
+      </a:lvl3pPr>
+      <a:lvl4pPr marL="1371600" algn="r" defTabSz="914400" rtl="1" eaLnBrk="1" latinLnBrk="0" hangingPunct="1">
+        <a:defRPr sz="1800" kern="1200">
+          <a:solidFill>
+            <a:schemeClr val="tx1"/>
+          </a:solidFill>
+          <a:latin typeface="+mn-lt"/>
+          <a:ea typeface="+mn-ea"/>
+          <a:cs typeface="+mn-cs"/>
+        </a:defRPr>
+      </a:lvl4pPr>
+      <a:lvl5pPr marL="1828800" algn="r" defTabSz="914400" rtl="1" eaLnBrk="1" latinLnBrk="0" hangingPunct="1">
+        <a:defRPr sz="1800" kern="1200">
+          <a:solidFill>
+            <a:schemeClr val="tx1"/>
+          </a:solidFill>
+          <a:latin typeface="+mn-lt"/>
+          <a:ea typeface="+mn-ea"/>
+          <a:cs typeface="+mn-cs"/>
+        </a:defRPr>
+      </a:lvl5pPr>
+      <a:lvl6pPr marL="2286000" algn="r" defTabSz="914400" rtl="1" eaLnBrk="1" latinLnBrk="0" hangingPunct="1">
+        <a:defRPr sz="1800" kern="1200">
+          <a:solidFill>
+            <a:schemeClr val="tx1"/>
+          </a:solidFill>
+          <a:latin typeface="+mn-lt"/>
+          <a:ea typeface="+mn-ea"/>
+          <a:cs typeface="+mn-cs"/>
+        </a:defRPr>
+      </a:lvl6pPr>
+      <a:lvl7pPr marL="2743200" algn="r" defTabSz="914400" rtl="1" eaLnBrk="1" latinLnBrk="0" hangingPunct="1">
+        <a:defRPr sz="1800" kern="1200">
+          <a:solidFill>
+            <a:schemeClr val="tx1"/>
+          </a:solidFill>
+          <a:latin typeface="+mn-lt"/>
+          <a:ea typeface="+mn-ea"/>
+          <a:cs typeface="+mn-cs"/>
+        </a:defRPr>
+      </a:lvl7pPr>
+      <a:lvl8pPr marL="3200400" algn="r" defTabSz="914400" rtl="1" eaLnBrk="1" latinLnBrk="0" hangingPunct="1">
+        <a:defRPr sz="1800" kern="1200">
+          <a:solidFill>
+            <a:schemeClr val="tx1"/>
+          </a:solidFill>
+          <a:latin typeface="+mn-lt"/>
+          <a:ea typeface="+mn-ea"/>
+          <a:cs typeface="+mn-cs"/>
+        </a:defRPr>
+      </a:lvl8pPr>
+      <a:lvl9pPr marL="3657600" algn="r" defTabSz="914400" rtl="1" eaLnBrk="1" latinLnBrk="0" hangingPunct="1">
+        <a:defRPr sz="1800" kern="1200">
+          <a:solidFill>
+            <a:schemeClr val="tx1"/>
+          </a:solidFill>
+          <a:latin typeface="+mn-lt"/>
+          <a:ea typeface="+mn-ea"/>
+          <a:cs typeface="+mn-cs"/>
+        </a:defRPr>
+      </a:lvl9pPr>
+    </p:otherStyle>
+  </p:txStyles>
 </p:sldMaster>
 </file>
 
 <file path=ppt/slides/slide1.xml><?xml version="1.0" encoding="utf-8"?>
-<p:sld xmlns:a="http://schemas.openxmlformats.org/drawingml/2006/main" xmlns:p="http://schemas.openxmlformats.org/presentationml/2006/main" xmlns:r="http://schemas.openxmlformats.org/officeDocument/2006/relationships" xmlns:p14="http://schemas.microsoft.com/office/powerpoint/2010/main" xmlns:p15="http://schemas.microsoft.com/office/powerpoint/2012/main" xmlns:mc="http://schemas.openxmlformats.org/markup-compatibility/2006">
+<p:sld xmlns:a="http://schemas.openxmlformats.org/drawingml/2006/main" xmlns:r="http://schemas.openxmlformats.org/officeDocument/2006/relationships" xmlns:p="http://schemas.openxmlformats.org/presentationml/2006/main">
   <p:cSld>
     <p:spTree>
       <p:nvGrpSpPr>
@@ -3793,44 +4518,34 @@
           </a:ln>
         </p:spPr>
         <p:txBody>
-          <a:bodyPr lIns="0" rIns="0" tIns="0" bIns="0" anchor="ctr">
+          <a:bodyPr lIns="0" tIns="0" rIns="0" bIns="0" anchor="ctr">
             <a:spAutoFit/>
           </a:bodyPr>
+          <a:lstStyle/>
           <a:p>
             <a:pPr algn="ctr"/>
             <a:r>
-              <a:rPr b="0" lang="en-US" sz="5860" spc="-1" strike="noStrike">
+              <a:rPr lang="en-US" sz="5860" b="0" strike="noStrike" spc="-1">
                 <a:solidFill>
-                  <a:srgbClr val="ffffff"/>
+                  <a:srgbClr val="FFFFFF"/>
                 </a:solidFill>
                 <a:latin typeface="Arial"/>
               </a:rPr>
               <a:t>Angular</a:t>
             </a:r>
-            <a:endParaRPr b="0" lang="en-US" sz="5860" spc="-1" strike="noStrike">
-              <a:solidFill>
-                <a:srgbClr val="ffffff"/>
-              </a:solidFill>
-              <a:latin typeface="Arial"/>
-            </a:endParaRPr>
           </a:p>
         </p:txBody>
       </p:sp>
     </p:spTree>
   </p:cSld>
-  <mc:AlternateContent>
-    <mc:Choice Requires="p14">
-      <p:transition spd="slow" p14:dur="2000"/>
-    </mc:Choice>
-    <mc:Fallback>
-      <p:transition spd="slow"/>
-    </mc:Fallback>
-  </mc:AlternateContent>
+  <p:clrMapOvr>
+    <a:masterClrMapping/>
+  </p:clrMapOvr>
 </p:sld>
 </file>
 
 <file path=ppt/slides/slide2.xml><?xml version="1.0" encoding="utf-8"?>
-<p:sld xmlns:a="http://schemas.openxmlformats.org/drawingml/2006/main" xmlns:p="http://schemas.openxmlformats.org/presentationml/2006/main" xmlns:r="http://schemas.openxmlformats.org/officeDocument/2006/relationships" xmlns:p14="http://schemas.microsoft.com/office/powerpoint/2010/main" xmlns:p15="http://schemas.microsoft.com/office/powerpoint/2012/main" xmlns:mc="http://schemas.openxmlformats.org/markup-compatibility/2006">
+<p:sld xmlns:a="http://schemas.openxmlformats.org/drawingml/2006/main" xmlns:r="http://schemas.openxmlformats.org/officeDocument/2006/relationships" xmlns:p="http://schemas.openxmlformats.org/presentationml/2006/main">
   <p:cSld>
     <p:spTree>
       <p:nvGrpSpPr>
@@ -3866,20 +4581,18 @@
           </a:ln>
         </p:spPr>
         <p:txBody>
-          <a:bodyPr lIns="0" rIns="0" tIns="0" bIns="0" anchor="ctr">
+          <a:bodyPr lIns="0" tIns="0" rIns="0" bIns="0" anchor="ctr">
             <a:spAutoFit/>
           </a:bodyPr>
+          <a:lstStyle/>
           <a:p>
             <a:pPr algn="ctr"/>
             <a:r>
-              <a:rPr b="0" lang="en-US" sz="4400" spc="-1" strike="noStrike">
+              <a:rPr lang="en-US" sz="4400" b="0" strike="noStrike" spc="-1">
                 <a:latin typeface="Arial"/>
               </a:rPr>
               <a:t>Install </a:t>
             </a:r>
-            <a:endParaRPr b="0" lang="en-US" sz="4400" spc="-1" strike="noStrike">
-              <a:latin typeface="Arial"/>
-            </a:endParaRPr>
           </a:p>
         </p:txBody>
       </p:sp>
@@ -3903,11 +4616,12 @@
           </a:ln>
         </p:spPr>
         <p:txBody>
-          <a:bodyPr lIns="0" rIns="0" tIns="0" bIns="0">
+          <a:bodyPr lIns="0" tIns="0" rIns="0" bIns="0">
             <a:normAutofit/>
           </a:bodyPr>
-          <a:p>
-            <a:pPr marL="432000" indent="-324000">
+          <a:lstStyle/>
+          <a:p>
+            <a:pPr marL="432000" indent="-324000" algn="l" rtl="0">
               <a:spcBef>
                 <a:spcPts val="1417"/>
               </a:spcBef>
@@ -3919,34 +4633,49 @@
               <a:buChar char=""/>
             </a:pPr>
             <a:r>
-              <a:rPr b="0" lang="en-US" sz="3200" spc="-1" strike="noStrike">
+              <a:rPr lang="en-US" sz="3200" b="0" strike="noStrike" spc="-1" dirty="0" err="1">
                 <a:latin typeface="Arial"/>
               </a:rPr>
-              <a:t>npm i -g @angular/cli</a:t>
+              <a:t>npm</a:t>
             </a:r>
-            <a:endParaRPr b="0" lang="en-US" sz="3200" spc="-1" strike="noStrike">
-              <a:latin typeface="Arial"/>
-            </a:endParaRPr>
-          </a:p>
-          <a:p>
-            <a:endParaRPr b="0" lang="en-US" sz="3200" spc="-1" strike="noStrike">
-              <a:latin typeface="Arial"/>
-            </a:endParaRPr>
-          </a:p>
-          <a:p>
             <a:r>
-              <a:rPr b="0" lang="en-US" sz="3200" spc="-1" strike="noStrike">
+              <a:rPr lang="en-US" sz="3200" b="0" strike="noStrike" spc="-1" dirty="0">
+                <a:latin typeface="Arial"/>
+              </a:rPr>
+              <a:t> </a:t>
+            </a:r>
+            <a:r>
+              <a:rPr lang="en-US" sz="3200" b="0" strike="noStrike" spc="-1" dirty="0" err="1">
+                <a:latin typeface="Arial"/>
+              </a:rPr>
+              <a:t>i</a:t>
+            </a:r>
+            <a:r>
+              <a:rPr lang="en-US" sz="3200" b="0" strike="noStrike" spc="-1" dirty="0">
+                <a:latin typeface="Arial"/>
+              </a:rPr>
+              <a:t> -g @angular/cli</a:t>
+            </a:r>
+          </a:p>
+          <a:p>
+            <a:pPr algn="l" rtl="0"/>
+            <a:endParaRPr lang="en-US" sz="3200" b="0" strike="noStrike" spc="-1" dirty="0">
+              <a:latin typeface="Arial"/>
+            </a:endParaRPr>
+          </a:p>
+          <a:p>
+            <a:pPr algn="l" rtl="0"/>
+            <a:r>
+              <a:rPr lang="en-US" sz="3200" b="0" strike="noStrike" spc="-1" dirty="0">
                 <a:latin typeface="Arial"/>
               </a:rPr>
               <a:t>Install instance:</a:t>
             </a:r>
-            <a:endParaRPr b="0" lang="en-US" sz="3200" spc="-1" strike="noStrike">
-              <a:latin typeface="Arial"/>
-            </a:endParaRPr>
-          </a:p>
-          <a:p>
+          </a:p>
+          <a:p>
+            <a:pPr algn="l" rtl="0"/>
             <a:r>
-              <a:rPr b="0" lang="en-US" sz="3200" spc="-1" strike="noStrike">
+              <a:rPr lang="en-US" sz="3200" b="0" strike="noStrike" spc="-1" dirty="0">
                 <a:solidFill>
                   <a:srgbClr val="666666"/>
                 </a:solidFill>
@@ -3954,13 +4683,14 @@
               </a:rPr>
               <a:t>ng new &lt;name of folder&gt;</a:t>
             </a:r>
-            <a:endParaRPr b="0" lang="en-US" sz="3200" spc="-1" strike="noStrike">
-              <a:latin typeface="Arial"/>
-            </a:endParaRPr>
-          </a:p>
-          <a:p>
+            <a:endParaRPr lang="en-US" sz="3200" b="0" strike="noStrike" spc="-1" dirty="0">
+              <a:latin typeface="Arial"/>
+            </a:endParaRPr>
+          </a:p>
+          <a:p>
+            <a:pPr algn="l" rtl="0"/>
             <a:r>
-              <a:rPr b="0" lang="en-US" sz="3200" spc="-1" strike="noStrike">
+              <a:rPr lang="en-US" sz="3200" b="0" strike="noStrike" spc="-1" dirty="0">
                 <a:solidFill>
                   <a:srgbClr val="000000"/>
                 </a:solidFill>
@@ -3968,36 +4698,29 @@
               </a:rPr>
               <a:t>Run:</a:t>
             </a:r>
-            <a:endParaRPr b="0" lang="en-US" sz="3200" spc="-1" strike="noStrike">
-              <a:latin typeface="Arial"/>
-            </a:endParaRPr>
-          </a:p>
-          <a:p>
+            <a:endParaRPr lang="en-US" sz="3200" b="0" strike="noStrike" spc="-1" dirty="0">
+              <a:latin typeface="Arial"/>
+            </a:endParaRPr>
+          </a:p>
+          <a:p>
+            <a:pPr algn="l" rtl="0"/>
             <a:r>
-              <a:rPr b="0" lang="en-US" sz="3200" spc="-1" strike="noStrike">
+              <a:rPr lang="en-US" sz="3200" b="0" strike="noStrike" spc="-1" dirty="0">
                 <a:solidFill>
                   <a:srgbClr val="666666"/>
                 </a:solidFill>
                 <a:latin typeface="Arial"/>
               </a:rPr>
-              <a:t>cd </a:t>
+              <a:t>cd &lt;name of folder&gt;</a:t>
             </a:r>
+            <a:endParaRPr lang="en-US" sz="3200" b="0" strike="noStrike" spc="-1" dirty="0">
+              <a:latin typeface="Arial"/>
+            </a:endParaRPr>
+          </a:p>
+          <a:p>
+            <a:pPr algn="l" rtl="0"/>
             <a:r>
-              <a:rPr b="0" lang="en-US" sz="3200" spc="-1" strike="noStrike">
-                <a:solidFill>
-                  <a:srgbClr val="666666"/>
-                </a:solidFill>
-                <a:latin typeface="Arial"/>
-              </a:rPr>
-              <a:t>&lt;name of folder&gt;</a:t>
-            </a:r>
-            <a:endParaRPr b="0" lang="en-US" sz="3200" spc="-1" strike="noStrike">
-              <a:latin typeface="Arial"/>
-            </a:endParaRPr>
-          </a:p>
-          <a:p>
-            <a:r>
-              <a:rPr b="0" lang="en-US" sz="3200" spc="-1" strike="noStrike">
+              <a:rPr lang="en-US" sz="3200" b="0" strike="noStrike" spc="-1" dirty="0">
                 <a:solidFill>
                   <a:srgbClr val="666666"/>
                 </a:solidFill>
@@ -4005,12 +4728,12 @@
               </a:rPr>
               <a:t>ng serve -o</a:t>
             </a:r>
-            <a:endParaRPr b="0" lang="en-US" sz="3200" spc="-1" strike="noStrike">
-              <a:latin typeface="Arial"/>
-            </a:endParaRPr>
-          </a:p>
-          <a:p>
-            <a:endParaRPr b="0" lang="en-US" sz="3200" spc="-1" strike="noStrike">
+            <a:endParaRPr lang="en-US" sz="3200" b="0" strike="noStrike" spc="-1" dirty="0">
+              <a:latin typeface="Arial"/>
+            </a:endParaRPr>
+          </a:p>
+          <a:p>
+            <a:endParaRPr lang="en-US" sz="3200" b="0" strike="noStrike" spc="-1" dirty="0">
               <a:latin typeface="Arial"/>
             </a:endParaRPr>
           </a:p>
@@ -4018,19 +4741,14 @@
       </p:sp>
     </p:spTree>
   </p:cSld>
-  <mc:AlternateContent>
-    <mc:Choice Requires="p14">
-      <p:transition spd="slow" p14:dur="2000"/>
-    </mc:Choice>
-    <mc:Fallback>
-      <p:transition spd="slow"/>
-    </mc:Fallback>
-  </mc:AlternateContent>
+  <p:clrMapOvr>
+    <a:masterClrMapping/>
+  </p:clrMapOvr>
 </p:sld>
 </file>
 
 <file path=ppt/slides/slide3.xml><?xml version="1.0" encoding="utf-8"?>
-<p:sld xmlns:a="http://schemas.openxmlformats.org/drawingml/2006/main" xmlns:p="http://schemas.openxmlformats.org/presentationml/2006/main" xmlns:r="http://schemas.openxmlformats.org/officeDocument/2006/relationships" xmlns:p14="http://schemas.microsoft.com/office/powerpoint/2010/main" xmlns:p15="http://schemas.microsoft.com/office/powerpoint/2012/main" xmlns:mc="http://schemas.openxmlformats.org/markup-compatibility/2006">
+<p:sld xmlns:a="http://schemas.openxmlformats.org/drawingml/2006/main" xmlns:r="http://schemas.openxmlformats.org/officeDocument/2006/relationships" xmlns:p="http://schemas.openxmlformats.org/presentationml/2006/main">
   <p:cSld>
     <p:spTree>
       <p:nvGrpSpPr>
@@ -4066,20 +4784,18 @@
           </a:ln>
         </p:spPr>
         <p:txBody>
-          <a:bodyPr lIns="0" rIns="0" tIns="0" bIns="0" anchor="ctr">
+          <a:bodyPr lIns="0" tIns="0" rIns="0" bIns="0" anchor="ctr">
             <a:spAutoFit/>
           </a:bodyPr>
+          <a:lstStyle/>
           <a:p>
             <a:pPr algn="ctr"/>
             <a:r>
-              <a:rPr b="0" lang="en-US" sz="4400" spc="-1" strike="noStrike">
+              <a:rPr lang="en-US" sz="4400" b="0" strike="noStrike" spc="-1">
                 <a:latin typeface="Arial"/>
               </a:rPr>
               <a:t>Components</a:t>
             </a:r>
-            <a:endParaRPr b="0" lang="en-US" sz="4400" spc="-1" strike="noStrike">
-              <a:latin typeface="Arial"/>
-            </a:endParaRPr>
           </a:p>
         </p:txBody>
       </p:sp>
@@ -4103,11 +4819,12 @@
           </a:ln>
         </p:spPr>
         <p:txBody>
-          <a:bodyPr lIns="0" rIns="0" tIns="0" bIns="0">
+          <a:bodyPr lIns="0" tIns="0" rIns="0" bIns="0">
             <a:normAutofit/>
           </a:bodyPr>
-          <a:p>
-            <a:pPr marL="432000" indent="-324000">
+          <a:lstStyle/>
+          <a:p>
+            <a:pPr marL="432000" indent="-324000" algn="l" rtl="0">
               <a:spcBef>
                 <a:spcPts val="1417"/>
               </a:spcBef>
@@ -4119,17 +4836,14 @@
               <a:buChar char=""/>
             </a:pPr>
             <a:r>
-              <a:rPr b="0" lang="en-US" sz="3200" spc="-1" strike="noStrike">
+              <a:rPr lang="en-US" sz="3200" b="0" strike="noStrike" spc="-1" dirty="0">
                 <a:latin typeface="Arial"/>
               </a:rPr>
               <a:t>Every component is built out of three files:</a:t>
             </a:r>
-            <a:endParaRPr b="0" lang="en-US" sz="3200" spc="-1" strike="noStrike">
-              <a:latin typeface="Arial"/>
-            </a:endParaRPr>
-          </a:p>
-          <a:p>
-            <a:pPr marL="432000" indent="-324000">
+          </a:p>
+          <a:p>
+            <a:pPr marL="432000" indent="-324000" algn="l" rtl="0">
               <a:spcBef>
                 <a:spcPts val="1417"/>
               </a:spcBef>
@@ -4141,17 +4855,26 @@
               <a:buChar char=""/>
             </a:pPr>
             <a:r>
-              <a:rPr b="0" lang="en-US" sz="3200" spc="-1" strike="noStrike">
+              <a:rPr lang="en-US" sz="3200" b="0" strike="noStrike" spc="-1" dirty="0">
                 <a:latin typeface="Arial"/>
               </a:rPr>
-              <a:t>Logic (ts)</a:t>
+              <a:t>Logic (</a:t>
             </a:r>
-            <a:endParaRPr b="0" lang="en-US" sz="3200" spc="-1" strike="noStrike">
-              <a:latin typeface="Arial"/>
-            </a:endParaRPr>
-          </a:p>
-          <a:p>
-            <a:pPr marL="432000" indent="-324000">
+            <a:r>
+              <a:rPr lang="en-US" sz="3200" b="0" strike="noStrike" spc="-1" dirty="0" err="1">
+                <a:latin typeface="Arial"/>
+              </a:rPr>
+              <a:t>ts</a:t>
+            </a:r>
+            <a:r>
+              <a:rPr lang="en-US" sz="3200" b="0" strike="noStrike" spc="-1" dirty="0">
+                <a:latin typeface="Arial"/>
+              </a:rPr>
+              <a:t>)</a:t>
+            </a:r>
+          </a:p>
+          <a:p>
+            <a:pPr marL="432000" indent="-324000" algn="l" rtl="0">
               <a:spcBef>
                 <a:spcPts val="1417"/>
               </a:spcBef>
@@ -4163,17 +4886,14 @@
               <a:buChar char=""/>
             </a:pPr>
             <a:r>
-              <a:rPr b="0" lang="en-US" sz="3200" spc="-1" strike="noStrike">
+              <a:rPr lang="en-US" sz="3200" b="0" strike="noStrike" spc="-1" dirty="0">
                 <a:latin typeface="Arial"/>
               </a:rPr>
               <a:t>template(HTML)</a:t>
             </a:r>
-            <a:endParaRPr b="0" lang="en-US" sz="3200" spc="-1" strike="noStrike">
-              <a:latin typeface="Arial"/>
-            </a:endParaRPr>
-          </a:p>
-          <a:p>
-            <a:pPr marL="432000" indent="-324000">
+          </a:p>
+          <a:p>
+            <a:pPr marL="432000" indent="-324000" algn="l" rtl="0">
               <a:spcBef>
                 <a:spcPts val="1417"/>
               </a:spcBef>
@@ -4185,32 +4905,54 @@
               <a:buChar char=""/>
             </a:pPr>
             <a:r>
-              <a:rPr b="0" lang="en-US" sz="3200" spc="-1" strike="noStrike">
+              <a:rPr lang="en-US" sz="3200" b="0" strike="noStrike" spc="-1" dirty="0">
                 <a:latin typeface="Arial"/>
               </a:rPr>
               <a:t>Style</a:t>
             </a:r>
-            <a:endParaRPr b="0" lang="en-US" sz="3200" spc="-1" strike="noStrike">
-              <a:latin typeface="Arial"/>
-            </a:endParaRPr>
-          </a:p>
-        </p:txBody>
-      </p:sp>
+          </a:p>
+        </p:txBody>
+      </p:sp>
+      <p:pic>
+        <p:nvPicPr>
+          <p:cNvPr id="3" name="תמונה 2">
+            <a:extLst>
+              <a:ext uri="{FF2B5EF4-FFF2-40B4-BE49-F238E27FC236}">
+                <a16:creationId xmlns:a16="http://schemas.microsoft.com/office/drawing/2014/main" id="{90AA2F5C-6427-4DBD-83DE-45AEAF1A36F8}"/>
+              </a:ext>
+            </a:extLst>
+          </p:cNvPr>
+          <p:cNvPicPr>
+            <a:picLocks noChangeAspect="1"/>
+          </p:cNvPicPr>
+          <p:nvPr/>
+        </p:nvPicPr>
+        <p:blipFill>
+          <a:blip r:embed="rId2"/>
+          <a:stretch>
+            <a:fillRect/>
+          </a:stretch>
+        </p:blipFill>
+        <p:spPr>
+          <a:xfrm>
+            <a:off x="3659071" y="3628460"/>
+            <a:ext cx="5916569" cy="3629895"/>
+          </a:xfrm>
+          <a:prstGeom prst="rect">
+            <a:avLst/>
+          </a:prstGeom>
+        </p:spPr>
+      </p:pic>
     </p:spTree>
   </p:cSld>
-  <mc:AlternateContent>
-    <mc:Choice Requires="p14">
-      <p:transition spd="slow" p14:dur="2000"/>
-    </mc:Choice>
-    <mc:Fallback>
-      <p:transition spd="slow"/>
-    </mc:Fallback>
-  </mc:AlternateContent>
+  <p:clrMapOvr>
+    <a:masterClrMapping/>
+  </p:clrMapOvr>
 </p:sld>
 </file>
 
 <file path=ppt/slides/slide4.xml><?xml version="1.0" encoding="utf-8"?>
-<p:sld xmlns:a="http://schemas.openxmlformats.org/drawingml/2006/main" xmlns:p="http://schemas.openxmlformats.org/presentationml/2006/main" xmlns:r="http://schemas.openxmlformats.org/officeDocument/2006/relationships" xmlns:p14="http://schemas.microsoft.com/office/powerpoint/2010/main" xmlns:p15="http://schemas.microsoft.com/office/powerpoint/2012/main" xmlns:mc="http://schemas.openxmlformats.org/markup-compatibility/2006">
+<p:sld xmlns:a="http://schemas.openxmlformats.org/drawingml/2006/main" xmlns:r="http://schemas.openxmlformats.org/officeDocument/2006/relationships" xmlns:p="http://schemas.openxmlformats.org/presentationml/2006/main">
   <p:cSld>
     <p:spTree>
       <p:nvGrpSpPr>
@@ -4228,14 +4970,14 @@
       </p:grpSpPr>
       <p:sp>
         <p:nvSpPr>
-          <p:cNvPr id="87" name="TextShape 1"/>
+          <p:cNvPr id="85" name="TextShape 1"/>
           <p:cNvSpPr txBox="1"/>
           <p:nvPr/>
         </p:nvSpPr>
         <p:spPr>
           <a:xfrm>
-            <a:off x="2376000" y="3168000"/>
-            <a:ext cx="7199640" cy="1262160"/>
+            <a:off x="504000" y="593846"/>
+            <a:ext cx="9071640" cy="677108"/>
           </a:xfrm>
           <a:prstGeom prst="rect">
             <a:avLst/>
@@ -4246,15 +4988,1276 @@
           </a:ln>
         </p:spPr>
         <p:txBody>
-          <a:bodyPr lIns="0" rIns="0" tIns="0" bIns="0" anchor="ctr">
+          <a:bodyPr lIns="0" tIns="0" rIns="0" bIns="0" anchor="ctr">
             <a:spAutoFit/>
           </a:bodyPr>
+          <a:lstStyle/>
           <a:p>
             <a:pPr algn="ctr"/>
             <a:r>
-              <a:rPr b="0" lang="en-US" sz="2200" spc="-1" strike="noStrike">
+              <a:rPr lang="en-US" sz="4400" b="0" strike="noStrike" spc="-1" dirty="0">
+                <a:latin typeface="Arial"/>
+              </a:rPr>
+              <a:t>Create component</a:t>
+            </a:r>
+          </a:p>
+        </p:txBody>
+      </p:sp>
+      <p:sp>
+        <p:nvSpPr>
+          <p:cNvPr id="86" name="TextShape 2"/>
+          <p:cNvSpPr txBox="1"/>
+          <p:nvPr/>
+        </p:nvSpPr>
+        <p:spPr>
+          <a:xfrm>
+            <a:off x="504000" y="1769040"/>
+            <a:ext cx="9071640" cy="4384440"/>
+          </a:xfrm>
+          <a:prstGeom prst="rect">
+            <a:avLst/>
+          </a:prstGeom>
+          <a:noFill/>
+          <a:ln>
+            <a:noFill/>
+          </a:ln>
+        </p:spPr>
+        <p:txBody>
+          <a:bodyPr lIns="0" tIns="0" rIns="0" bIns="0">
+            <a:normAutofit/>
+          </a:bodyPr>
+          <a:lstStyle/>
+          <a:p>
+            <a:pPr marL="108000" algn="l" rtl="0">
+              <a:spcBef>
+                <a:spcPts val="1417"/>
+              </a:spcBef>
+              <a:buClr>
+                <a:srgbClr val="000000"/>
+              </a:buClr>
+              <a:buSzPct val="45000"/>
+            </a:pPr>
+            <a:r>
+              <a:rPr lang="en-US" sz="3200" b="0" strike="noStrike" spc="-1" dirty="0">
+                <a:latin typeface="Arial"/>
+              </a:rPr>
+              <a:t>ng generate component &lt;component name&gt;</a:t>
+            </a:r>
+          </a:p>
+        </p:txBody>
+      </p:sp>
+      <p:pic>
+        <p:nvPicPr>
+          <p:cNvPr id="2" name="תמונה 1">
+            <a:extLst>
+              <a:ext uri="{FF2B5EF4-FFF2-40B4-BE49-F238E27FC236}">
+                <a16:creationId xmlns:a16="http://schemas.microsoft.com/office/drawing/2014/main" id="{FB9634B6-2401-4AC2-A9EF-748B61B75EEC}"/>
+              </a:ext>
+            </a:extLst>
+          </p:cNvPr>
+          <p:cNvPicPr>
+            <a:picLocks noChangeAspect="1"/>
+          </p:cNvPicPr>
+          <p:nvPr/>
+        </p:nvPicPr>
+        <p:blipFill>
+          <a:blip r:embed="rId2"/>
+          <a:stretch>
+            <a:fillRect/>
+          </a:stretch>
+        </p:blipFill>
+        <p:spPr>
+          <a:xfrm>
+            <a:off x="206621" y="2337662"/>
+            <a:ext cx="9728387" cy="5044349"/>
+          </a:xfrm>
+          <a:prstGeom prst="rect">
+            <a:avLst/>
+          </a:prstGeom>
+        </p:spPr>
+      </p:pic>
+      <p:sp>
+        <p:nvSpPr>
+          <p:cNvPr id="4" name="אליפסה 3">
+            <a:extLst>
+              <a:ext uri="{FF2B5EF4-FFF2-40B4-BE49-F238E27FC236}">
+                <a16:creationId xmlns:a16="http://schemas.microsoft.com/office/drawing/2014/main" id="{4E484AE6-1A1F-409B-AC1D-A608F7464E04}"/>
+              </a:ext>
+            </a:extLst>
+          </p:cNvPr>
+          <p:cNvSpPr/>
+          <p:nvPr/>
+        </p:nvSpPr>
+        <p:spPr>
+          <a:xfrm>
+            <a:off x="8539566" y="2402237"/>
+            <a:ext cx="1541059" cy="371960"/>
+          </a:xfrm>
+          <a:prstGeom prst="ellipse">
+            <a:avLst/>
+          </a:prstGeom>
+          <a:noFill/>
+          <a:ln w="28575">
+            <a:solidFill>
+              <a:srgbClr val="C00000"/>
+            </a:solidFill>
+          </a:ln>
+        </p:spPr>
+        <p:style>
+          <a:lnRef idx="2">
+            <a:schemeClr val="accent1">
+              <a:shade val="50000"/>
+            </a:schemeClr>
+          </a:lnRef>
+          <a:fillRef idx="1">
+            <a:schemeClr val="accent1"/>
+          </a:fillRef>
+          <a:effectRef idx="0">
+            <a:schemeClr val="accent1"/>
+          </a:effectRef>
+          <a:fontRef idx="minor">
+            <a:schemeClr val="lt1"/>
+          </a:fontRef>
+        </p:style>
+        <p:txBody>
+          <a:bodyPr rtlCol="1" anchor="ctr"/>
+          <a:lstStyle/>
+          <a:p>
+            <a:pPr algn="ctr"/>
+            <a:endParaRPr lang="he-IL"/>
+          </a:p>
+        </p:txBody>
+      </p:sp>
+      <p:sp>
+        <p:nvSpPr>
+          <p:cNvPr id="7" name="אליפסה 6">
+            <a:extLst>
+              <a:ext uri="{FF2B5EF4-FFF2-40B4-BE49-F238E27FC236}">
+                <a16:creationId xmlns:a16="http://schemas.microsoft.com/office/drawing/2014/main" id="{9D6451FE-3479-408E-BAC1-8A9266C1F7A0}"/>
+              </a:ext>
+            </a:extLst>
+          </p:cNvPr>
+          <p:cNvSpPr/>
+          <p:nvPr/>
+        </p:nvSpPr>
+        <p:spPr>
+          <a:xfrm>
+            <a:off x="4269290" y="4738433"/>
+            <a:ext cx="1541059" cy="371960"/>
+          </a:xfrm>
+          <a:prstGeom prst="ellipse">
+            <a:avLst/>
+          </a:prstGeom>
+          <a:noFill/>
+          <a:ln w="28575">
+            <a:solidFill>
+              <a:srgbClr val="C00000"/>
+            </a:solidFill>
+          </a:ln>
+        </p:spPr>
+        <p:style>
+          <a:lnRef idx="2">
+            <a:schemeClr val="accent1">
+              <a:shade val="50000"/>
+            </a:schemeClr>
+          </a:lnRef>
+          <a:fillRef idx="1">
+            <a:schemeClr val="accent1"/>
+          </a:fillRef>
+          <a:effectRef idx="0">
+            <a:schemeClr val="accent1"/>
+          </a:effectRef>
+          <a:fontRef idx="minor">
+            <a:schemeClr val="lt1"/>
+          </a:fontRef>
+        </p:style>
+        <p:txBody>
+          <a:bodyPr rtlCol="1" anchor="ctr"/>
+          <a:lstStyle/>
+          <a:p>
+            <a:pPr algn="ctr"/>
+            <a:endParaRPr lang="he-IL"/>
+          </a:p>
+        </p:txBody>
+      </p:sp>
+      <p:sp>
+        <p:nvSpPr>
+          <p:cNvPr id="8" name="אליפסה 7">
+            <a:extLst>
+              <a:ext uri="{FF2B5EF4-FFF2-40B4-BE49-F238E27FC236}">
+                <a16:creationId xmlns:a16="http://schemas.microsoft.com/office/drawing/2014/main" id="{5F0F2877-9E3C-4439-A22E-8CF4039F2981}"/>
+              </a:ext>
+            </a:extLst>
+          </p:cNvPr>
+          <p:cNvSpPr/>
+          <p:nvPr/>
+        </p:nvSpPr>
+        <p:spPr>
+          <a:xfrm>
+            <a:off x="4530178" y="3833119"/>
+            <a:ext cx="3885402" cy="371960"/>
+          </a:xfrm>
+          <a:prstGeom prst="ellipse">
+            <a:avLst/>
+          </a:prstGeom>
+          <a:noFill/>
+          <a:ln w="28575">
+            <a:solidFill>
+              <a:srgbClr val="C00000"/>
+            </a:solidFill>
+          </a:ln>
+        </p:spPr>
+        <p:style>
+          <a:lnRef idx="2">
+            <a:schemeClr val="accent1">
+              <a:shade val="50000"/>
+            </a:schemeClr>
+          </a:lnRef>
+          <a:fillRef idx="1">
+            <a:schemeClr val="accent1"/>
+          </a:fillRef>
+          <a:effectRef idx="0">
+            <a:schemeClr val="accent1"/>
+          </a:effectRef>
+          <a:fontRef idx="minor">
+            <a:schemeClr val="lt1"/>
+          </a:fontRef>
+        </p:style>
+        <p:txBody>
+          <a:bodyPr rtlCol="1" anchor="ctr"/>
+          <a:lstStyle/>
+          <a:p>
+            <a:pPr algn="ctr"/>
+            <a:endParaRPr lang="he-IL"/>
+          </a:p>
+        </p:txBody>
+      </p:sp>
+      <p:sp>
+        <p:nvSpPr>
+          <p:cNvPr id="9" name="אליפסה 8">
+            <a:extLst>
+              <a:ext uri="{FF2B5EF4-FFF2-40B4-BE49-F238E27FC236}">
+                <a16:creationId xmlns:a16="http://schemas.microsoft.com/office/drawing/2014/main" id="{AD981D5D-16C9-433C-A958-83C6C35F7B68}"/>
+              </a:ext>
+            </a:extLst>
+          </p:cNvPr>
+          <p:cNvSpPr/>
+          <p:nvPr/>
+        </p:nvSpPr>
+        <p:spPr>
+          <a:xfrm>
+            <a:off x="358383" y="4942275"/>
+            <a:ext cx="2229834" cy="1396532"/>
+          </a:xfrm>
+          <a:prstGeom prst="ellipse">
+            <a:avLst/>
+          </a:prstGeom>
+          <a:noFill/>
+          <a:ln w="28575">
+            <a:solidFill>
+              <a:srgbClr val="C00000"/>
+            </a:solidFill>
+          </a:ln>
+        </p:spPr>
+        <p:style>
+          <a:lnRef idx="2">
+            <a:schemeClr val="accent1">
+              <a:shade val="50000"/>
+            </a:schemeClr>
+          </a:lnRef>
+          <a:fillRef idx="1">
+            <a:schemeClr val="accent1"/>
+          </a:fillRef>
+          <a:effectRef idx="0">
+            <a:schemeClr val="accent1"/>
+          </a:effectRef>
+          <a:fontRef idx="minor">
+            <a:schemeClr val="lt1"/>
+          </a:fontRef>
+        </p:style>
+        <p:txBody>
+          <a:bodyPr rtlCol="1" anchor="ctr"/>
+          <a:lstStyle/>
+          <a:p>
+            <a:pPr algn="ctr"/>
+            <a:endParaRPr lang="he-IL"/>
+          </a:p>
+        </p:txBody>
+      </p:sp>
+    </p:spTree>
+    <p:extLst>
+      <p:ext uri="{BB962C8B-B14F-4D97-AF65-F5344CB8AC3E}">
+        <p14:creationId xmlns:p14="http://schemas.microsoft.com/office/powerpoint/2010/main" val="1747342160"/>
+      </p:ext>
+    </p:extLst>
+  </p:cSld>
+  <p:clrMapOvr>
+    <a:masterClrMapping/>
+  </p:clrMapOvr>
+  <p:timing>
+    <p:tnLst>
+      <p:par>
+        <p:cTn id="1" dur="indefinite" restart="never" nodeType="tmRoot">
+          <p:childTnLst>
+            <p:seq concurrent="1" nextAc="seek">
+              <p:cTn id="2" dur="indefinite" nodeType="mainSeq">
+                <p:childTnLst>
+                  <p:par>
+                    <p:cTn id="3" fill="hold">
+                      <p:stCondLst>
+                        <p:cond delay="indefinite"/>
+                      </p:stCondLst>
+                      <p:childTnLst>
+                        <p:par>
+                          <p:cTn id="4" fill="hold">
+                            <p:stCondLst>
+                              <p:cond delay="0"/>
+                            </p:stCondLst>
+                            <p:childTnLst>
+                              <p:par>
+                                <p:cTn id="5" presetID="42" presetClass="entr" presetSubtype="0" fill="hold" grpId="0" nodeType="clickEffect">
+                                  <p:stCondLst>
+                                    <p:cond delay="0"/>
+                                  </p:stCondLst>
+                                  <p:childTnLst>
+                                    <p:set>
+                                      <p:cBhvr>
+                                        <p:cTn id="6" dur="1" fill="hold">
+                                          <p:stCondLst>
+                                            <p:cond delay="0"/>
+                                          </p:stCondLst>
+                                        </p:cTn>
+                                        <p:tgtEl>
+                                          <p:spTgt spid="7"/>
+                                        </p:tgtEl>
+                                        <p:attrNameLst>
+                                          <p:attrName>style.visibility</p:attrName>
+                                        </p:attrNameLst>
+                                      </p:cBhvr>
+                                      <p:to>
+                                        <p:strVal val="visible"/>
+                                      </p:to>
+                                    </p:set>
+                                    <p:animEffect transition="in" filter="fade">
+                                      <p:cBhvr>
+                                        <p:cTn id="7" dur="1000"/>
+                                        <p:tgtEl>
+                                          <p:spTgt spid="7"/>
+                                        </p:tgtEl>
+                                      </p:cBhvr>
+                                    </p:animEffect>
+                                    <p:anim calcmode="lin" valueType="num">
+                                      <p:cBhvr>
+                                        <p:cTn id="8" dur="1000" fill="hold"/>
+                                        <p:tgtEl>
+                                          <p:spTgt spid="7"/>
+                                        </p:tgtEl>
+                                        <p:attrNameLst>
+                                          <p:attrName>ppt_x</p:attrName>
+                                        </p:attrNameLst>
+                                      </p:cBhvr>
+                                      <p:tavLst>
+                                        <p:tav tm="0">
+                                          <p:val>
+                                            <p:strVal val="#ppt_x"/>
+                                          </p:val>
+                                        </p:tav>
+                                        <p:tav tm="100000">
+                                          <p:val>
+                                            <p:strVal val="#ppt_x"/>
+                                          </p:val>
+                                        </p:tav>
+                                      </p:tavLst>
+                                    </p:anim>
+                                    <p:anim calcmode="lin" valueType="num">
+                                      <p:cBhvr>
+                                        <p:cTn id="9" dur="1000" fill="hold"/>
+                                        <p:tgtEl>
+                                          <p:spTgt spid="7"/>
+                                        </p:tgtEl>
+                                        <p:attrNameLst>
+                                          <p:attrName>ppt_y</p:attrName>
+                                        </p:attrNameLst>
+                                      </p:cBhvr>
+                                      <p:tavLst>
+                                        <p:tav tm="0">
+                                          <p:val>
+                                            <p:strVal val="#ppt_y+.1"/>
+                                          </p:val>
+                                        </p:tav>
+                                        <p:tav tm="100000">
+                                          <p:val>
+                                            <p:strVal val="#ppt_y"/>
+                                          </p:val>
+                                        </p:tav>
+                                      </p:tavLst>
+                                    </p:anim>
+                                  </p:childTnLst>
+                                </p:cTn>
+                              </p:par>
+                              <p:par>
+                                <p:cTn id="10" presetID="42" presetClass="entr" presetSubtype="0" fill="hold" grpId="0" nodeType="withEffect">
+                                  <p:stCondLst>
+                                    <p:cond delay="0"/>
+                                  </p:stCondLst>
+                                  <p:childTnLst>
+                                    <p:set>
+                                      <p:cBhvr>
+                                        <p:cTn id="11" dur="1" fill="hold">
+                                          <p:stCondLst>
+                                            <p:cond delay="0"/>
+                                          </p:stCondLst>
+                                        </p:cTn>
+                                        <p:tgtEl>
+                                          <p:spTgt spid="8"/>
+                                        </p:tgtEl>
+                                        <p:attrNameLst>
+                                          <p:attrName>style.visibility</p:attrName>
+                                        </p:attrNameLst>
+                                      </p:cBhvr>
+                                      <p:to>
+                                        <p:strVal val="visible"/>
+                                      </p:to>
+                                    </p:set>
+                                    <p:animEffect transition="in" filter="fade">
+                                      <p:cBhvr>
+                                        <p:cTn id="12" dur="1000"/>
+                                        <p:tgtEl>
+                                          <p:spTgt spid="8"/>
+                                        </p:tgtEl>
+                                      </p:cBhvr>
+                                    </p:animEffect>
+                                    <p:anim calcmode="lin" valueType="num">
+                                      <p:cBhvr>
+                                        <p:cTn id="13" dur="1000" fill="hold"/>
+                                        <p:tgtEl>
+                                          <p:spTgt spid="8"/>
+                                        </p:tgtEl>
+                                        <p:attrNameLst>
+                                          <p:attrName>ppt_x</p:attrName>
+                                        </p:attrNameLst>
+                                      </p:cBhvr>
+                                      <p:tavLst>
+                                        <p:tav tm="0">
+                                          <p:val>
+                                            <p:strVal val="#ppt_x"/>
+                                          </p:val>
+                                        </p:tav>
+                                        <p:tav tm="100000">
+                                          <p:val>
+                                            <p:strVal val="#ppt_x"/>
+                                          </p:val>
+                                        </p:tav>
+                                      </p:tavLst>
+                                    </p:anim>
+                                    <p:anim calcmode="lin" valueType="num">
+                                      <p:cBhvr>
+                                        <p:cTn id="14" dur="1000" fill="hold"/>
+                                        <p:tgtEl>
+                                          <p:spTgt spid="8"/>
+                                        </p:tgtEl>
+                                        <p:attrNameLst>
+                                          <p:attrName>ppt_y</p:attrName>
+                                        </p:attrNameLst>
+                                      </p:cBhvr>
+                                      <p:tavLst>
+                                        <p:tav tm="0">
+                                          <p:val>
+                                            <p:strVal val="#ppt_y+.1"/>
+                                          </p:val>
+                                        </p:tav>
+                                        <p:tav tm="100000">
+                                          <p:val>
+                                            <p:strVal val="#ppt_y"/>
+                                          </p:val>
+                                        </p:tav>
+                                      </p:tavLst>
+                                    </p:anim>
+                                  </p:childTnLst>
+                                </p:cTn>
+                              </p:par>
+                              <p:par>
+                                <p:cTn id="15" presetID="42" presetClass="entr" presetSubtype="0" fill="hold" grpId="0" nodeType="withEffect">
+                                  <p:stCondLst>
+                                    <p:cond delay="0"/>
+                                  </p:stCondLst>
+                                  <p:childTnLst>
+                                    <p:set>
+                                      <p:cBhvr>
+                                        <p:cTn id="16" dur="1" fill="hold">
+                                          <p:stCondLst>
+                                            <p:cond delay="0"/>
+                                          </p:stCondLst>
+                                        </p:cTn>
+                                        <p:tgtEl>
+                                          <p:spTgt spid="4"/>
+                                        </p:tgtEl>
+                                        <p:attrNameLst>
+                                          <p:attrName>style.visibility</p:attrName>
+                                        </p:attrNameLst>
+                                      </p:cBhvr>
+                                      <p:to>
+                                        <p:strVal val="visible"/>
+                                      </p:to>
+                                    </p:set>
+                                    <p:animEffect transition="in" filter="fade">
+                                      <p:cBhvr>
+                                        <p:cTn id="17" dur="1000"/>
+                                        <p:tgtEl>
+                                          <p:spTgt spid="4"/>
+                                        </p:tgtEl>
+                                      </p:cBhvr>
+                                    </p:animEffect>
+                                    <p:anim calcmode="lin" valueType="num">
+                                      <p:cBhvr>
+                                        <p:cTn id="18" dur="1000" fill="hold"/>
+                                        <p:tgtEl>
+                                          <p:spTgt spid="4"/>
+                                        </p:tgtEl>
+                                        <p:attrNameLst>
+                                          <p:attrName>ppt_x</p:attrName>
+                                        </p:attrNameLst>
+                                      </p:cBhvr>
+                                      <p:tavLst>
+                                        <p:tav tm="0">
+                                          <p:val>
+                                            <p:strVal val="#ppt_x"/>
+                                          </p:val>
+                                        </p:tav>
+                                        <p:tav tm="100000">
+                                          <p:val>
+                                            <p:strVal val="#ppt_x"/>
+                                          </p:val>
+                                        </p:tav>
+                                      </p:tavLst>
+                                    </p:anim>
+                                    <p:anim calcmode="lin" valueType="num">
+                                      <p:cBhvr>
+                                        <p:cTn id="19" dur="1000" fill="hold"/>
+                                        <p:tgtEl>
+                                          <p:spTgt spid="4"/>
+                                        </p:tgtEl>
+                                        <p:attrNameLst>
+                                          <p:attrName>ppt_y</p:attrName>
+                                        </p:attrNameLst>
+                                      </p:cBhvr>
+                                      <p:tavLst>
+                                        <p:tav tm="0">
+                                          <p:val>
+                                            <p:strVal val="#ppt_y+.1"/>
+                                          </p:val>
+                                        </p:tav>
+                                        <p:tav tm="100000">
+                                          <p:val>
+                                            <p:strVal val="#ppt_y"/>
+                                          </p:val>
+                                        </p:tav>
+                                      </p:tavLst>
+                                    </p:anim>
+                                  </p:childTnLst>
+                                </p:cTn>
+                              </p:par>
+                              <p:par>
+                                <p:cTn id="20" presetID="42" presetClass="entr" presetSubtype="0" fill="hold" grpId="0" nodeType="withEffect">
+                                  <p:stCondLst>
+                                    <p:cond delay="0"/>
+                                  </p:stCondLst>
+                                  <p:childTnLst>
+                                    <p:set>
+                                      <p:cBhvr>
+                                        <p:cTn id="21" dur="1" fill="hold">
+                                          <p:stCondLst>
+                                            <p:cond delay="0"/>
+                                          </p:stCondLst>
+                                        </p:cTn>
+                                        <p:tgtEl>
+                                          <p:spTgt spid="9"/>
+                                        </p:tgtEl>
+                                        <p:attrNameLst>
+                                          <p:attrName>style.visibility</p:attrName>
+                                        </p:attrNameLst>
+                                      </p:cBhvr>
+                                      <p:to>
+                                        <p:strVal val="visible"/>
+                                      </p:to>
+                                    </p:set>
+                                    <p:animEffect transition="in" filter="fade">
+                                      <p:cBhvr>
+                                        <p:cTn id="22" dur="1000"/>
+                                        <p:tgtEl>
+                                          <p:spTgt spid="9"/>
+                                        </p:tgtEl>
+                                      </p:cBhvr>
+                                    </p:animEffect>
+                                    <p:anim calcmode="lin" valueType="num">
+                                      <p:cBhvr>
+                                        <p:cTn id="23" dur="1000" fill="hold"/>
+                                        <p:tgtEl>
+                                          <p:spTgt spid="9"/>
+                                        </p:tgtEl>
+                                        <p:attrNameLst>
+                                          <p:attrName>ppt_x</p:attrName>
+                                        </p:attrNameLst>
+                                      </p:cBhvr>
+                                      <p:tavLst>
+                                        <p:tav tm="0">
+                                          <p:val>
+                                            <p:strVal val="#ppt_x"/>
+                                          </p:val>
+                                        </p:tav>
+                                        <p:tav tm="100000">
+                                          <p:val>
+                                            <p:strVal val="#ppt_x"/>
+                                          </p:val>
+                                        </p:tav>
+                                      </p:tavLst>
+                                    </p:anim>
+                                    <p:anim calcmode="lin" valueType="num">
+                                      <p:cBhvr>
+                                        <p:cTn id="24" dur="1000" fill="hold"/>
+                                        <p:tgtEl>
+                                          <p:spTgt spid="9"/>
+                                        </p:tgtEl>
+                                        <p:attrNameLst>
+                                          <p:attrName>ppt_y</p:attrName>
+                                        </p:attrNameLst>
+                                      </p:cBhvr>
+                                      <p:tavLst>
+                                        <p:tav tm="0">
+                                          <p:val>
+                                            <p:strVal val="#ppt_y+.1"/>
+                                          </p:val>
+                                        </p:tav>
+                                        <p:tav tm="100000">
+                                          <p:val>
+                                            <p:strVal val="#ppt_y"/>
+                                          </p:val>
+                                        </p:tav>
+                                      </p:tavLst>
+                                    </p:anim>
+                                  </p:childTnLst>
+                                </p:cTn>
+                              </p:par>
+                            </p:childTnLst>
+                          </p:cTn>
+                        </p:par>
+                      </p:childTnLst>
+                    </p:cTn>
+                  </p:par>
+                </p:childTnLst>
+              </p:cTn>
+              <p:prevCondLst>
+                <p:cond evt="onPrev" delay="0">
+                  <p:tgtEl>
+                    <p:sldTgt/>
+                  </p:tgtEl>
+                </p:cond>
+              </p:prevCondLst>
+              <p:nextCondLst>
+                <p:cond evt="onNext" delay="0">
+                  <p:tgtEl>
+                    <p:sldTgt/>
+                  </p:tgtEl>
+                </p:cond>
+              </p:nextCondLst>
+            </p:seq>
+          </p:childTnLst>
+        </p:cTn>
+      </p:par>
+    </p:tnLst>
+    <p:bldLst>
+      <p:bldP spid="4" grpId="0" animBg="1"/>
+      <p:bldP spid="7" grpId="0" animBg="1"/>
+      <p:bldP spid="8" grpId="0" animBg="1"/>
+      <p:bldP spid="9" grpId="0" animBg="1"/>
+    </p:bldLst>
+  </p:timing>
+</p:sld>
+</file>
+
+<file path=ppt/slides/slide5.xml><?xml version="1.0" encoding="utf-8"?>
+<p:sld xmlns:a="http://schemas.openxmlformats.org/drawingml/2006/main" xmlns:r="http://schemas.openxmlformats.org/officeDocument/2006/relationships" xmlns:p="http://schemas.openxmlformats.org/presentationml/2006/main">
+  <p:cSld>
+    <p:spTree>
+      <p:nvGrpSpPr>
+        <p:cNvPr id="1" name=""/>
+        <p:cNvGrpSpPr/>
+        <p:nvPr/>
+      </p:nvGrpSpPr>
+      <p:grpSpPr>
+        <a:xfrm>
+          <a:off x="0" y="0"/>
+          <a:ext cx="0" cy="0"/>
+          <a:chOff x="0" y="0"/>
+          <a:chExt cx="0" cy="0"/>
+        </a:xfrm>
+      </p:grpSpPr>
+      <p:sp>
+        <p:nvSpPr>
+          <p:cNvPr id="85" name="TextShape 1"/>
+          <p:cNvSpPr txBox="1"/>
+          <p:nvPr/>
+        </p:nvSpPr>
+        <p:spPr>
+          <a:xfrm>
+            <a:off x="504000" y="593846"/>
+            <a:ext cx="9071640" cy="677108"/>
+          </a:xfrm>
+          <a:prstGeom prst="rect">
+            <a:avLst/>
+          </a:prstGeom>
+          <a:noFill/>
+          <a:ln>
+            <a:noFill/>
+          </a:ln>
+        </p:spPr>
+        <p:txBody>
+          <a:bodyPr lIns="0" tIns="0" rIns="0" bIns="0" anchor="ctr">
+            <a:spAutoFit/>
+          </a:bodyPr>
+          <a:lstStyle/>
+          <a:p>
+            <a:pPr algn="ctr"/>
+            <a:r>
+              <a:rPr lang="en-US" sz="4400" b="0" strike="noStrike" spc="-1" dirty="0">
+                <a:latin typeface="Arial"/>
+              </a:rPr>
+              <a:t>Create component</a:t>
+            </a:r>
+          </a:p>
+        </p:txBody>
+      </p:sp>
+      <p:sp>
+        <p:nvSpPr>
+          <p:cNvPr id="86" name="TextShape 2"/>
+          <p:cNvSpPr txBox="1"/>
+          <p:nvPr/>
+        </p:nvSpPr>
+        <p:spPr>
+          <a:xfrm>
+            <a:off x="504000" y="1769040"/>
+            <a:ext cx="9071640" cy="4384440"/>
+          </a:xfrm>
+          <a:prstGeom prst="rect">
+            <a:avLst/>
+          </a:prstGeom>
+          <a:noFill/>
+          <a:ln>
+            <a:noFill/>
+          </a:ln>
+        </p:spPr>
+        <p:txBody>
+          <a:bodyPr lIns="0" tIns="0" rIns="0" bIns="0">
+            <a:normAutofit/>
+          </a:bodyPr>
+          <a:lstStyle/>
+          <a:p>
+            <a:pPr marL="108000" algn="l" rtl="0">
+              <a:spcBef>
+                <a:spcPts val="1417"/>
+              </a:spcBef>
+              <a:buClr>
+                <a:srgbClr val="000000"/>
+              </a:buClr>
+              <a:buSzPct val="45000"/>
+            </a:pPr>
+            <a:r>
+              <a:rPr lang="en-US" sz="3200" b="0" strike="noStrike" spc="-1" dirty="0">
+                <a:latin typeface="Arial"/>
+              </a:rPr>
+              <a:t>ng g c &lt;component name&gt;</a:t>
+            </a:r>
+          </a:p>
+        </p:txBody>
+      </p:sp>
+      <p:pic>
+        <p:nvPicPr>
+          <p:cNvPr id="2" name="תמונה 1">
+            <a:extLst>
+              <a:ext uri="{FF2B5EF4-FFF2-40B4-BE49-F238E27FC236}">
+                <a16:creationId xmlns:a16="http://schemas.microsoft.com/office/drawing/2014/main" id="{FB9634B6-2401-4AC2-A9EF-748B61B75EEC}"/>
+              </a:ext>
+            </a:extLst>
+          </p:cNvPr>
+          <p:cNvPicPr>
+            <a:picLocks noChangeAspect="1"/>
+          </p:cNvPicPr>
+          <p:nvPr/>
+        </p:nvPicPr>
+        <p:blipFill>
+          <a:blip r:embed="rId2"/>
+          <a:stretch>
+            <a:fillRect/>
+          </a:stretch>
+        </p:blipFill>
+        <p:spPr>
+          <a:xfrm>
+            <a:off x="206621" y="2337662"/>
+            <a:ext cx="9728387" cy="5044349"/>
+          </a:xfrm>
+          <a:prstGeom prst="rect">
+            <a:avLst/>
+          </a:prstGeom>
+        </p:spPr>
+      </p:pic>
+      <p:sp>
+        <p:nvSpPr>
+          <p:cNvPr id="4" name="אליפסה 3">
+            <a:extLst>
+              <a:ext uri="{FF2B5EF4-FFF2-40B4-BE49-F238E27FC236}">
+                <a16:creationId xmlns:a16="http://schemas.microsoft.com/office/drawing/2014/main" id="{4E484AE6-1A1F-409B-AC1D-A608F7464E04}"/>
+              </a:ext>
+            </a:extLst>
+          </p:cNvPr>
+          <p:cNvSpPr/>
+          <p:nvPr/>
+        </p:nvSpPr>
+        <p:spPr>
+          <a:xfrm>
+            <a:off x="8539566" y="2402237"/>
+            <a:ext cx="1541059" cy="371960"/>
+          </a:xfrm>
+          <a:prstGeom prst="ellipse">
+            <a:avLst/>
+          </a:prstGeom>
+          <a:noFill/>
+          <a:ln w="28575">
+            <a:solidFill>
+              <a:srgbClr val="C00000"/>
+            </a:solidFill>
+          </a:ln>
+        </p:spPr>
+        <p:style>
+          <a:lnRef idx="2">
+            <a:schemeClr val="accent1">
+              <a:shade val="50000"/>
+            </a:schemeClr>
+          </a:lnRef>
+          <a:fillRef idx="1">
+            <a:schemeClr val="accent1"/>
+          </a:fillRef>
+          <a:effectRef idx="0">
+            <a:schemeClr val="accent1"/>
+          </a:effectRef>
+          <a:fontRef idx="minor">
+            <a:schemeClr val="lt1"/>
+          </a:fontRef>
+        </p:style>
+        <p:txBody>
+          <a:bodyPr rtlCol="1" anchor="ctr"/>
+          <a:lstStyle/>
+          <a:p>
+            <a:pPr algn="ctr"/>
+            <a:endParaRPr lang="he-IL"/>
+          </a:p>
+        </p:txBody>
+      </p:sp>
+      <p:sp>
+        <p:nvSpPr>
+          <p:cNvPr id="7" name="אליפסה 6">
+            <a:extLst>
+              <a:ext uri="{FF2B5EF4-FFF2-40B4-BE49-F238E27FC236}">
+                <a16:creationId xmlns:a16="http://schemas.microsoft.com/office/drawing/2014/main" id="{9D6451FE-3479-408E-BAC1-8A9266C1F7A0}"/>
+              </a:ext>
+            </a:extLst>
+          </p:cNvPr>
+          <p:cNvSpPr/>
+          <p:nvPr/>
+        </p:nvSpPr>
+        <p:spPr>
+          <a:xfrm>
+            <a:off x="4269290" y="4738433"/>
+            <a:ext cx="1541059" cy="371960"/>
+          </a:xfrm>
+          <a:prstGeom prst="ellipse">
+            <a:avLst/>
+          </a:prstGeom>
+          <a:noFill/>
+          <a:ln w="28575">
+            <a:solidFill>
+              <a:srgbClr val="C00000"/>
+            </a:solidFill>
+          </a:ln>
+        </p:spPr>
+        <p:style>
+          <a:lnRef idx="2">
+            <a:schemeClr val="accent1">
+              <a:shade val="50000"/>
+            </a:schemeClr>
+          </a:lnRef>
+          <a:fillRef idx="1">
+            <a:schemeClr val="accent1"/>
+          </a:fillRef>
+          <a:effectRef idx="0">
+            <a:schemeClr val="accent1"/>
+          </a:effectRef>
+          <a:fontRef idx="minor">
+            <a:schemeClr val="lt1"/>
+          </a:fontRef>
+        </p:style>
+        <p:txBody>
+          <a:bodyPr rtlCol="1" anchor="ctr"/>
+          <a:lstStyle/>
+          <a:p>
+            <a:pPr algn="ctr"/>
+            <a:endParaRPr lang="he-IL"/>
+          </a:p>
+        </p:txBody>
+      </p:sp>
+      <p:sp>
+        <p:nvSpPr>
+          <p:cNvPr id="8" name="אליפסה 7">
+            <a:extLst>
+              <a:ext uri="{FF2B5EF4-FFF2-40B4-BE49-F238E27FC236}">
+                <a16:creationId xmlns:a16="http://schemas.microsoft.com/office/drawing/2014/main" id="{5F0F2877-9E3C-4439-A22E-8CF4039F2981}"/>
+              </a:ext>
+            </a:extLst>
+          </p:cNvPr>
+          <p:cNvSpPr/>
+          <p:nvPr/>
+        </p:nvSpPr>
+        <p:spPr>
+          <a:xfrm>
+            <a:off x="4530178" y="3833119"/>
+            <a:ext cx="3885402" cy="371960"/>
+          </a:xfrm>
+          <a:prstGeom prst="ellipse">
+            <a:avLst/>
+          </a:prstGeom>
+          <a:noFill/>
+          <a:ln w="28575">
+            <a:solidFill>
+              <a:srgbClr val="C00000"/>
+            </a:solidFill>
+          </a:ln>
+        </p:spPr>
+        <p:style>
+          <a:lnRef idx="2">
+            <a:schemeClr val="accent1">
+              <a:shade val="50000"/>
+            </a:schemeClr>
+          </a:lnRef>
+          <a:fillRef idx="1">
+            <a:schemeClr val="accent1"/>
+          </a:fillRef>
+          <a:effectRef idx="0">
+            <a:schemeClr val="accent1"/>
+          </a:effectRef>
+          <a:fontRef idx="minor">
+            <a:schemeClr val="lt1"/>
+          </a:fontRef>
+        </p:style>
+        <p:txBody>
+          <a:bodyPr rtlCol="1" anchor="ctr"/>
+          <a:lstStyle/>
+          <a:p>
+            <a:pPr algn="ctr"/>
+            <a:endParaRPr lang="he-IL"/>
+          </a:p>
+        </p:txBody>
+      </p:sp>
+      <p:sp>
+        <p:nvSpPr>
+          <p:cNvPr id="9" name="אליפסה 8">
+            <a:extLst>
+              <a:ext uri="{FF2B5EF4-FFF2-40B4-BE49-F238E27FC236}">
+                <a16:creationId xmlns:a16="http://schemas.microsoft.com/office/drawing/2014/main" id="{AD981D5D-16C9-433C-A958-83C6C35F7B68}"/>
+              </a:ext>
+            </a:extLst>
+          </p:cNvPr>
+          <p:cNvSpPr/>
+          <p:nvPr/>
+        </p:nvSpPr>
+        <p:spPr>
+          <a:xfrm>
+            <a:off x="358383" y="4942275"/>
+            <a:ext cx="2229834" cy="1396532"/>
+          </a:xfrm>
+          <a:prstGeom prst="ellipse">
+            <a:avLst/>
+          </a:prstGeom>
+          <a:noFill/>
+          <a:ln w="28575">
+            <a:solidFill>
+              <a:srgbClr val="C00000"/>
+            </a:solidFill>
+          </a:ln>
+        </p:spPr>
+        <p:style>
+          <a:lnRef idx="2">
+            <a:schemeClr val="accent1">
+              <a:shade val="50000"/>
+            </a:schemeClr>
+          </a:lnRef>
+          <a:fillRef idx="1">
+            <a:schemeClr val="accent1"/>
+          </a:fillRef>
+          <a:effectRef idx="0">
+            <a:schemeClr val="accent1"/>
+          </a:effectRef>
+          <a:fontRef idx="minor">
+            <a:schemeClr val="lt1"/>
+          </a:fontRef>
+        </p:style>
+        <p:txBody>
+          <a:bodyPr rtlCol="1" anchor="ctr"/>
+          <a:lstStyle/>
+          <a:p>
+            <a:pPr algn="ctr"/>
+            <a:endParaRPr lang="he-IL"/>
+          </a:p>
+        </p:txBody>
+      </p:sp>
+    </p:spTree>
+    <p:extLst>
+      <p:ext uri="{BB962C8B-B14F-4D97-AF65-F5344CB8AC3E}">
+        <p14:creationId xmlns:p14="http://schemas.microsoft.com/office/powerpoint/2010/main" val="3983578944"/>
+      </p:ext>
+    </p:extLst>
+  </p:cSld>
+  <p:clrMapOvr>
+    <a:masterClrMapping/>
+  </p:clrMapOvr>
+</p:sld>
+</file>
+
+<file path=ppt/slides/slide6.xml><?xml version="1.0" encoding="utf-8"?>
+<p:sld xmlns:a="http://schemas.openxmlformats.org/drawingml/2006/main" xmlns:r="http://schemas.openxmlformats.org/officeDocument/2006/relationships" xmlns:p="http://schemas.openxmlformats.org/presentationml/2006/main">
+  <p:cSld>
+    <p:spTree>
+      <p:nvGrpSpPr>
+        <p:cNvPr id="1" name=""/>
+        <p:cNvGrpSpPr/>
+        <p:nvPr/>
+      </p:nvGrpSpPr>
+      <p:grpSpPr>
+        <a:xfrm>
+          <a:off x="0" y="0"/>
+          <a:ext cx="0" cy="0"/>
+          <a:chOff x="0" y="0"/>
+          <a:chExt cx="0" cy="0"/>
+        </a:xfrm>
+      </p:grpSpPr>
+      <p:sp>
+        <p:nvSpPr>
+          <p:cNvPr id="85" name="TextShape 1"/>
+          <p:cNvSpPr txBox="1"/>
+          <p:nvPr/>
+        </p:nvSpPr>
+        <p:spPr>
+          <a:xfrm>
+            <a:off x="504000" y="593846"/>
+            <a:ext cx="9071640" cy="677108"/>
+          </a:xfrm>
+          <a:prstGeom prst="rect">
+            <a:avLst/>
+          </a:prstGeom>
+          <a:noFill/>
+          <a:ln>
+            <a:noFill/>
+          </a:ln>
+        </p:spPr>
+        <p:txBody>
+          <a:bodyPr lIns="0" tIns="0" rIns="0" bIns="0" anchor="ctr">
+            <a:spAutoFit/>
+          </a:bodyPr>
+          <a:lstStyle/>
+          <a:p>
+            <a:pPr algn="ctr"/>
+            <a:r>
+              <a:rPr lang="en-US" sz="4400" b="0" strike="noStrike" spc="-1" dirty="0">
+                <a:latin typeface="Arial"/>
+              </a:rPr>
+              <a:t>Router</a:t>
+            </a:r>
+          </a:p>
+        </p:txBody>
+      </p:sp>
+      <p:pic>
+        <p:nvPicPr>
+          <p:cNvPr id="3" name="תמונה 2">
+            <a:extLst>
+              <a:ext uri="{FF2B5EF4-FFF2-40B4-BE49-F238E27FC236}">
+                <a16:creationId xmlns:a16="http://schemas.microsoft.com/office/drawing/2014/main" id="{D00C0AA4-3CF6-4CEE-93E0-6FCFA8708D81}"/>
+              </a:ext>
+            </a:extLst>
+          </p:cNvPr>
+          <p:cNvPicPr>
+            <a:picLocks noChangeAspect="1"/>
+          </p:cNvPicPr>
+          <p:nvPr/>
+        </p:nvPicPr>
+        <p:blipFill>
+          <a:blip r:embed="rId2"/>
+          <a:stretch>
+            <a:fillRect/>
+          </a:stretch>
+        </p:blipFill>
+        <p:spPr>
+          <a:xfrm>
+            <a:off x="906291" y="1454849"/>
+            <a:ext cx="8268041" cy="5774239"/>
+          </a:xfrm>
+          <a:prstGeom prst="rect">
+            <a:avLst/>
+          </a:prstGeom>
+        </p:spPr>
+      </p:pic>
+    </p:spTree>
+    <p:extLst>
+      <p:ext uri="{BB962C8B-B14F-4D97-AF65-F5344CB8AC3E}">
+        <p14:creationId xmlns:p14="http://schemas.microsoft.com/office/powerpoint/2010/main" val="1329164564"/>
+      </p:ext>
+    </p:extLst>
+  </p:cSld>
+  <p:clrMapOvr>
+    <a:masterClrMapping/>
+  </p:clrMapOvr>
+</p:sld>
+</file>
+
+<file path=ppt/slides/slide7.xml><?xml version="1.0" encoding="utf-8"?>
+<p:sld xmlns:a="http://schemas.openxmlformats.org/drawingml/2006/main" xmlns:r="http://schemas.openxmlformats.org/officeDocument/2006/relationships" xmlns:p="http://schemas.openxmlformats.org/presentationml/2006/main">
+  <p:cSld>
+    <p:spTree>
+      <p:nvGrpSpPr>
+        <p:cNvPr id="1" name=""/>
+        <p:cNvGrpSpPr/>
+        <p:nvPr/>
+      </p:nvGrpSpPr>
+      <p:grpSpPr>
+        <a:xfrm>
+          <a:off x="0" y="0"/>
+          <a:ext cx="0" cy="0"/>
+          <a:chOff x="0" y="0"/>
+          <a:chExt cx="0" cy="0"/>
+        </a:xfrm>
+      </p:grpSpPr>
+      <p:sp>
+        <p:nvSpPr>
+          <p:cNvPr id="85" name="TextShape 1"/>
+          <p:cNvSpPr txBox="1"/>
+          <p:nvPr/>
+        </p:nvSpPr>
+        <p:spPr>
+          <a:xfrm>
+            <a:off x="504000" y="593846"/>
+            <a:ext cx="9071640" cy="677108"/>
+          </a:xfrm>
+          <a:prstGeom prst="rect">
+            <a:avLst/>
+          </a:prstGeom>
+          <a:noFill/>
+          <a:ln>
+            <a:noFill/>
+          </a:ln>
+        </p:spPr>
+        <p:txBody>
+          <a:bodyPr lIns="0" tIns="0" rIns="0" bIns="0" anchor="ctr">
+            <a:spAutoFit/>
+          </a:bodyPr>
+          <a:lstStyle/>
+          <a:p>
+            <a:pPr algn="ctr"/>
+            <a:r>
+              <a:rPr lang="en-US" sz="4400" b="0" strike="noStrike" spc="-1" dirty="0">
+                <a:latin typeface="Arial"/>
+              </a:rPr>
+              <a:t>Router</a:t>
+            </a:r>
+          </a:p>
+        </p:txBody>
+      </p:sp>
+      <p:pic>
+        <p:nvPicPr>
+          <p:cNvPr id="2" name="תמונה 1">
+            <a:extLst>
+              <a:ext uri="{FF2B5EF4-FFF2-40B4-BE49-F238E27FC236}">
+                <a16:creationId xmlns:a16="http://schemas.microsoft.com/office/drawing/2014/main" id="{3C26F7E4-879E-4FB6-879A-6FD0E85384C3}"/>
+              </a:ext>
+            </a:extLst>
+          </p:cNvPr>
+          <p:cNvPicPr>
+            <a:picLocks noChangeAspect="1"/>
+          </p:cNvPicPr>
+          <p:nvPr/>
+        </p:nvPicPr>
+        <p:blipFill>
+          <a:blip r:embed="rId2"/>
+          <a:stretch>
+            <a:fillRect/>
+          </a:stretch>
+        </p:blipFill>
+        <p:spPr>
+          <a:xfrm>
+            <a:off x="504000" y="1740262"/>
+            <a:ext cx="9071640" cy="5255445"/>
+          </a:xfrm>
+          <a:prstGeom prst="rect">
+            <a:avLst/>
+          </a:prstGeom>
+        </p:spPr>
+      </p:pic>
+    </p:spTree>
+    <p:extLst>
+      <p:ext uri="{BB962C8B-B14F-4D97-AF65-F5344CB8AC3E}">
+        <p14:creationId xmlns:p14="http://schemas.microsoft.com/office/powerpoint/2010/main" val="1747709307"/>
+      </p:ext>
+    </p:extLst>
+  </p:cSld>
+  <p:clrMapOvr>
+    <a:masterClrMapping/>
+  </p:clrMapOvr>
+</p:sld>
+</file>
+
+<file path=ppt/slides/slide8.xml><?xml version="1.0" encoding="utf-8"?>
+<p:sld xmlns:a="http://schemas.openxmlformats.org/drawingml/2006/main" xmlns:r="http://schemas.openxmlformats.org/officeDocument/2006/relationships" xmlns:p="http://schemas.openxmlformats.org/presentationml/2006/main">
+  <p:cSld>
+    <p:spTree>
+      <p:nvGrpSpPr>
+        <p:cNvPr id="1" name=""/>
+        <p:cNvGrpSpPr/>
+        <p:nvPr/>
+      </p:nvGrpSpPr>
+      <p:grpSpPr>
+        <a:xfrm>
+          <a:off x="0" y="0"/>
+          <a:ext cx="0" cy="0"/>
+          <a:chOff x="0" y="0"/>
+          <a:chExt cx="0" cy="0"/>
+        </a:xfrm>
+      </p:grpSpPr>
+      <p:sp>
+        <p:nvSpPr>
+          <p:cNvPr id="87" name="TextShape 1"/>
+          <p:cNvSpPr txBox="1"/>
+          <p:nvPr/>
+        </p:nvSpPr>
+        <p:spPr>
+          <a:xfrm>
+            <a:off x="2376000" y="3168000"/>
+            <a:ext cx="7199640" cy="1262160"/>
+          </a:xfrm>
+          <a:prstGeom prst="rect">
+            <a:avLst/>
+          </a:prstGeom>
+          <a:noFill/>
+          <a:ln>
+            <a:noFill/>
+          </a:ln>
+        </p:spPr>
+        <p:txBody>
+          <a:bodyPr lIns="0" tIns="0" rIns="0" bIns="0" anchor="ctr">
+            <a:spAutoFit/>
+          </a:bodyPr>
+          <a:lstStyle/>
+          <a:p>
+            <a:pPr algn="ctr"/>
+            <a:r>
+              <a:rPr lang="en-US" sz="2200" b="0" strike="noStrike" spc="-1">
                 <a:solidFill>
-                  <a:srgbClr val="ffffff"/>
+                  <a:srgbClr val="FFFFFF"/>
                 </a:solidFill>
                 <a:latin typeface="Arial"/>
               </a:rPr>
@@ -4262,31 +6265,25 @@
             </a:r>
             <a:br/>
             <a:r>
-              <a:rPr b="0" lang="en-US" sz="2200" spc="-1" strike="noStrike">
+              <a:rPr lang="en-US" sz="2200" b="0" strike="noStrike" spc="-1">
                 <a:solidFill>
-                  <a:srgbClr val="ffffff"/>
+                  <a:srgbClr val="FFFFFF"/>
                 </a:solidFill>
                 <a:latin typeface="Arial"/>
               </a:rPr>
               <a:t>It makes use of the works of Mateus Machado Luna.</a:t>
             </a:r>
-            <a:endParaRPr b="0" lang="en-US" sz="2200" spc="-1" strike="noStrike">
-              <a:solidFill>
-                <a:srgbClr val="ffffff"/>
-              </a:solidFill>
-              <a:latin typeface="Arial"/>
-            </a:endParaRPr>
           </a:p>
         </p:txBody>
       </p:sp>
       <p:pic>
         <p:nvPicPr>
-          <p:cNvPr id="88" name="" descr=""/>
+          <p:cNvPr id="88" name="תמונה 87"/>
           <p:cNvPicPr/>
           <p:nvPr/>
         </p:nvPicPr>
         <p:blipFill>
-          <a:blip r:embed="rId1"/>
+          <a:blip r:embed="rId2"/>
           <a:stretch/>
         </p:blipFill>
         <p:spPr>
@@ -4304,14 +6301,9 @@
       </p:pic>
     </p:spTree>
   </p:cSld>
-  <mc:AlternateContent>
-    <mc:Choice Requires="p14">
-      <p:transition spd="slow" p14:dur="2000"/>
-    </mc:Choice>
-    <mc:Fallback>
-      <p:transition spd="slow"/>
-    </mc:Fallback>
-  </mc:AlternateContent>
+  <p:clrMapOvr>
+    <a:masterClrMapping/>
+  </p:clrMapOvr>
 </p:sld>
 </file>
 
@@ -4326,31 +6318,31 @@
         <a:sysClr val="window" lastClr="FFFFFF"/>
       </a:lt1>
       <a:dk2>
-        <a:srgbClr val="1f497d"/>
+        <a:srgbClr val="1F497D"/>
       </a:dk2>
       <a:lt2>
-        <a:srgbClr val="eeece1"/>
+        <a:srgbClr val="EEECE1"/>
       </a:lt2>
       <a:accent1>
-        <a:srgbClr val="4f81bd"/>
+        <a:srgbClr val="4F81BD"/>
       </a:accent1>
       <a:accent2>
-        <a:srgbClr val="c0504d"/>
+        <a:srgbClr val="C0504D"/>
       </a:accent2>
       <a:accent3>
-        <a:srgbClr val="9bbb59"/>
+        <a:srgbClr val="9BBB59"/>
       </a:accent3>
       <a:accent4>
-        <a:srgbClr val="8064a2"/>
+        <a:srgbClr val="8064A2"/>
       </a:accent4>
       <a:accent5>
-        <a:srgbClr val="4bacc6"/>
+        <a:srgbClr val="4BACC6"/>
       </a:accent5>
       <a:accent6>
-        <a:srgbClr val="f79646"/>
+        <a:srgbClr val="F79646"/>
       </a:accent6>
       <a:hlink>
-        <a:srgbClr val="0000ff"/>
+        <a:srgbClr val="0000FF"/>
       </a:hlink>
       <a:folHlink>
         <a:srgbClr val="800080"/>
@@ -4535,6 +6527,8 @@
       </a:bgFillStyleLst>
     </a:fmtScheme>
   </a:themeElements>
+  <a:objectDefaults/>
+  <a:extraClrSchemeLst/>
 </a:theme>
 </file>
 
@@ -4549,31 +6543,31 @@
         <a:sysClr val="window" lastClr="FFFFFF"/>
       </a:lt1>
       <a:dk2>
-        <a:srgbClr val="1f497d"/>
+        <a:srgbClr val="1F497D"/>
       </a:dk2>
       <a:lt2>
-        <a:srgbClr val="eeece1"/>
+        <a:srgbClr val="EEECE1"/>
       </a:lt2>
       <a:accent1>
-        <a:srgbClr val="4f81bd"/>
+        <a:srgbClr val="4F81BD"/>
       </a:accent1>
       <a:accent2>
-        <a:srgbClr val="c0504d"/>
+        <a:srgbClr val="C0504D"/>
       </a:accent2>
       <a:accent3>
-        <a:srgbClr val="9bbb59"/>
+        <a:srgbClr val="9BBB59"/>
       </a:accent3>
       <a:accent4>
-        <a:srgbClr val="8064a2"/>
+        <a:srgbClr val="8064A2"/>
       </a:accent4>
       <a:accent5>
-        <a:srgbClr val="4bacc6"/>
+        <a:srgbClr val="4BACC6"/>
       </a:accent5>
       <a:accent6>
-        <a:srgbClr val="f79646"/>
+        <a:srgbClr val="F79646"/>
       </a:accent6>
       <a:hlink>
-        <a:srgbClr val="0000ff"/>
+        <a:srgbClr val="0000FF"/>
       </a:hlink>
       <a:folHlink>
         <a:srgbClr val="800080"/>
@@ -4758,5 +6752,7 @@
       </a:bgFillStyleLst>
     </a:fmtScheme>
   </a:themeElements>
+  <a:objectDefaults/>
+  <a:extraClrSchemeLst/>
 </a:theme>
 </file>
--- a/SPA/Angular/AngularCont.pptx
+++ b/SPA/Angular/AngularCont.pptx
@@ -112,6 +112,11 @@
       </a:defRPr>
     </a:lvl9pPr>
   </p:defaultTextStyle>
+  <p:extLst>
+    <p:ext uri="{EFAFB233-063F-42B5-8137-9DF3F51BA10A}">
+      <p15:sldGuideLst xmlns:p15="http://schemas.microsoft.com/office/powerpoint/2012/main"/>
+    </p:ext>
+  </p:extLst>
 </p:presentation>
 </file>
 
@@ -4533,6 +4538,43 @@
               </a:rPr>
               <a:t>Angular</a:t>
             </a:r>
+          </a:p>
+        </p:txBody>
+      </p:sp>
+      <p:sp>
+        <p:nvSpPr>
+          <p:cNvPr id="2" name="מלבן 1">
+            <a:extLst>
+              <a:ext uri="{FF2B5EF4-FFF2-40B4-BE49-F238E27FC236}">
+                <a16:creationId xmlns:a16="http://schemas.microsoft.com/office/drawing/2014/main" id="{1261161A-14D2-4D9B-BA8D-75C6D52165B6}"/>
+              </a:ext>
+            </a:extLst>
+          </p:cNvPr>
+          <p:cNvSpPr/>
+          <p:nvPr/>
+        </p:nvSpPr>
+        <p:spPr>
+          <a:xfrm>
+            <a:off x="2985904" y="3595172"/>
+            <a:ext cx="4108817" cy="369332"/>
+          </a:xfrm>
+          <a:prstGeom prst="rect">
+            <a:avLst/>
+          </a:prstGeom>
+        </p:spPr>
+        <p:txBody>
+          <a:bodyPr wrap="none">
+            <a:spAutoFit/>
+          </a:bodyPr>
+          <a:lstStyle/>
+          <a:p>
+            <a:r>
+              <a:rPr lang="he-IL" dirty="0">
+                <a:hlinkClick r:id="rId2"/>
+              </a:rPr>
+              <a:t>https://youtu.be/5wtnKulcquA?t=1232</a:t>
+            </a:r>
+            <a:endParaRPr lang="he-IL" dirty="0"/>
           </a:p>
         </p:txBody>
       </p:sp>
